--- a/Engage_Lesson5/lesson5_space.pptx
+++ b/Engage_Lesson5/lesson5_space.pptx
@@ -5,7 +5,7 @@
     <p:sldMasterId id="2147483673" r:id="rId1"/>
   </p:sldMasterIdLst>
   <p:notesMasterIdLst>
-    <p:notesMasterId r:id="rId9"/>
+    <p:notesMasterId r:id="rId10"/>
   </p:notesMasterIdLst>
   <p:sldIdLst>
     <p:sldId id="256" r:id="rId2"/>
@@ -15,6 +15,7 @@
     <p:sldId id="261" r:id="rId6"/>
     <p:sldId id="262" r:id="rId7"/>
     <p:sldId id="263" r:id="rId8"/>
+    <p:sldId id="264" r:id="rId9"/>
   </p:sldIdLst>
   <p:sldSz cx="12192000" cy="6858000"/>
   <p:notesSz cx="6858000" cy="9144000"/>
@@ -121,6 +122,5512 @@
 </p:presentation>
 </file>
 
+<file path=ppt/diagrams/colors1.xml><?xml version="1.0" encoding="utf-8"?>
+<dgm:colorsDef xmlns:dgm="http://schemas.openxmlformats.org/drawingml/2006/diagram" xmlns:a="http://schemas.openxmlformats.org/drawingml/2006/main" uniqueId="urn:microsoft.com/office/officeart/2018/5/colors/Iconchunking_neutralbg_colorful1">
+  <dgm:title val=""/>
+  <dgm:desc val=""/>
+  <dgm:catLst>
+    <dgm:cat type="colorful" pri="10100"/>
+  </dgm:catLst>
+  <dgm:styleLbl name="node0">
+    <dgm:fillClrLst meth="repeat">
+      <a:schemeClr val="accent1"/>
+    </dgm:fillClrLst>
+    <dgm:linClrLst meth="repeat">
+      <a:schemeClr val="lt1"/>
+    </dgm:linClrLst>
+    <dgm:effectClrLst/>
+    <dgm:txLinClrLst/>
+    <dgm:txFillClrLst/>
+    <dgm:txEffectClrLst/>
+  </dgm:styleLbl>
+  <dgm:styleLbl name="node1">
+    <dgm:fillClrLst meth="repeat">
+      <a:schemeClr val="accent2"/>
+      <a:schemeClr val="accent3"/>
+      <a:schemeClr val="accent4"/>
+      <a:schemeClr val="accent5"/>
+      <a:schemeClr val="accent6"/>
+    </dgm:fillClrLst>
+    <dgm:linClrLst meth="repeat">
+      <a:schemeClr val="lt1">
+        <a:alpha val="0"/>
+      </a:schemeClr>
+    </dgm:linClrLst>
+    <dgm:effectClrLst/>
+    <dgm:txLinClrLst/>
+    <dgm:txFillClrLst/>
+    <dgm:txEffectClrLst/>
+  </dgm:styleLbl>
+  <dgm:styleLbl name="alignNode1">
+    <dgm:fillClrLst meth="repeat">
+      <a:schemeClr val="accent2"/>
+      <a:schemeClr val="accent3"/>
+      <a:schemeClr val="accent4"/>
+      <a:schemeClr val="accent5"/>
+      <a:schemeClr val="accent6"/>
+    </dgm:fillClrLst>
+    <dgm:linClrLst meth="repeat">
+      <a:schemeClr val="accent2"/>
+      <a:schemeClr val="accent3"/>
+      <a:schemeClr val="accent4"/>
+      <a:schemeClr val="accent5"/>
+      <a:schemeClr val="accent6"/>
+    </dgm:linClrLst>
+    <dgm:effectClrLst/>
+    <dgm:txLinClrLst/>
+    <dgm:txFillClrLst/>
+    <dgm:txEffectClrLst/>
+  </dgm:styleLbl>
+  <dgm:styleLbl name="lnNode1">
+    <dgm:fillClrLst meth="repeat">
+      <a:schemeClr val="accent2"/>
+      <a:schemeClr val="accent3"/>
+      <a:schemeClr val="accent4"/>
+      <a:schemeClr val="accent5"/>
+      <a:schemeClr val="accent6"/>
+    </dgm:fillClrLst>
+    <dgm:linClrLst meth="repeat">
+      <a:schemeClr val="lt1"/>
+    </dgm:linClrLst>
+    <dgm:effectClrLst/>
+    <dgm:txLinClrLst/>
+    <dgm:txFillClrLst/>
+    <dgm:txEffectClrLst/>
+  </dgm:styleLbl>
+  <dgm:styleLbl name="vennNode1">
+    <dgm:fillClrLst meth="repeat">
+      <a:schemeClr val="accent2">
+        <a:alpha val="50000"/>
+      </a:schemeClr>
+      <a:schemeClr val="accent3">
+        <a:alpha val="50000"/>
+      </a:schemeClr>
+      <a:schemeClr val="accent4">
+        <a:alpha val="50000"/>
+      </a:schemeClr>
+      <a:schemeClr val="accent5">
+        <a:alpha val="50000"/>
+      </a:schemeClr>
+      <a:schemeClr val="accent6">
+        <a:alpha val="50000"/>
+      </a:schemeClr>
+    </dgm:fillClrLst>
+    <dgm:linClrLst meth="repeat">
+      <a:schemeClr val="lt1"/>
+    </dgm:linClrLst>
+    <dgm:effectClrLst/>
+    <dgm:txLinClrLst/>
+    <dgm:txFillClrLst/>
+    <dgm:txEffectClrLst/>
+  </dgm:styleLbl>
+  <dgm:styleLbl name="node2">
+    <dgm:fillClrLst>
+      <a:schemeClr val="accent2"/>
+    </dgm:fillClrLst>
+    <dgm:linClrLst meth="repeat">
+      <a:schemeClr val="lt1"/>
+    </dgm:linClrLst>
+    <dgm:effectClrLst/>
+    <dgm:txLinClrLst/>
+    <dgm:txFillClrLst/>
+    <dgm:txEffectClrLst/>
+  </dgm:styleLbl>
+  <dgm:styleLbl name="node3">
+    <dgm:fillClrLst>
+      <a:schemeClr val="accent3"/>
+    </dgm:fillClrLst>
+    <dgm:linClrLst meth="repeat">
+      <a:schemeClr val="lt1"/>
+    </dgm:linClrLst>
+    <dgm:effectClrLst/>
+    <dgm:txLinClrLst/>
+    <dgm:txFillClrLst/>
+    <dgm:txEffectClrLst/>
+  </dgm:styleLbl>
+  <dgm:styleLbl name="node4">
+    <dgm:fillClrLst>
+      <a:schemeClr val="accent4"/>
+    </dgm:fillClrLst>
+    <dgm:linClrLst meth="repeat">
+      <a:schemeClr val="lt1"/>
+    </dgm:linClrLst>
+    <dgm:effectClrLst/>
+    <dgm:txLinClrLst/>
+    <dgm:txFillClrLst/>
+    <dgm:txEffectClrLst/>
+  </dgm:styleLbl>
+  <dgm:styleLbl name="fgImgPlace1">
+    <dgm:fillClrLst meth="repeat">
+      <a:schemeClr val="accent2">
+        <a:tint val="50000"/>
+      </a:schemeClr>
+      <a:schemeClr val="accent3">
+        <a:tint val="50000"/>
+      </a:schemeClr>
+      <a:schemeClr val="accent4">
+        <a:tint val="50000"/>
+      </a:schemeClr>
+      <a:schemeClr val="accent5">
+        <a:tint val="50000"/>
+      </a:schemeClr>
+      <a:schemeClr val="accent6">
+        <a:tint val="50000"/>
+      </a:schemeClr>
+    </dgm:fillClrLst>
+    <dgm:linClrLst meth="repeat">
+      <a:schemeClr val="lt1"/>
+    </dgm:linClrLst>
+    <dgm:effectClrLst/>
+    <dgm:txLinClrLst/>
+    <dgm:txFillClrLst meth="repeat">
+      <a:schemeClr val="lt1"/>
+    </dgm:txFillClrLst>
+    <dgm:txEffectClrLst/>
+  </dgm:styleLbl>
+  <dgm:styleLbl name="alignImgPlace1">
+    <dgm:fillClrLst>
+      <a:schemeClr val="accent1">
+        <a:tint val="50000"/>
+      </a:schemeClr>
+      <a:schemeClr val="accent2">
+        <a:tint val="20000"/>
+      </a:schemeClr>
+    </dgm:fillClrLst>
+    <dgm:linClrLst meth="repeat">
+      <a:schemeClr val="lt1"/>
+    </dgm:linClrLst>
+    <dgm:effectClrLst/>
+    <dgm:txLinClrLst/>
+    <dgm:txFillClrLst meth="repeat">
+      <a:schemeClr val="lt1"/>
+    </dgm:txFillClrLst>
+    <dgm:txEffectClrLst/>
+  </dgm:styleLbl>
+  <dgm:styleLbl name="bgImgPlace1">
+    <dgm:fillClrLst>
+      <a:schemeClr val="accent1">
+        <a:tint val="50000"/>
+      </a:schemeClr>
+      <a:schemeClr val="accent2">
+        <a:tint val="20000"/>
+      </a:schemeClr>
+    </dgm:fillClrLst>
+    <dgm:linClrLst meth="repeat">
+      <a:schemeClr val="lt1"/>
+    </dgm:linClrLst>
+    <dgm:effectClrLst/>
+    <dgm:txLinClrLst/>
+    <dgm:txFillClrLst meth="repeat">
+      <a:schemeClr val="lt1"/>
+    </dgm:txFillClrLst>
+    <dgm:txEffectClrLst/>
+  </dgm:styleLbl>
+  <dgm:styleLbl name="sibTrans2D1">
+    <dgm:fillClrLst meth="repeat">
+      <a:schemeClr val="accent2"/>
+      <a:schemeClr val="accent3"/>
+      <a:schemeClr val="accent4"/>
+      <a:schemeClr val="accent5"/>
+      <a:schemeClr val="accent6"/>
+    </dgm:fillClrLst>
+    <dgm:linClrLst meth="cycle">
+      <a:schemeClr val="lt1"/>
+    </dgm:linClrLst>
+    <dgm:effectClrLst/>
+    <dgm:txLinClrLst/>
+    <dgm:txFillClrLst/>
+    <dgm:txEffectClrLst/>
+  </dgm:styleLbl>
+  <dgm:styleLbl name="fgSibTrans2D1">
+    <dgm:fillClrLst meth="repeat">
+      <a:schemeClr val="accent2"/>
+      <a:schemeClr val="accent3"/>
+      <a:schemeClr val="accent4"/>
+      <a:schemeClr val="accent5"/>
+      <a:schemeClr val="accent6"/>
+    </dgm:fillClrLst>
+    <dgm:linClrLst meth="cycle">
+      <a:schemeClr val="lt1"/>
+    </dgm:linClrLst>
+    <dgm:effectClrLst/>
+    <dgm:txLinClrLst/>
+    <dgm:txFillClrLst meth="repeat">
+      <a:schemeClr val="lt1"/>
+    </dgm:txFillClrLst>
+    <dgm:txEffectClrLst/>
+  </dgm:styleLbl>
+  <dgm:styleLbl name="bgSibTrans2D1">
+    <dgm:fillClrLst meth="repeat">
+      <a:schemeClr val="accent2"/>
+      <a:schemeClr val="accent3"/>
+      <a:schemeClr val="accent4"/>
+      <a:schemeClr val="accent5"/>
+      <a:schemeClr val="accent6"/>
+    </dgm:fillClrLst>
+    <dgm:linClrLst meth="cycle">
+      <a:schemeClr val="lt1"/>
+    </dgm:linClrLst>
+    <dgm:effectClrLst/>
+    <dgm:txLinClrLst/>
+    <dgm:txFillClrLst meth="repeat">
+      <a:schemeClr val="lt1"/>
+    </dgm:txFillClrLst>
+    <dgm:txEffectClrLst/>
+  </dgm:styleLbl>
+  <dgm:styleLbl name="sibTrans1D1">
+    <dgm:fillClrLst meth="repeat">
+      <a:schemeClr val="accent2"/>
+      <a:schemeClr val="accent3"/>
+      <a:schemeClr val="accent4"/>
+      <a:schemeClr val="accent5"/>
+      <a:schemeClr val="accent6"/>
+    </dgm:fillClrLst>
+    <dgm:linClrLst meth="repeat">
+      <a:schemeClr val="accent2"/>
+      <a:schemeClr val="accent3"/>
+      <a:schemeClr val="accent4"/>
+      <a:schemeClr val="accent5"/>
+      <a:schemeClr val="accent6"/>
+    </dgm:linClrLst>
+    <dgm:effectClrLst/>
+    <dgm:txLinClrLst/>
+    <dgm:txFillClrLst meth="repeat">
+      <a:schemeClr val="tx1"/>
+    </dgm:txFillClrLst>
+    <dgm:txEffectClrLst/>
+  </dgm:styleLbl>
+  <dgm:styleLbl name="callout">
+    <dgm:fillClrLst meth="repeat">
+      <a:schemeClr val="accent2"/>
+    </dgm:fillClrLst>
+    <dgm:linClrLst meth="repeat">
+      <a:schemeClr val="accent2">
+        <a:tint val="50000"/>
+      </a:schemeClr>
+    </dgm:linClrLst>
+    <dgm:effectClrLst/>
+    <dgm:txLinClrLst/>
+    <dgm:txFillClrLst meth="repeat">
+      <a:schemeClr val="tx1"/>
+    </dgm:txFillClrLst>
+    <dgm:txEffectClrLst/>
+  </dgm:styleLbl>
+  <dgm:styleLbl name="asst0">
+    <dgm:fillClrLst meth="repeat">
+      <a:schemeClr val="accent1"/>
+    </dgm:fillClrLst>
+    <dgm:linClrLst meth="repeat">
+      <a:schemeClr val="lt1"/>
+    </dgm:linClrLst>
+    <dgm:effectClrLst/>
+    <dgm:txLinClrLst/>
+    <dgm:txFillClrLst/>
+    <dgm:txEffectClrLst/>
+  </dgm:styleLbl>
+  <dgm:styleLbl name="asst1">
+    <dgm:fillClrLst meth="repeat">
+      <a:schemeClr val="accent2"/>
+    </dgm:fillClrLst>
+    <dgm:linClrLst meth="repeat">
+      <a:schemeClr val="lt1"/>
+    </dgm:linClrLst>
+    <dgm:effectClrLst/>
+    <dgm:txLinClrLst/>
+    <dgm:txFillClrLst/>
+    <dgm:txEffectClrLst/>
+  </dgm:styleLbl>
+  <dgm:styleLbl name="asst2">
+    <dgm:fillClrLst>
+      <a:schemeClr val="accent3"/>
+    </dgm:fillClrLst>
+    <dgm:linClrLst meth="repeat">
+      <a:schemeClr val="lt1"/>
+    </dgm:linClrLst>
+    <dgm:effectClrLst/>
+    <dgm:txLinClrLst/>
+    <dgm:txFillClrLst/>
+    <dgm:txEffectClrLst/>
+  </dgm:styleLbl>
+  <dgm:styleLbl name="asst3">
+    <dgm:fillClrLst>
+      <a:schemeClr val="accent4"/>
+    </dgm:fillClrLst>
+    <dgm:linClrLst meth="repeat">
+      <a:schemeClr val="lt1"/>
+    </dgm:linClrLst>
+    <dgm:effectClrLst/>
+    <dgm:txLinClrLst/>
+    <dgm:txFillClrLst/>
+    <dgm:txEffectClrLst/>
+  </dgm:styleLbl>
+  <dgm:styleLbl name="asst4">
+    <dgm:fillClrLst>
+      <a:schemeClr val="accent5"/>
+    </dgm:fillClrLst>
+    <dgm:linClrLst meth="repeat">
+      <a:schemeClr val="lt1"/>
+    </dgm:linClrLst>
+    <dgm:effectClrLst/>
+    <dgm:txLinClrLst/>
+    <dgm:txFillClrLst/>
+    <dgm:txEffectClrLst/>
+  </dgm:styleLbl>
+  <dgm:styleLbl name="parChTrans2D1">
+    <dgm:fillClrLst meth="repeat">
+      <a:schemeClr val="accent2"/>
+    </dgm:fillClrLst>
+    <dgm:linClrLst meth="repeat">
+      <a:schemeClr val="lt1"/>
+    </dgm:linClrLst>
+    <dgm:effectClrLst/>
+    <dgm:txLinClrLst/>
+    <dgm:txFillClrLst meth="repeat">
+      <a:schemeClr val="lt1"/>
+    </dgm:txFillClrLst>
+    <dgm:txEffectClrLst/>
+  </dgm:styleLbl>
+  <dgm:styleLbl name="parChTrans2D2">
+    <dgm:fillClrLst meth="repeat">
+      <a:schemeClr val="accent3"/>
+    </dgm:fillClrLst>
+    <dgm:linClrLst meth="repeat">
+      <a:schemeClr val="lt1"/>
+    </dgm:linClrLst>
+    <dgm:effectClrLst/>
+    <dgm:txLinClrLst/>
+    <dgm:txFillClrLst/>
+    <dgm:txEffectClrLst/>
+  </dgm:styleLbl>
+  <dgm:styleLbl name="parChTrans2D3">
+    <dgm:fillClrLst meth="repeat">
+      <a:schemeClr val="accent4"/>
+    </dgm:fillClrLst>
+    <dgm:linClrLst meth="repeat">
+      <a:schemeClr val="lt1"/>
+    </dgm:linClrLst>
+    <dgm:effectClrLst/>
+    <dgm:txLinClrLst/>
+    <dgm:txFillClrLst/>
+    <dgm:txEffectClrLst/>
+  </dgm:styleLbl>
+  <dgm:styleLbl name="parChTrans2D4">
+    <dgm:fillClrLst meth="repeat">
+      <a:schemeClr val="accent5"/>
+    </dgm:fillClrLst>
+    <dgm:linClrLst meth="repeat">
+      <a:schemeClr val="lt1"/>
+    </dgm:linClrLst>
+    <dgm:effectClrLst/>
+    <dgm:txLinClrLst/>
+    <dgm:txFillClrLst meth="repeat">
+      <a:schemeClr val="lt1"/>
+    </dgm:txFillClrLst>
+    <dgm:txEffectClrLst/>
+  </dgm:styleLbl>
+  <dgm:styleLbl name="parChTrans1D1">
+    <dgm:fillClrLst meth="repeat">
+      <a:schemeClr val="accent2"/>
+    </dgm:fillClrLst>
+    <dgm:linClrLst meth="repeat">
+      <a:schemeClr val="accent1"/>
+    </dgm:linClrLst>
+    <dgm:effectClrLst/>
+    <dgm:txLinClrLst/>
+    <dgm:txFillClrLst meth="repeat">
+      <a:schemeClr val="tx1"/>
+    </dgm:txFillClrLst>
+    <dgm:txEffectClrLst/>
+  </dgm:styleLbl>
+  <dgm:styleLbl name="parChTrans1D2">
+    <dgm:fillClrLst meth="repeat">
+      <a:schemeClr val="accent3">
+        <a:tint val="90000"/>
+      </a:schemeClr>
+    </dgm:fillClrLst>
+    <dgm:linClrLst meth="repeat">
+      <a:schemeClr val="accent2"/>
+    </dgm:linClrLst>
+    <dgm:effectClrLst/>
+    <dgm:txLinClrLst/>
+    <dgm:txFillClrLst meth="repeat">
+      <a:schemeClr val="tx1"/>
+    </dgm:txFillClrLst>
+    <dgm:txEffectClrLst/>
+  </dgm:styleLbl>
+  <dgm:styleLbl name="parChTrans1D3">
+    <dgm:fillClrLst meth="repeat">
+      <a:schemeClr val="accent4">
+        <a:tint val="70000"/>
+      </a:schemeClr>
+    </dgm:fillClrLst>
+    <dgm:linClrLst meth="repeat">
+      <a:schemeClr val="accent3"/>
+    </dgm:linClrLst>
+    <dgm:effectClrLst/>
+    <dgm:txLinClrLst/>
+    <dgm:txFillClrLst meth="repeat">
+      <a:schemeClr val="tx1"/>
+    </dgm:txFillClrLst>
+    <dgm:txEffectClrLst/>
+  </dgm:styleLbl>
+  <dgm:styleLbl name="parChTrans1D4">
+    <dgm:fillClrLst meth="repeat">
+      <a:schemeClr val="accent5">
+        <a:tint val="50000"/>
+      </a:schemeClr>
+    </dgm:fillClrLst>
+    <dgm:linClrLst meth="repeat">
+      <a:schemeClr val="accent4"/>
+    </dgm:linClrLst>
+    <dgm:effectClrLst/>
+    <dgm:txLinClrLst/>
+    <dgm:txFillClrLst meth="repeat">
+      <a:schemeClr val="tx1"/>
+    </dgm:txFillClrLst>
+    <dgm:txEffectClrLst/>
+  </dgm:styleLbl>
+  <dgm:styleLbl name="fgAcc1">
+    <dgm:fillClrLst meth="repeat">
+      <a:schemeClr val="lt1">
+        <a:alpha val="90000"/>
+      </a:schemeClr>
+    </dgm:fillClrLst>
+    <dgm:linClrLst meth="repeat">
+      <a:schemeClr val="accent2"/>
+      <a:schemeClr val="accent3"/>
+      <a:schemeClr val="accent4"/>
+      <a:schemeClr val="accent5"/>
+      <a:schemeClr val="accent6"/>
+    </dgm:linClrLst>
+    <dgm:effectClrLst/>
+    <dgm:txLinClrLst/>
+    <dgm:txFillClrLst meth="repeat">
+      <a:schemeClr val="dk1"/>
+    </dgm:txFillClrLst>
+    <dgm:txEffectClrLst/>
+  </dgm:styleLbl>
+  <dgm:styleLbl name="conFgAcc1">
+    <dgm:fillClrLst meth="repeat">
+      <a:schemeClr val="lt1">
+        <a:alpha val="90000"/>
+      </a:schemeClr>
+    </dgm:fillClrLst>
+    <dgm:linClrLst meth="repeat">
+      <a:schemeClr val="accent2"/>
+      <a:schemeClr val="accent3"/>
+      <a:schemeClr val="accent4"/>
+      <a:schemeClr val="accent5"/>
+      <a:schemeClr val="accent6"/>
+    </dgm:linClrLst>
+    <dgm:effectClrLst/>
+    <dgm:txLinClrLst/>
+    <dgm:txFillClrLst meth="repeat">
+      <a:schemeClr val="dk1"/>
+    </dgm:txFillClrLst>
+    <dgm:txEffectClrLst/>
+  </dgm:styleLbl>
+  <dgm:styleLbl name="alignAcc1">
+    <dgm:fillClrLst meth="repeat">
+      <a:schemeClr val="lt1">
+        <a:alpha val="90000"/>
+      </a:schemeClr>
+    </dgm:fillClrLst>
+    <dgm:linClrLst meth="repeat">
+      <a:schemeClr val="accent2"/>
+      <a:schemeClr val="accent3"/>
+      <a:schemeClr val="accent4"/>
+      <a:schemeClr val="accent5"/>
+      <a:schemeClr val="accent6"/>
+    </dgm:linClrLst>
+    <dgm:effectClrLst/>
+    <dgm:txLinClrLst/>
+    <dgm:txFillClrLst meth="repeat">
+      <a:schemeClr val="dk1"/>
+    </dgm:txFillClrLst>
+    <dgm:txEffectClrLst/>
+  </dgm:styleLbl>
+  <dgm:styleLbl name="trAlignAcc1">
+    <dgm:fillClrLst meth="repeat">
+      <a:schemeClr val="lt1">
+        <a:alpha val="40000"/>
+      </a:schemeClr>
+    </dgm:fillClrLst>
+    <dgm:linClrLst meth="repeat">
+      <a:schemeClr val="accent1"/>
+    </dgm:linClrLst>
+    <dgm:effectClrLst/>
+    <dgm:txLinClrLst/>
+    <dgm:txFillClrLst meth="repeat">
+      <a:schemeClr val="dk1"/>
+    </dgm:txFillClrLst>
+    <dgm:txEffectClrLst/>
+  </dgm:styleLbl>
+  <dgm:styleLbl name="bgAcc1">
+    <dgm:fillClrLst meth="repeat">
+      <a:schemeClr val="lt1">
+        <a:alpha val="90000"/>
+      </a:schemeClr>
+    </dgm:fillClrLst>
+    <dgm:linClrLst meth="repeat">
+      <a:schemeClr val="accent2"/>
+      <a:schemeClr val="accent3"/>
+      <a:schemeClr val="accent4"/>
+      <a:schemeClr val="accent5"/>
+      <a:schemeClr val="accent6"/>
+    </dgm:linClrLst>
+    <dgm:effectClrLst/>
+    <dgm:txLinClrLst/>
+    <dgm:txFillClrLst meth="repeat">
+      <a:schemeClr val="dk1"/>
+    </dgm:txFillClrLst>
+    <dgm:txEffectClrLst/>
+  </dgm:styleLbl>
+  <dgm:styleLbl name="solidFgAcc1">
+    <dgm:fillClrLst meth="repeat">
+      <a:schemeClr val="lt1"/>
+    </dgm:fillClrLst>
+    <dgm:linClrLst meth="repeat">
+      <a:schemeClr val="accent2"/>
+      <a:schemeClr val="accent3"/>
+      <a:schemeClr val="accent4"/>
+      <a:schemeClr val="accent5"/>
+      <a:schemeClr val="accent6"/>
+    </dgm:linClrLst>
+    <dgm:effectClrLst/>
+    <dgm:txLinClrLst/>
+    <dgm:txFillClrLst meth="repeat">
+      <a:schemeClr val="dk1"/>
+    </dgm:txFillClrLst>
+    <dgm:txEffectClrLst/>
+  </dgm:styleLbl>
+  <dgm:styleLbl name="solidAlignAcc1">
+    <dgm:fillClrLst meth="repeat">
+      <a:schemeClr val="lt1"/>
+    </dgm:fillClrLst>
+    <dgm:linClrLst meth="repeat">
+      <a:schemeClr val="accent2"/>
+      <a:schemeClr val="accent3"/>
+      <a:schemeClr val="accent4"/>
+      <a:schemeClr val="accent5"/>
+      <a:schemeClr val="accent6"/>
+    </dgm:linClrLst>
+    <dgm:effectClrLst/>
+    <dgm:txLinClrLst/>
+    <dgm:txFillClrLst meth="repeat">
+      <a:schemeClr val="dk1"/>
+    </dgm:txFillClrLst>
+    <dgm:txEffectClrLst/>
+  </dgm:styleLbl>
+  <dgm:styleLbl name="solidBgAcc1">
+    <dgm:fillClrLst meth="repeat">
+      <a:schemeClr val="lt1"/>
+    </dgm:fillClrLst>
+    <dgm:linClrLst meth="repeat">
+      <a:schemeClr val="accent2"/>
+      <a:schemeClr val="accent3"/>
+      <a:schemeClr val="accent4"/>
+      <a:schemeClr val="accent5"/>
+      <a:schemeClr val="accent6"/>
+    </dgm:linClrLst>
+    <dgm:effectClrLst/>
+    <dgm:txLinClrLst/>
+    <dgm:txFillClrLst meth="repeat">
+      <a:schemeClr val="dk1"/>
+    </dgm:txFillClrLst>
+    <dgm:txEffectClrLst/>
+  </dgm:styleLbl>
+  <dgm:styleLbl name="fgAccFollowNode1">
+    <dgm:fillClrLst meth="repeat">
+      <a:schemeClr val="accent2">
+        <a:tint val="40000"/>
+        <a:alpha val="90000"/>
+      </a:schemeClr>
+      <a:schemeClr val="accent3">
+        <a:tint val="40000"/>
+        <a:alpha val="90000"/>
+      </a:schemeClr>
+      <a:schemeClr val="accent4">
+        <a:tint val="40000"/>
+        <a:alpha val="90000"/>
+      </a:schemeClr>
+      <a:schemeClr val="accent5">
+        <a:tint val="40000"/>
+        <a:alpha val="90000"/>
+      </a:schemeClr>
+      <a:schemeClr val="accent6">
+        <a:tint val="40000"/>
+        <a:alpha val="90000"/>
+      </a:schemeClr>
+    </dgm:fillClrLst>
+    <dgm:linClrLst meth="repeat">
+      <a:schemeClr val="accent2">
+        <a:tint val="40000"/>
+        <a:alpha val="90000"/>
+      </a:schemeClr>
+      <a:schemeClr val="accent3">
+        <a:tint val="40000"/>
+        <a:alpha val="90000"/>
+      </a:schemeClr>
+      <a:schemeClr val="accent4">
+        <a:tint val="40000"/>
+        <a:alpha val="90000"/>
+      </a:schemeClr>
+      <a:schemeClr val="accent5">
+        <a:tint val="40000"/>
+        <a:alpha val="90000"/>
+      </a:schemeClr>
+      <a:schemeClr val="accent6">
+        <a:tint val="40000"/>
+        <a:alpha val="90000"/>
+      </a:schemeClr>
+    </dgm:linClrLst>
+    <dgm:effectClrLst/>
+    <dgm:txLinClrLst/>
+    <dgm:txFillClrLst meth="repeat">
+      <a:schemeClr val="dk1"/>
+    </dgm:txFillClrLst>
+    <dgm:txEffectClrLst/>
+  </dgm:styleLbl>
+  <dgm:styleLbl name="alignAccFollowNode1">
+    <dgm:fillClrLst meth="repeat">
+      <a:schemeClr val="accent2">
+        <a:tint val="40000"/>
+        <a:alpha val="90000"/>
+      </a:schemeClr>
+      <a:schemeClr val="accent3">
+        <a:tint val="40000"/>
+        <a:alpha val="90000"/>
+      </a:schemeClr>
+      <a:schemeClr val="accent4">
+        <a:tint val="40000"/>
+        <a:alpha val="90000"/>
+      </a:schemeClr>
+      <a:schemeClr val="accent5">
+        <a:tint val="40000"/>
+        <a:alpha val="90000"/>
+      </a:schemeClr>
+      <a:schemeClr val="accent6">
+        <a:tint val="40000"/>
+        <a:alpha val="90000"/>
+      </a:schemeClr>
+    </dgm:fillClrLst>
+    <dgm:linClrLst meth="repeat">
+      <a:schemeClr val="accent2">
+        <a:tint val="40000"/>
+        <a:alpha val="90000"/>
+      </a:schemeClr>
+      <a:schemeClr val="accent3">
+        <a:tint val="40000"/>
+        <a:alpha val="90000"/>
+      </a:schemeClr>
+      <a:schemeClr val="accent4">
+        <a:tint val="40000"/>
+        <a:alpha val="90000"/>
+      </a:schemeClr>
+      <a:schemeClr val="accent5">
+        <a:tint val="40000"/>
+        <a:alpha val="90000"/>
+      </a:schemeClr>
+      <a:schemeClr val="accent6">
+        <a:tint val="40000"/>
+        <a:alpha val="90000"/>
+      </a:schemeClr>
+    </dgm:linClrLst>
+    <dgm:effectClrLst/>
+    <dgm:txLinClrLst/>
+    <dgm:txFillClrLst meth="repeat">
+      <a:schemeClr val="dk1"/>
+    </dgm:txFillClrLst>
+    <dgm:txEffectClrLst/>
+  </dgm:styleLbl>
+  <dgm:styleLbl name="bgAccFollowNode1">
+    <dgm:fillClrLst meth="repeat">
+      <a:schemeClr val="accent2">
+        <a:tint val="40000"/>
+        <a:alpha val="90000"/>
+      </a:schemeClr>
+      <a:schemeClr val="accent3">
+        <a:tint val="40000"/>
+        <a:alpha val="90000"/>
+      </a:schemeClr>
+      <a:schemeClr val="accent4">
+        <a:tint val="40000"/>
+        <a:alpha val="90000"/>
+      </a:schemeClr>
+      <a:schemeClr val="accent5">
+        <a:tint val="40000"/>
+        <a:alpha val="90000"/>
+      </a:schemeClr>
+      <a:schemeClr val="accent6">
+        <a:tint val="40000"/>
+        <a:alpha val="90000"/>
+      </a:schemeClr>
+    </dgm:fillClrLst>
+    <dgm:linClrLst meth="repeat">
+      <a:schemeClr val="accent2">
+        <a:tint val="40000"/>
+        <a:alpha val="90000"/>
+      </a:schemeClr>
+      <a:schemeClr val="accent3">
+        <a:tint val="40000"/>
+        <a:alpha val="90000"/>
+      </a:schemeClr>
+      <a:schemeClr val="accent4">
+        <a:tint val="40000"/>
+        <a:alpha val="90000"/>
+      </a:schemeClr>
+      <a:schemeClr val="accent5">
+        <a:tint val="40000"/>
+        <a:alpha val="90000"/>
+      </a:schemeClr>
+      <a:schemeClr val="accent6">
+        <a:tint val="40000"/>
+        <a:alpha val="90000"/>
+      </a:schemeClr>
+    </dgm:linClrLst>
+    <dgm:effectClrLst/>
+    <dgm:txLinClrLst/>
+    <dgm:txFillClrLst meth="repeat">
+      <a:schemeClr val="dk1"/>
+    </dgm:txFillClrLst>
+    <dgm:txEffectClrLst/>
+  </dgm:styleLbl>
+  <dgm:styleLbl name="fgAcc0">
+    <dgm:fillClrLst meth="repeat">
+      <a:schemeClr val="lt1">
+        <a:alpha val="90000"/>
+      </a:schemeClr>
+    </dgm:fillClrLst>
+    <dgm:linClrLst>
+      <a:schemeClr val="accent1"/>
+    </dgm:linClrLst>
+    <dgm:effectClrLst/>
+    <dgm:txLinClrLst/>
+    <dgm:txFillClrLst meth="repeat">
+      <a:schemeClr val="dk1"/>
+    </dgm:txFillClrLst>
+    <dgm:txEffectClrLst/>
+  </dgm:styleLbl>
+  <dgm:styleLbl name="fgAcc2">
+    <dgm:fillClrLst meth="repeat">
+      <a:schemeClr val="lt1">
+        <a:alpha val="90000"/>
+      </a:schemeClr>
+    </dgm:fillClrLst>
+    <dgm:linClrLst>
+      <a:schemeClr val="accent2"/>
+    </dgm:linClrLst>
+    <dgm:effectClrLst/>
+    <dgm:txLinClrLst/>
+    <dgm:txFillClrLst meth="repeat">
+      <a:schemeClr val="dk1"/>
+    </dgm:txFillClrLst>
+    <dgm:txEffectClrLst/>
+  </dgm:styleLbl>
+  <dgm:styleLbl name="fgAcc3">
+    <dgm:fillClrLst meth="repeat">
+      <a:schemeClr val="lt1">
+        <a:alpha val="90000"/>
+      </a:schemeClr>
+    </dgm:fillClrLst>
+    <dgm:linClrLst>
+      <a:schemeClr val="accent3"/>
+    </dgm:linClrLst>
+    <dgm:effectClrLst/>
+    <dgm:txLinClrLst/>
+    <dgm:txFillClrLst meth="repeat">
+      <a:schemeClr val="dk1"/>
+    </dgm:txFillClrLst>
+    <dgm:txEffectClrLst/>
+  </dgm:styleLbl>
+  <dgm:styleLbl name="fgAcc4">
+    <dgm:fillClrLst meth="repeat">
+      <a:schemeClr val="lt1">
+        <a:alpha val="90000"/>
+      </a:schemeClr>
+    </dgm:fillClrLst>
+    <dgm:linClrLst>
+      <a:schemeClr val="accent4"/>
+    </dgm:linClrLst>
+    <dgm:effectClrLst/>
+    <dgm:txLinClrLst/>
+    <dgm:txFillClrLst meth="repeat">
+      <a:schemeClr val="dk1"/>
+    </dgm:txFillClrLst>
+    <dgm:txEffectClrLst/>
+  </dgm:styleLbl>
+  <dgm:styleLbl name="bgShp">
+    <dgm:fillClrLst meth="repeat">
+      <a:schemeClr val="bg1">
+        <a:lumMod val="95000"/>
+      </a:schemeClr>
+    </dgm:fillClrLst>
+    <dgm:linClrLst meth="repeat">
+      <a:schemeClr val="dk1"/>
+    </dgm:linClrLst>
+    <dgm:effectClrLst/>
+    <dgm:txLinClrLst/>
+    <dgm:txFillClrLst meth="repeat">
+      <a:schemeClr val="dk1"/>
+    </dgm:txFillClrLst>
+    <dgm:txEffectClrLst/>
+  </dgm:styleLbl>
+  <dgm:styleLbl name="dkBgShp">
+    <dgm:fillClrLst meth="repeat">
+      <a:schemeClr val="accent2">
+        <a:shade val="90000"/>
+      </a:schemeClr>
+    </dgm:fillClrLst>
+    <dgm:linClrLst meth="repeat">
+      <a:schemeClr val="dk1"/>
+    </dgm:linClrLst>
+    <dgm:effectClrLst/>
+    <dgm:txLinClrLst/>
+    <dgm:txFillClrLst meth="repeat">
+      <a:schemeClr val="lt1"/>
+    </dgm:txFillClrLst>
+    <dgm:txEffectClrLst/>
+  </dgm:styleLbl>
+  <dgm:styleLbl name="trBgShp">
+    <dgm:fillClrLst meth="repeat">
+      <a:schemeClr val="accent1">
+        <a:tint val="50000"/>
+        <a:alpha val="40000"/>
+      </a:schemeClr>
+    </dgm:fillClrLst>
+    <dgm:linClrLst meth="repeat">
+      <a:schemeClr val="accent2"/>
+    </dgm:linClrLst>
+    <dgm:effectClrLst/>
+    <dgm:txLinClrLst/>
+    <dgm:txFillClrLst meth="repeat">
+      <a:schemeClr val="lt1"/>
+    </dgm:txFillClrLst>
+    <dgm:txEffectClrLst/>
+  </dgm:styleLbl>
+  <dgm:styleLbl name="fgShp">
+    <dgm:fillClrLst meth="repeat">
+      <a:schemeClr val="accent2">
+        <a:tint val="40000"/>
+      </a:schemeClr>
+    </dgm:fillClrLst>
+    <dgm:linClrLst meth="repeat">
+      <a:schemeClr val="lt1"/>
+    </dgm:linClrLst>
+    <dgm:effectClrLst/>
+    <dgm:txLinClrLst/>
+    <dgm:txFillClrLst meth="repeat">
+      <a:schemeClr val="dk1"/>
+    </dgm:txFillClrLst>
+    <dgm:txEffectClrLst/>
+  </dgm:styleLbl>
+  <dgm:styleLbl name="revTx">
+    <dgm:fillClrLst meth="repeat">
+      <a:schemeClr val="lt1">
+        <a:alpha val="0"/>
+      </a:schemeClr>
+    </dgm:fillClrLst>
+    <dgm:linClrLst meth="repeat">
+      <a:schemeClr val="dk1">
+        <a:alpha val="0"/>
+      </a:schemeClr>
+    </dgm:linClrLst>
+    <dgm:effectClrLst/>
+    <dgm:txLinClrLst/>
+    <dgm:txFillClrLst meth="repeat">
+      <a:schemeClr val="tx1"/>
+    </dgm:txFillClrLst>
+    <dgm:txEffectClrLst/>
+  </dgm:styleLbl>
+</dgm:colorsDef>
+</file>
+
+<file path=ppt/diagrams/colors2.xml><?xml version="1.0" encoding="utf-8"?>
+<dgm:colorsDef xmlns:dgm="http://schemas.openxmlformats.org/drawingml/2006/diagram" xmlns:a="http://schemas.openxmlformats.org/drawingml/2006/main" uniqueId="urn:microsoft.com/office/officeart/2005/8/colors/colorful1">
+  <dgm:title val=""/>
+  <dgm:desc val=""/>
+  <dgm:catLst>
+    <dgm:cat type="colorful" pri="10100"/>
+  </dgm:catLst>
+  <dgm:styleLbl name="node0">
+    <dgm:fillClrLst meth="repeat">
+      <a:schemeClr val="accent1"/>
+    </dgm:fillClrLst>
+    <dgm:linClrLst meth="repeat">
+      <a:schemeClr val="lt1"/>
+    </dgm:linClrLst>
+    <dgm:effectClrLst/>
+    <dgm:txLinClrLst/>
+    <dgm:txFillClrLst/>
+    <dgm:txEffectClrLst/>
+  </dgm:styleLbl>
+  <dgm:styleLbl name="node1">
+    <dgm:fillClrLst meth="repeat">
+      <a:schemeClr val="accent2"/>
+      <a:schemeClr val="accent3"/>
+      <a:schemeClr val="accent4"/>
+      <a:schemeClr val="accent5"/>
+      <a:schemeClr val="accent6"/>
+    </dgm:fillClrLst>
+    <dgm:linClrLst meth="repeat">
+      <a:schemeClr val="lt1"/>
+    </dgm:linClrLst>
+    <dgm:effectClrLst/>
+    <dgm:txLinClrLst/>
+    <dgm:txFillClrLst/>
+    <dgm:txEffectClrLst/>
+  </dgm:styleLbl>
+  <dgm:styleLbl name="alignNode1">
+    <dgm:fillClrLst meth="repeat">
+      <a:schemeClr val="accent2"/>
+      <a:schemeClr val="accent3"/>
+      <a:schemeClr val="accent4"/>
+      <a:schemeClr val="accent5"/>
+      <a:schemeClr val="accent6"/>
+    </dgm:fillClrLst>
+    <dgm:linClrLst meth="repeat">
+      <a:schemeClr val="accent2"/>
+      <a:schemeClr val="accent3"/>
+      <a:schemeClr val="accent4"/>
+      <a:schemeClr val="accent5"/>
+      <a:schemeClr val="accent6"/>
+    </dgm:linClrLst>
+    <dgm:effectClrLst/>
+    <dgm:txLinClrLst/>
+    <dgm:txFillClrLst/>
+    <dgm:txEffectClrLst/>
+  </dgm:styleLbl>
+  <dgm:styleLbl name="lnNode1">
+    <dgm:fillClrLst meth="repeat">
+      <a:schemeClr val="accent2"/>
+      <a:schemeClr val="accent3"/>
+      <a:schemeClr val="accent4"/>
+      <a:schemeClr val="accent5"/>
+      <a:schemeClr val="accent6"/>
+    </dgm:fillClrLst>
+    <dgm:linClrLst meth="repeat">
+      <a:schemeClr val="lt1"/>
+    </dgm:linClrLst>
+    <dgm:effectClrLst/>
+    <dgm:txLinClrLst/>
+    <dgm:txFillClrLst/>
+    <dgm:txEffectClrLst/>
+  </dgm:styleLbl>
+  <dgm:styleLbl name="vennNode1">
+    <dgm:fillClrLst meth="repeat">
+      <a:schemeClr val="accent2">
+        <a:alpha val="50000"/>
+      </a:schemeClr>
+      <a:schemeClr val="accent3">
+        <a:alpha val="50000"/>
+      </a:schemeClr>
+      <a:schemeClr val="accent4">
+        <a:alpha val="50000"/>
+      </a:schemeClr>
+      <a:schemeClr val="accent5">
+        <a:alpha val="50000"/>
+      </a:schemeClr>
+      <a:schemeClr val="accent6">
+        <a:alpha val="50000"/>
+      </a:schemeClr>
+    </dgm:fillClrLst>
+    <dgm:linClrLst meth="repeat">
+      <a:schemeClr val="lt1"/>
+    </dgm:linClrLst>
+    <dgm:effectClrLst/>
+    <dgm:txLinClrLst/>
+    <dgm:txFillClrLst/>
+    <dgm:txEffectClrLst/>
+  </dgm:styleLbl>
+  <dgm:styleLbl name="node2">
+    <dgm:fillClrLst>
+      <a:schemeClr val="accent2"/>
+    </dgm:fillClrLst>
+    <dgm:linClrLst meth="repeat">
+      <a:schemeClr val="lt1"/>
+    </dgm:linClrLst>
+    <dgm:effectClrLst/>
+    <dgm:txLinClrLst/>
+    <dgm:txFillClrLst/>
+    <dgm:txEffectClrLst/>
+  </dgm:styleLbl>
+  <dgm:styleLbl name="node3">
+    <dgm:fillClrLst>
+      <a:schemeClr val="accent3"/>
+    </dgm:fillClrLst>
+    <dgm:linClrLst meth="repeat">
+      <a:schemeClr val="lt1"/>
+    </dgm:linClrLst>
+    <dgm:effectClrLst/>
+    <dgm:txLinClrLst/>
+    <dgm:txFillClrLst/>
+    <dgm:txEffectClrLst/>
+  </dgm:styleLbl>
+  <dgm:styleLbl name="node4">
+    <dgm:fillClrLst>
+      <a:schemeClr val="accent4"/>
+    </dgm:fillClrLst>
+    <dgm:linClrLst meth="repeat">
+      <a:schemeClr val="lt1"/>
+    </dgm:linClrLst>
+    <dgm:effectClrLst/>
+    <dgm:txLinClrLst/>
+    <dgm:txFillClrLst/>
+    <dgm:txEffectClrLst/>
+  </dgm:styleLbl>
+  <dgm:styleLbl name="fgImgPlace1">
+    <dgm:fillClrLst meth="repeat">
+      <a:schemeClr val="accent2">
+        <a:tint val="50000"/>
+      </a:schemeClr>
+      <a:schemeClr val="accent3">
+        <a:tint val="50000"/>
+      </a:schemeClr>
+      <a:schemeClr val="accent4">
+        <a:tint val="50000"/>
+      </a:schemeClr>
+      <a:schemeClr val="accent5">
+        <a:tint val="50000"/>
+      </a:schemeClr>
+      <a:schemeClr val="accent6">
+        <a:tint val="50000"/>
+      </a:schemeClr>
+    </dgm:fillClrLst>
+    <dgm:linClrLst meth="repeat">
+      <a:schemeClr val="lt1"/>
+    </dgm:linClrLst>
+    <dgm:effectClrLst/>
+    <dgm:txLinClrLst/>
+    <dgm:txFillClrLst meth="repeat">
+      <a:schemeClr val="lt1"/>
+    </dgm:txFillClrLst>
+    <dgm:txEffectClrLst/>
+  </dgm:styleLbl>
+  <dgm:styleLbl name="alignImgPlace1">
+    <dgm:fillClrLst>
+      <a:schemeClr val="accent1">
+        <a:tint val="50000"/>
+      </a:schemeClr>
+      <a:schemeClr val="accent2">
+        <a:tint val="20000"/>
+      </a:schemeClr>
+    </dgm:fillClrLst>
+    <dgm:linClrLst meth="repeat">
+      <a:schemeClr val="lt1"/>
+    </dgm:linClrLst>
+    <dgm:effectClrLst/>
+    <dgm:txLinClrLst/>
+    <dgm:txFillClrLst meth="repeat">
+      <a:schemeClr val="lt1"/>
+    </dgm:txFillClrLst>
+    <dgm:txEffectClrLst/>
+  </dgm:styleLbl>
+  <dgm:styleLbl name="bgImgPlace1">
+    <dgm:fillClrLst>
+      <a:schemeClr val="accent1">
+        <a:tint val="50000"/>
+      </a:schemeClr>
+      <a:schemeClr val="accent2">
+        <a:tint val="20000"/>
+      </a:schemeClr>
+    </dgm:fillClrLst>
+    <dgm:linClrLst meth="repeat">
+      <a:schemeClr val="lt1"/>
+    </dgm:linClrLst>
+    <dgm:effectClrLst/>
+    <dgm:txLinClrLst/>
+    <dgm:txFillClrLst meth="repeat">
+      <a:schemeClr val="lt1"/>
+    </dgm:txFillClrLst>
+    <dgm:txEffectClrLst/>
+  </dgm:styleLbl>
+  <dgm:styleLbl name="sibTrans2D1">
+    <dgm:fillClrLst meth="repeat">
+      <a:schemeClr val="accent2"/>
+      <a:schemeClr val="accent3"/>
+      <a:schemeClr val="accent4"/>
+      <a:schemeClr val="accent5"/>
+      <a:schemeClr val="accent6"/>
+    </dgm:fillClrLst>
+    <dgm:linClrLst meth="cycle">
+      <a:schemeClr val="lt1"/>
+    </dgm:linClrLst>
+    <dgm:effectClrLst/>
+    <dgm:txLinClrLst/>
+    <dgm:txFillClrLst/>
+    <dgm:txEffectClrLst/>
+  </dgm:styleLbl>
+  <dgm:styleLbl name="fgSibTrans2D1">
+    <dgm:fillClrLst meth="repeat">
+      <a:schemeClr val="accent2"/>
+      <a:schemeClr val="accent3"/>
+      <a:schemeClr val="accent4"/>
+      <a:schemeClr val="accent5"/>
+      <a:schemeClr val="accent6"/>
+    </dgm:fillClrLst>
+    <dgm:linClrLst meth="cycle">
+      <a:schemeClr val="lt1"/>
+    </dgm:linClrLst>
+    <dgm:effectClrLst/>
+    <dgm:txLinClrLst/>
+    <dgm:txFillClrLst meth="repeat">
+      <a:schemeClr val="lt1"/>
+    </dgm:txFillClrLst>
+    <dgm:txEffectClrLst/>
+  </dgm:styleLbl>
+  <dgm:styleLbl name="bgSibTrans2D1">
+    <dgm:fillClrLst meth="repeat">
+      <a:schemeClr val="accent2"/>
+      <a:schemeClr val="accent3"/>
+      <a:schemeClr val="accent4"/>
+      <a:schemeClr val="accent5"/>
+      <a:schemeClr val="accent6"/>
+    </dgm:fillClrLst>
+    <dgm:linClrLst meth="cycle">
+      <a:schemeClr val="lt1"/>
+    </dgm:linClrLst>
+    <dgm:effectClrLst/>
+    <dgm:txLinClrLst/>
+    <dgm:txFillClrLst meth="repeat">
+      <a:schemeClr val="lt1"/>
+    </dgm:txFillClrLst>
+    <dgm:txEffectClrLst/>
+  </dgm:styleLbl>
+  <dgm:styleLbl name="sibTrans1D1">
+    <dgm:fillClrLst meth="repeat">
+      <a:schemeClr val="accent2"/>
+      <a:schemeClr val="accent3"/>
+      <a:schemeClr val="accent4"/>
+      <a:schemeClr val="accent5"/>
+      <a:schemeClr val="accent6"/>
+    </dgm:fillClrLst>
+    <dgm:linClrLst meth="repeat">
+      <a:schemeClr val="accent2"/>
+      <a:schemeClr val="accent3"/>
+      <a:schemeClr val="accent4"/>
+      <a:schemeClr val="accent5"/>
+      <a:schemeClr val="accent6"/>
+    </dgm:linClrLst>
+    <dgm:effectClrLst/>
+    <dgm:txLinClrLst/>
+    <dgm:txFillClrLst meth="repeat">
+      <a:schemeClr val="tx1"/>
+    </dgm:txFillClrLst>
+    <dgm:txEffectClrLst/>
+  </dgm:styleLbl>
+  <dgm:styleLbl name="callout">
+    <dgm:fillClrLst meth="repeat">
+      <a:schemeClr val="accent2"/>
+    </dgm:fillClrLst>
+    <dgm:linClrLst meth="repeat">
+      <a:schemeClr val="accent2">
+        <a:tint val="50000"/>
+      </a:schemeClr>
+    </dgm:linClrLst>
+    <dgm:effectClrLst/>
+    <dgm:txLinClrLst/>
+    <dgm:txFillClrLst meth="repeat">
+      <a:schemeClr val="tx1"/>
+    </dgm:txFillClrLst>
+    <dgm:txEffectClrLst/>
+  </dgm:styleLbl>
+  <dgm:styleLbl name="asst0">
+    <dgm:fillClrLst meth="repeat">
+      <a:schemeClr val="accent1"/>
+    </dgm:fillClrLst>
+    <dgm:linClrLst meth="repeat">
+      <a:schemeClr val="lt1"/>
+    </dgm:linClrLst>
+    <dgm:effectClrLst/>
+    <dgm:txLinClrLst/>
+    <dgm:txFillClrLst/>
+    <dgm:txEffectClrLst/>
+  </dgm:styleLbl>
+  <dgm:styleLbl name="asst1">
+    <dgm:fillClrLst meth="repeat">
+      <a:schemeClr val="accent2"/>
+    </dgm:fillClrLst>
+    <dgm:linClrLst meth="repeat">
+      <a:schemeClr val="lt1"/>
+    </dgm:linClrLst>
+    <dgm:effectClrLst/>
+    <dgm:txLinClrLst/>
+    <dgm:txFillClrLst/>
+    <dgm:txEffectClrLst/>
+  </dgm:styleLbl>
+  <dgm:styleLbl name="asst2">
+    <dgm:fillClrLst>
+      <a:schemeClr val="accent3"/>
+    </dgm:fillClrLst>
+    <dgm:linClrLst meth="repeat">
+      <a:schemeClr val="lt1"/>
+    </dgm:linClrLst>
+    <dgm:effectClrLst/>
+    <dgm:txLinClrLst/>
+    <dgm:txFillClrLst/>
+    <dgm:txEffectClrLst/>
+  </dgm:styleLbl>
+  <dgm:styleLbl name="asst3">
+    <dgm:fillClrLst>
+      <a:schemeClr val="accent4"/>
+    </dgm:fillClrLst>
+    <dgm:linClrLst meth="repeat">
+      <a:schemeClr val="lt1"/>
+    </dgm:linClrLst>
+    <dgm:effectClrLst/>
+    <dgm:txLinClrLst/>
+    <dgm:txFillClrLst/>
+    <dgm:txEffectClrLst/>
+  </dgm:styleLbl>
+  <dgm:styleLbl name="asst4">
+    <dgm:fillClrLst>
+      <a:schemeClr val="accent5"/>
+    </dgm:fillClrLst>
+    <dgm:linClrLst meth="repeat">
+      <a:schemeClr val="lt1"/>
+    </dgm:linClrLst>
+    <dgm:effectClrLst/>
+    <dgm:txLinClrLst/>
+    <dgm:txFillClrLst/>
+    <dgm:txEffectClrLst/>
+  </dgm:styleLbl>
+  <dgm:styleLbl name="parChTrans2D1">
+    <dgm:fillClrLst meth="repeat">
+      <a:schemeClr val="accent2"/>
+    </dgm:fillClrLst>
+    <dgm:linClrLst meth="repeat">
+      <a:schemeClr val="lt1"/>
+    </dgm:linClrLst>
+    <dgm:effectClrLst/>
+    <dgm:txLinClrLst/>
+    <dgm:txFillClrLst meth="repeat">
+      <a:schemeClr val="lt1"/>
+    </dgm:txFillClrLst>
+    <dgm:txEffectClrLst/>
+  </dgm:styleLbl>
+  <dgm:styleLbl name="parChTrans2D2">
+    <dgm:fillClrLst meth="repeat">
+      <a:schemeClr val="accent3"/>
+    </dgm:fillClrLst>
+    <dgm:linClrLst meth="repeat">
+      <a:schemeClr val="lt1"/>
+    </dgm:linClrLst>
+    <dgm:effectClrLst/>
+    <dgm:txLinClrLst/>
+    <dgm:txFillClrLst/>
+    <dgm:txEffectClrLst/>
+  </dgm:styleLbl>
+  <dgm:styleLbl name="parChTrans2D3">
+    <dgm:fillClrLst meth="repeat">
+      <a:schemeClr val="accent4"/>
+    </dgm:fillClrLst>
+    <dgm:linClrLst meth="repeat">
+      <a:schemeClr val="lt1"/>
+    </dgm:linClrLst>
+    <dgm:effectClrLst/>
+    <dgm:txLinClrLst/>
+    <dgm:txFillClrLst/>
+    <dgm:txEffectClrLst/>
+  </dgm:styleLbl>
+  <dgm:styleLbl name="parChTrans2D4">
+    <dgm:fillClrLst meth="repeat">
+      <a:schemeClr val="accent5"/>
+    </dgm:fillClrLst>
+    <dgm:linClrLst meth="repeat">
+      <a:schemeClr val="lt1"/>
+    </dgm:linClrLst>
+    <dgm:effectClrLst/>
+    <dgm:txLinClrLst/>
+    <dgm:txFillClrLst meth="repeat">
+      <a:schemeClr val="lt1"/>
+    </dgm:txFillClrLst>
+    <dgm:txEffectClrLst/>
+  </dgm:styleLbl>
+  <dgm:styleLbl name="parChTrans1D1">
+    <dgm:fillClrLst meth="repeat">
+      <a:schemeClr val="accent2"/>
+    </dgm:fillClrLst>
+    <dgm:linClrLst meth="repeat">
+      <a:schemeClr val="accent1"/>
+    </dgm:linClrLst>
+    <dgm:effectClrLst/>
+    <dgm:txLinClrLst/>
+    <dgm:txFillClrLst meth="repeat">
+      <a:schemeClr val="tx1"/>
+    </dgm:txFillClrLst>
+    <dgm:txEffectClrLst/>
+  </dgm:styleLbl>
+  <dgm:styleLbl name="parChTrans1D2">
+    <dgm:fillClrLst meth="repeat">
+      <a:schemeClr val="accent3">
+        <a:tint val="90000"/>
+      </a:schemeClr>
+    </dgm:fillClrLst>
+    <dgm:linClrLst meth="repeat">
+      <a:schemeClr val="accent2"/>
+    </dgm:linClrLst>
+    <dgm:effectClrLst/>
+    <dgm:txLinClrLst/>
+    <dgm:txFillClrLst meth="repeat">
+      <a:schemeClr val="tx1"/>
+    </dgm:txFillClrLst>
+    <dgm:txEffectClrLst/>
+  </dgm:styleLbl>
+  <dgm:styleLbl name="parChTrans1D3">
+    <dgm:fillClrLst meth="repeat">
+      <a:schemeClr val="accent4">
+        <a:tint val="70000"/>
+      </a:schemeClr>
+    </dgm:fillClrLst>
+    <dgm:linClrLst meth="repeat">
+      <a:schemeClr val="accent3"/>
+    </dgm:linClrLst>
+    <dgm:effectClrLst/>
+    <dgm:txLinClrLst/>
+    <dgm:txFillClrLst meth="repeat">
+      <a:schemeClr val="tx1"/>
+    </dgm:txFillClrLst>
+    <dgm:txEffectClrLst/>
+  </dgm:styleLbl>
+  <dgm:styleLbl name="parChTrans1D4">
+    <dgm:fillClrLst meth="repeat">
+      <a:schemeClr val="accent5">
+        <a:tint val="50000"/>
+      </a:schemeClr>
+    </dgm:fillClrLst>
+    <dgm:linClrLst meth="repeat">
+      <a:schemeClr val="accent4"/>
+    </dgm:linClrLst>
+    <dgm:effectClrLst/>
+    <dgm:txLinClrLst/>
+    <dgm:txFillClrLst meth="repeat">
+      <a:schemeClr val="tx1"/>
+    </dgm:txFillClrLst>
+    <dgm:txEffectClrLst/>
+  </dgm:styleLbl>
+  <dgm:styleLbl name="fgAcc1">
+    <dgm:fillClrLst meth="repeat">
+      <a:schemeClr val="lt1">
+        <a:alpha val="90000"/>
+      </a:schemeClr>
+    </dgm:fillClrLst>
+    <dgm:linClrLst meth="repeat">
+      <a:schemeClr val="accent2"/>
+      <a:schemeClr val="accent3"/>
+      <a:schemeClr val="accent4"/>
+      <a:schemeClr val="accent5"/>
+      <a:schemeClr val="accent6"/>
+    </dgm:linClrLst>
+    <dgm:effectClrLst/>
+    <dgm:txLinClrLst/>
+    <dgm:txFillClrLst meth="repeat">
+      <a:schemeClr val="dk1"/>
+    </dgm:txFillClrLst>
+    <dgm:txEffectClrLst/>
+  </dgm:styleLbl>
+  <dgm:styleLbl name="conFgAcc1">
+    <dgm:fillClrLst meth="repeat">
+      <a:schemeClr val="lt1">
+        <a:alpha val="90000"/>
+      </a:schemeClr>
+    </dgm:fillClrLst>
+    <dgm:linClrLst meth="repeat">
+      <a:schemeClr val="accent2"/>
+      <a:schemeClr val="accent3"/>
+      <a:schemeClr val="accent4"/>
+      <a:schemeClr val="accent5"/>
+      <a:schemeClr val="accent6"/>
+    </dgm:linClrLst>
+    <dgm:effectClrLst/>
+    <dgm:txLinClrLst/>
+    <dgm:txFillClrLst meth="repeat">
+      <a:schemeClr val="dk1"/>
+    </dgm:txFillClrLst>
+    <dgm:txEffectClrLst/>
+  </dgm:styleLbl>
+  <dgm:styleLbl name="alignAcc1">
+    <dgm:fillClrLst meth="repeat">
+      <a:schemeClr val="lt1">
+        <a:alpha val="90000"/>
+      </a:schemeClr>
+    </dgm:fillClrLst>
+    <dgm:linClrLst meth="repeat">
+      <a:schemeClr val="accent2"/>
+      <a:schemeClr val="accent3"/>
+      <a:schemeClr val="accent4"/>
+      <a:schemeClr val="accent5"/>
+      <a:schemeClr val="accent6"/>
+    </dgm:linClrLst>
+    <dgm:effectClrLst/>
+    <dgm:txLinClrLst/>
+    <dgm:txFillClrLst meth="repeat">
+      <a:schemeClr val="dk1"/>
+    </dgm:txFillClrLst>
+    <dgm:txEffectClrLst/>
+  </dgm:styleLbl>
+  <dgm:styleLbl name="trAlignAcc1">
+    <dgm:fillClrLst meth="repeat">
+      <a:schemeClr val="lt1">
+        <a:alpha val="40000"/>
+      </a:schemeClr>
+    </dgm:fillClrLst>
+    <dgm:linClrLst meth="repeat">
+      <a:schemeClr val="accent1"/>
+    </dgm:linClrLst>
+    <dgm:effectClrLst/>
+    <dgm:txLinClrLst/>
+    <dgm:txFillClrLst meth="repeat">
+      <a:schemeClr val="dk1"/>
+    </dgm:txFillClrLst>
+    <dgm:txEffectClrLst/>
+  </dgm:styleLbl>
+  <dgm:styleLbl name="bgAcc1">
+    <dgm:fillClrLst meth="repeat">
+      <a:schemeClr val="lt1">
+        <a:alpha val="90000"/>
+      </a:schemeClr>
+    </dgm:fillClrLst>
+    <dgm:linClrLst meth="repeat">
+      <a:schemeClr val="accent2"/>
+      <a:schemeClr val="accent3"/>
+      <a:schemeClr val="accent4"/>
+      <a:schemeClr val="accent5"/>
+      <a:schemeClr val="accent6"/>
+    </dgm:linClrLst>
+    <dgm:effectClrLst/>
+    <dgm:txLinClrLst/>
+    <dgm:txFillClrLst meth="repeat">
+      <a:schemeClr val="dk1"/>
+    </dgm:txFillClrLst>
+    <dgm:txEffectClrLst/>
+  </dgm:styleLbl>
+  <dgm:styleLbl name="solidFgAcc1">
+    <dgm:fillClrLst meth="repeat">
+      <a:schemeClr val="lt1"/>
+    </dgm:fillClrLst>
+    <dgm:linClrLst meth="repeat">
+      <a:schemeClr val="accent2"/>
+      <a:schemeClr val="accent3"/>
+      <a:schemeClr val="accent4"/>
+      <a:schemeClr val="accent5"/>
+      <a:schemeClr val="accent6"/>
+    </dgm:linClrLst>
+    <dgm:effectClrLst/>
+    <dgm:txLinClrLst/>
+    <dgm:txFillClrLst meth="repeat">
+      <a:schemeClr val="dk1"/>
+    </dgm:txFillClrLst>
+    <dgm:txEffectClrLst/>
+  </dgm:styleLbl>
+  <dgm:styleLbl name="solidAlignAcc1">
+    <dgm:fillClrLst meth="repeat">
+      <a:schemeClr val="lt1"/>
+    </dgm:fillClrLst>
+    <dgm:linClrLst meth="repeat">
+      <a:schemeClr val="accent2"/>
+      <a:schemeClr val="accent3"/>
+      <a:schemeClr val="accent4"/>
+      <a:schemeClr val="accent5"/>
+      <a:schemeClr val="accent6"/>
+    </dgm:linClrLst>
+    <dgm:effectClrLst/>
+    <dgm:txLinClrLst/>
+    <dgm:txFillClrLst meth="repeat">
+      <a:schemeClr val="dk1"/>
+    </dgm:txFillClrLst>
+    <dgm:txEffectClrLst/>
+  </dgm:styleLbl>
+  <dgm:styleLbl name="solidBgAcc1">
+    <dgm:fillClrLst meth="repeat">
+      <a:schemeClr val="lt1"/>
+    </dgm:fillClrLst>
+    <dgm:linClrLst meth="repeat">
+      <a:schemeClr val="accent2"/>
+      <a:schemeClr val="accent3"/>
+      <a:schemeClr val="accent4"/>
+      <a:schemeClr val="accent5"/>
+      <a:schemeClr val="accent6"/>
+    </dgm:linClrLst>
+    <dgm:effectClrLst/>
+    <dgm:txLinClrLst/>
+    <dgm:txFillClrLst meth="repeat">
+      <a:schemeClr val="dk1"/>
+    </dgm:txFillClrLst>
+    <dgm:txEffectClrLst/>
+  </dgm:styleLbl>
+  <dgm:styleLbl name="fgAccFollowNode1">
+    <dgm:fillClrLst meth="repeat">
+      <a:schemeClr val="accent2">
+        <a:tint val="40000"/>
+        <a:alpha val="90000"/>
+      </a:schemeClr>
+      <a:schemeClr val="accent3">
+        <a:tint val="40000"/>
+        <a:alpha val="90000"/>
+      </a:schemeClr>
+      <a:schemeClr val="accent4">
+        <a:tint val="40000"/>
+        <a:alpha val="90000"/>
+      </a:schemeClr>
+      <a:schemeClr val="accent5">
+        <a:tint val="40000"/>
+        <a:alpha val="90000"/>
+      </a:schemeClr>
+      <a:schemeClr val="accent6">
+        <a:tint val="40000"/>
+        <a:alpha val="90000"/>
+      </a:schemeClr>
+    </dgm:fillClrLst>
+    <dgm:linClrLst meth="repeat">
+      <a:schemeClr val="accent2">
+        <a:tint val="40000"/>
+        <a:alpha val="90000"/>
+      </a:schemeClr>
+      <a:schemeClr val="accent3">
+        <a:tint val="40000"/>
+        <a:alpha val="90000"/>
+      </a:schemeClr>
+      <a:schemeClr val="accent4">
+        <a:tint val="40000"/>
+        <a:alpha val="90000"/>
+      </a:schemeClr>
+      <a:schemeClr val="accent5">
+        <a:tint val="40000"/>
+        <a:alpha val="90000"/>
+      </a:schemeClr>
+      <a:schemeClr val="accent6">
+        <a:tint val="40000"/>
+        <a:alpha val="90000"/>
+      </a:schemeClr>
+    </dgm:linClrLst>
+    <dgm:effectClrLst/>
+    <dgm:txLinClrLst/>
+    <dgm:txFillClrLst meth="repeat">
+      <a:schemeClr val="dk1"/>
+    </dgm:txFillClrLst>
+    <dgm:txEffectClrLst/>
+  </dgm:styleLbl>
+  <dgm:styleLbl name="alignAccFollowNode1">
+    <dgm:fillClrLst meth="repeat">
+      <a:schemeClr val="accent2">
+        <a:tint val="40000"/>
+        <a:alpha val="90000"/>
+      </a:schemeClr>
+      <a:schemeClr val="accent3">
+        <a:tint val="40000"/>
+        <a:alpha val="90000"/>
+      </a:schemeClr>
+      <a:schemeClr val="accent4">
+        <a:tint val="40000"/>
+        <a:alpha val="90000"/>
+      </a:schemeClr>
+      <a:schemeClr val="accent5">
+        <a:tint val="40000"/>
+        <a:alpha val="90000"/>
+      </a:schemeClr>
+      <a:schemeClr val="accent6">
+        <a:tint val="40000"/>
+        <a:alpha val="90000"/>
+      </a:schemeClr>
+    </dgm:fillClrLst>
+    <dgm:linClrLst meth="repeat">
+      <a:schemeClr val="accent2">
+        <a:tint val="40000"/>
+        <a:alpha val="90000"/>
+      </a:schemeClr>
+      <a:schemeClr val="accent3">
+        <a:tint val="40000"/>
+        <a:alpha val="90000"/>
+      </a:schemeClr>
+      <a:schemeClr val="accent4">
+        <a:tint val="40000"/>
+        <a:alpha val="90000"/>
+      </a:schemeClr>
+      <a:schemeClr val="accent5">
+        <a:tint val="40000"/>
+        <a:alpha val="90000"/>
+      </a:schemeClr>
+      <a:schemeClr val="accent6">
+        <a:tint val="40000"/>
+        <a:alpha val="90000"/>
+      </a:schemeClr>
+    </dgm:linClrLst>
+    <dgm:effectClrLst/>
+    <dgm:txLinClrLst/>
+    <dgm:txFillClrLst meth="repeat">
+      <a:schemeClr val="dk1"/>
+    </dgm:txFillClrLst>
+    <dgm:txEffectClrLst/>
+  </dgm:styleLbl>
+  <dgm:styleLbl name="bgAccFollowNode1">
+    <dgm:fillClrLst meth="repeat">
+      <a:schemeClr val="accent2">
+        <a:tint val="40000"/>
+        <a:alpha val="90000"/>
+      </a:schemeClr>
+      <a:schemeClr val="accent3">
+        <a:tint val="40000"/>
+        <a:alpha val="90000"/>
+      </a:schemeClr>
+      <a:schemeClr val="accent4">
+        <a:tint val="40000"/>
+        <a:alpha val="90000"/>
+      </a:schemeClr>
+      <a:schemeClr val="accent5">
+        <a:tint val="40000"/>
+        <a:alpha val="90000"/>
+      </a:schemeClr>
+      <a:schemeClr val="accent6">
+        <a:tint val="40000"/>
+        <a:alpha val="90000"/>
+      </a:schemeClr>
+    </dgm:fillClrLst>
+    <dgm:linClrLst meth="repeat">
+      <a:schemeClr val="accent2">
+        <a:tint val="40000"/>
+        <a:alpha val="90000"/>
+      </a:schemeClr>
+      <a:schemeClr val="accent3">
+        <a:tint val="40000"/>
+        <a:alpha val="90000"/>
+      </a:schemeClr>
+      <a:schemeClr val="accent4">
+        <a:tint val="40000"/>
+        <a:alpha val="90000"/>
+      </a:schemeClr>
+      <a:schemeClr val="accent5">
+        <a:tint val="40000"/>
+        <a:alpha val="90000"/>
+      </a:schemeClr>
+      <a:schemeClr val="accent6">
+        <a:tint val="40000"/>
+        <a:alpha val="90000"/>
+      </a:schemeClr>
+    </dgm:linClrLst>
+    <dgm:effectClrLst/>
+    <dgm:txLinClrLst/>
+    <dgm:txFillClrLst meth="repeat">
+      <a:schemeClr val="dk1"/>
+    </dgm:txFillClrLst>
+    <dgm:txEffectClrLst/>
+  </dgm:styleLbl>
+  <dgm:styleLbl name="fgAcc0">
+    <dgm:fillClrLst meth="repeat">
+      <a:schemeClr val="lt1">
+        <a:alpha val="90000"/>
+      </a:schemeClr>
+    </dgm:fillClrLst>
+    <dgm:linClrLst>
+      <a:schemeClr val="accent1"/>
+    </dgm:linClrLst>
+    <dgm:effectClrLst/>
+    <dgm:txLinClrLst/>
+    <dgm:txFillClrLst meth="repeat">
+      <a:schemeClr val="dk1"/>
+    </dgm:txFillClrLst>
+    <dgm:txEffectClrLst/>
+  </dgm:styleLbl>
+  <dgm:styleLbl name="fgAcc2">
+    <dgm:fillClrLst meth="repeat">
+      <a:schemeClr val="lt1">
+        <a:alpha val="90000"/>
+      </a:schemeClr>
+    </dgm:fillClrLst>
+    <dgm:linClrLst>
+      <a:schemeClr val="accent2"/>
+    </dgm:linClrLst>
+    <dgm:effectClrLst/>
+    <dgm:txLinClrLst/>
+    <dgm:txFillClrLst meth="repeat">
+      <a:schemeClr val="dk1"/>
+    </dgm:txFillClrLst>
+    <dgm:txEffectClrLst/>
+  </dgm:styleLbl>
+  <dgm:styleLbl name="fgAcc3">
+    <dgm:fillClrLst meth="repeat">
+      <a:schemeClr val="lt1">
+        <a:alpha val="90000"/>
+      </a:schemeClr>
+    </dgm:fillClrLst>
+    <dgm:linClrLst>
+      <a:schemeClr val="accent3"/>
+    </dgm:linClrLst>
+    <dgm:effectClrLst/>
+    <dgm:txLinClrLst/>
+    <dgm:txFillClrLst meth="repeat">
+      <a:schemeClr val="dk1"/>
+    </dgm:txFillClrLst>
+    <dgm:txEffectClrLst/>
+  </dgm:styleLbl>
+  <dgm:styleLbl name="fgAcc4">
+    <dgm:fillClrLst meth="repeat">
+      <a:schemeClr val="lt1">
+        <a:alpha val="90000"/>
+      </a:schemeClr>
+    </dgm:fillClrLst>
+    <dgm:linClrLst>
+      <a:schemeClr val="accent4"/>
+    </dgm:linClrLst>
+    <dgm:effectClrLst/>
+    <dgm:txLinClrLst/>
+    <dgm:txFillClrLst meth="repeat">
+      <a:schemeClr val="dk1"/>
+    </dgm:txFillClrLst>
+    <dgm:txEffectClrLst/>
+  </dgm:styleLbl>
+  <dgm:styleLbl name="bgShp">
+    <dgm:fillClrLst meth="repeat">
+      <a:schemeClr val="accent2">
+        <a:tint val="40000"/>
+      </a:schemeClr>
+    </dgm:fillClrLst>
+    <dgm:linClrLst meth="repeat">
+      <a:schemeClr val="dk1"/>
+    </dgm:linClrLst>
+    <dgm:effectClrLst/>
+    <dgm:txLinClrLst/>
+    <dgm:txFillClrLst meth="repeat">
+      <a:schemeClr val="dk1"/>
+    </dgm:txFillClrLst>
+    <dgm:txEffectClrLst/>
+  </dgm:styleLbl>
+  <dgm:styleLbl name="dkBgShp">
+    <dgm:fillClrLst meth="repeat">
+      <a:schemeClr val="accent2">
+        <a:shade val="90000"/>
+      </a:schemeClr>
+    </dgm:fillClrLst>
+    <dgm:linClrLst meth="repeat">
+      <a:schemeClr val="dk1"/>
+    </dgm:linClrLst>
+    <dgm:effectClrLst/>
+    <dgm:txLinClrLst/>
+    <dgm:txFillClrLst meth="repeat">
+      <a:schemeClr val="lt1"/>
+    </dgm:txFillClrLst>
+    <dgm:txEffectClrLst/>
+  </dgm:styleLbl>
+  <dgm:styleLbl name="trBgShp">
+    <dgm:fillClrLst meth="repeat">
+      <a:schemeClr val="accent1">
+        <a:tint val="50000"/>
+        <a:alpha val="40000"/>
+      </a:schemeClr>
+    </dgm:fillClrLst>
+    <dgm:linClrLst meth="repeat">
+      <a:schemeClr val="accent2"/>
+    </dgm:linClrLst>
+    <dgm:effectClrLst/>
+    <dgm:txLinClrLst/>
+    <dgm:txFillClrLst meth="repeat">
+      <a:schemeClr val="lt1"/>
+    </dgm:txFillClrLst>
+    <dgm:txEffectClrLst/>
+  </dgm:styleLbl>
+  <dgm:styleLbl name="fgShp">
+    <dgm:fillClrLst meth="repeat">
+      <a:schemeClr val="accent2">
+        <a:tint val="40000"/>
+      </a:schemeClr>
+    </dgm:fillClrLst>
+    <dgm:linClrLst meth="repeat">
+      <a:schemeClr val="lt1"/>
+    </dgm:linClrLst>
+    <dgm:effectClrLst/>
+    <dgm:txLinClrLst/>
+    <dgm:txFillClrLst meth="repeat">
+      <a:schemeClr val="dk1"/>
+    </dgm:txFillClrLst>
+    <dgm:txEffectClrLst/>
+  </dgm:styleLbl>
+  <dgm:styleLbl name="revTx">
+    <dgm:fillClrLst meth="repeat">
+      <a:schemeClr val="lt1">
+        <a:alpha val="0"/>
+      </a:schemeClr>
+    </dgm:fillClrLst>
+    <dgm:linClrLst meth="repeat">
+      <a:schemeClr val="dk1">
+        <a:alpha val="0"/>
+      </a:schemeClr>
+    </dgm:linClrLst>
+    <dgm:effectClrLst/>
+    <dgm:txLinClrLst/>
+    <dgm:txFillClrLst meth="repeat">
+      <a:schemeClr val="tx1"/>
+    </dgm:txFillClrLst>
+    <dgm:txEffectClrLst/>
+  </dgm:styleLbl>
+</dgm:colorsDef>
+</file>
+
+<file path=ppt/diagrams/data1.xml><?xml version="1.0" encoding="utf-8"?>
+<dgm:dataModel xmlns:dgm="http://schemas.openxmlformats.org/drawingml/2006/diagram" xmlns:a="http://schemas.openxmlformats.org/drawingml/2006/main">
+  <dgm:ptLst>
+    <dgm:pt modelId="{897D04B0-5B25-472D-A1E9-DBB5DCC1CA2F}" type="doc">
+      <dgm:prSet loTypeId="urn:microsoft.com/office/officeart/2018/2/layout/IconVerticalSolidList" loCatId="icon" qsTypeId="urn:microsoft.com/office/officeart/2005/8/quickstyle/simple1" qsCatId="simple" csTypeId="urn:microsoft.com/office/officeart/2018/5/colors/Iconchunking_neutralbg_colorful1" csCatId="colorful" phldr="1"/>
+      <dgm:spPr/>
+      <dgm:t>
+        <a:bodyPr/>
+        <a:lstStyle/>
+        <a:p>
+          <a:endParaRPr lang="en-US"/>
+        </a:p>
+      </dgm:t>
+    </dgm:pt>
+    <dgm:pt modelId="{1DF278FE-2DDB-44B7-A4D6-3C9B4263EFF3}">
+      <dgm:prSet/>
+      <dgm:spPr/>
+      <dgm:t>
+        <a:bodyPr/>
+        <a:lstStyle/>
+        <a:p>
+          <a:r>
+            <a:rPr lang="en-GB" b="0"/>
+            <a:t>Space Mission: You have been tasked by the ESA (European Space Agency) to calculate key information for an upcoming space mission.</a:t>
+          </a:r>
+          <a:endParaRPr lang="en-US"/>
+        </a:p>
+      </dgm:t>
+    </dgm:pt>
+    <dgm:pt modelId="{BE7ADFFE-5AE5-4183-BEC9-5FD69DB4AEBD}" type="parTrans" cxnId="{3AD66395-C022-4959-906A-16FEB4C7574F}">
+      <dgm:prSet/>
+      <dgm:spPr/>
+      <dgm:t>
+        <a:bodyPr/>
+        <a:lstStyle/>
+        <a:p>
+          <a:endParaRPr lang="en-US"/>
+        </a:p>
+      </dgm:t>
+    </dgm:pt>
+    <dgm:pt modelId="{1C9CBEC9-E1E3-490B-809D-AB81BBA1C040}" type="sibTrans" cxnId="{3AD66395-C022-4959-906A-16FEB4C7574F}">
+      <dgm:prSet/>
+      <dgm:spPr/>
+      <dgm:t>
+        <a:bodyPr/>
+        <a:lstStyle/>
+        <a:p>
+          <a:endParaRPr lang="en-US"/>
+        </a:p>
+      </dgm:t>
+    </dgm:pt>
+    <dgm:pt modelId="{CB36598B-4C6E-4306-AFD7-C6CA8C39AA92}">
+      <dgm:prSet/>
+      <dgm:spPr/>
+      <dgm:t>
+        <a:bodyPr/>
+        <a:lstStyle/>
+        <a:p>
+          <a:r>
+            <a:rPr lang="en-GB" b="0"/>
+            <a:t>You will be assigned a target planet and will need to work in a group to successfully generate vital calculations for this mission.</a:t>
+          </a:r>
+          <a:endParaRPr lang="en-US"/>
+        </a:p>
+      </dgm:t>
+    </dgm:pt>
+    <dgm:pt modelId="{F5AB004F-105A-405D-B89C-A4EB8BB3793E}" type="parTrans" cxnId="{E8F1DBC0-60C1-44CC-A919-C80601827549}">
+      <dgm:prSet/>
+      <dgm:spPr/>
+      <dgm:t>
+        <a:bodyPr/>
+        <a:lstStyle/>
+        <a:p>
+          <a:endParaRPr lang="en-US"/>
+        </a:p>
+      </dgm:t>
+    </dgm:pt>
+    <dgm:pt modelId="{1B85E210-5012-4E84-933A-F92BEA88BF70}" type="sibTrans" cxnId="{E8F1DBC0-60C1-44CC-A919-C80601827549}">
+      <dgm:prSet/>
+      <dgm:spPr/>
+      <dgm:t>
+        <a:bodyPr/>
+        <a:lstStyle/>
+        <a:p>
+          <a:endParaRPr lang="en-US"/>
+        </a:p>
+      </dgm:t>
+    </dgm:pt>
+    <dgm:pt modelId="{0F455DF4-C548-4722-82D0-6BBAC8C68AE0}" type="pres">
+      <dgm:prSet presAssocID="{897D04B0-5B25-472D-A1E9-DBB5DCC1CA2F}" presName="root" presStyleCnt="0">
+        <dgm:presLayoutVars>
+          <dgm:dir/>
+          <dgm:resizeHandles val="exact"/>
+        </dgm:presLayoutVars>
+      </dgm:prSet>
+      <dgm:spPr/>
+    </dgm:pt>
+    <dgm:pt modelId="{2531137A-41C1-42BD-8B18-42187988E033}" type="pres">
+      <dgm:prSet presAssocID="{1DF278FE-2DDB-44B7-A4D6-3C9B4263EFF3}" presName="compNode" presStyleCnt="0"/>
+      <dgm:spPr/>
+    </dgm:pt>
+    <dgm:pt modelId="{980B2CD5-57F2-4748-8DD0-5F830EA635D0}" type="pres">
+      <dgm:prSet presAssocID="{1DF278FE-2DDB-44B7-A4D6-3C9B4263EFF3}" presName="bgRect" presStyleLbl="bgShp" presStyleIdx="0" presStyleCnt="2"/>
+      <dgm:spPr/>
+    </dgm:pt>
+    <dgm:pt modelId="{922F7F19-9FCB-4AEA-94D4-483558D52F1E}" type="pres">
+      <dgm:prSet presAssocID="{1DF278FE-2DDB-44B7-A4D6-3C9B4263EFF3}" presName="iconRect" presStyleLbl="node1" presStyleIdx="0" presStyleCnt="2"/>
+      <dgm:spPr>
+        <a:blipFill>
+          <a:blip xmlns:r="http://schemas.openxmlformats.org/officeDocument/2006/relationships" r:embed="rId1">
+            <a:extLst>
+              <a:ext uri="{28A0092B-C50C-407E-A947-70E740481C1C}">
+                <a14:useLocalDpi xmlns:a14="http://schemas.microsoft.com/office/drawing/2010/main" val="0"/>
+              </a:ext>
+              <a:ext uri="{96DAC541-7B7A-43D3-8B79-37D633B846F1}">
+                <asvg:svgBlip xmlns:asvg="http://schemas.microsoft.com/office/drawing/2016/SVG/main" r:embed="rId2"/>
+              </a:ext>
+            </a:extLst>
+          </a:blip>
+          <a:stretch>
+            <a:fillRect/>
+          </a:stretch>
+        </a:blipFill>
+        <a:ln>
+          <a:noFill/>
+        </a:ln>
+      </dgm:spPr>
+      <dgm:extLst>
+        <a:ext uri="{E40237B7-FDA0-4F09-8148-C483321AD2D9}">
+          <dgm14:cNvPr xmlns:dgm14="http://schemas.microsoft.com/office/drawing/2010/diagram" id="0" name="" descr="Astronaut"/>
+        </a:ext>
+      </dgm:extLst>
+    </dgm:pt>
+    <dgm:pt modelId="{39BBD82E-491E-4C9D-8ED9-3AA271FF7C16}" type="pres">
+      <dgm:prSet presAssocID="{1DF278FE-2DDB-44B7-A4D6-3C9B4263EFF3}" presName="spaceRect" presStyleCnt="0"/>
+      <dgm:spPr/>
+    </dgm:pt>
+    <dgm:pt modelId="{F7410E59-7EF7-4E39-9FA4-74CA75AEB40C}" type="pres">
+      <dgm:prSet presAssocID="{1DF278FE-2DDB-44B7-A4D6-3C9B4263EFF3}" presName="parTx" presStyleLbl="revTx" presStyleIdx="0" presStyleCnt="2">
+        <dgm:presLayoutVars>
+          <dgm:chMax val="0"/>
+          <dgm:chPref val="0"/>
+        </dgm:presLayoutVars>
+      </dgm:prSet>
+      <dgm:spPr/>
+    </dgm:pt>
+    <dgm:pt modelId="{25127503-9D3E-4E9D-BBD0-9AEB90ED3C66}" type="pres">
+      <dgm:prSet presAssocID="{1C9CBEC9-E1E3-490B-809D-AB81BBA1C040}" presName="sibTrans" presStyleCnt="0"/>
+      <dgm:spPr/>
+    </dgm:pt>
+    <dgm:pt modelId="{64D3EB69-2344-4AE6-83EE-86A44A521811}" type="pres">
+      <dgm:prSet presAssocID="{CB36598B-4C6E-4306-AFD7-C6CA8C39AA92}" presName="compNode" presStyleCnt="0"/>
+      <dgm:spPr/>
+    </dgm:pt>
+    <dgm:pt modelId="{4C0D1C89-DDBF-405D-B10A-4F93B4C2F8EE}" type="pres">
+      <dgm:prSet presAssocID="{CB36598B-4C6E-4306-AFD7-C6CA8C39AA92}" presName="bgRect" presStyleLbl="bgShp" presStyleIdx="1" presStyleCnt="2"/>
+      <dgm:spPr/>
+    </dgm:pt>
+    <dgm:pt modelId="{FEA9A89F-66E7-41FA-B4BC-11FC8BFB2FC1}" type="pres">
+      <dgm:prSet presAssocID="{CB36598B-4C6E-4306-AFD7-C6CA8C39AA92}" presName="iconRect" presStyleLbl="node1" presStyleIdx="1" presStyleCnt="2"/>
+      <dgm:spPr>
+        <a:blipFill>
+          <a:blip xmlns:r="http://schemas.openxmlformats.org/officeDocument/2006/relationships" r:embed="rId3">
+            <a:extLst>
+              <a:ext uri="{28A0092B-C50C-407E-A947-70E740481C1C}">
+                <a14:useLocalDpi xmlns:a14="http://schemas.microsoft.com/office/drawing/2010/main" val="0"/>
+              </a:ext>
+              <a:ext uri="{96DAC541-7B7A-43D3-8B79-37D633B846F1}">
+                <asvg:svgBlip xmlns:asvg="http://schemas.microsoft.com/office/drawing/2016/SVG/main" r:embed="rId4"/>
+              </a:ext>
+            </a:extLst>
+          </a:blip>
+          <a:stretch>
+            <a:fillRect/>
+          </a:stretch>
+        </a:blipFill>
+        <a:ln>
+          <a:noFill/>
+        </a:ln>
+      </dgm:spPr>
+      <dgm:extLst>
+        <a:ext uri="{E40237B7-FDA0-4F09-8148-C483321AD2D9}">
+          <dgm14:cNvPr xmlns:dgm14="http://schemas.microsoft.com/office/drawing/2010/diagram" id="0" name="" descr="Light Bulb and Gear"/>
+        </a:ext>
+      </dgm:extLst>
+    </dgm:pt>
+    <dgm:pt modelId="{0D7BFB88-C96B-4BFA-BE40-6CBC9C1B9EB8}" type="pres">
+      <dgm:prSet presAssocID="{CB36598B-4C6E-4306-AFD7-C6CA8C39AA92}" presName="spaceRect" presStyleCnt="0"/>
+      <dgm:spPr/>
+    </dgm:pt>
+    <dgm:pt modelId="{5F91858F-C991-4523-A18B-C55335E10121}" type="pres">
+      <dgm:prSet presAssocID="{CB36598B-4C6E-4306-AFD7-C6CA8C39AA92}" presName="parTx" presStyleLbl="revTx" presStyleIdx="1" presStyleCnt="2">
+        <dgm:presLayoutVars>
+          <dgm:chMax val="0"/>
+          <dgm:chPref val="0"/>
+        </dgm:presLayoutVars>
+      </dgm:prSet>
+      <dgm:spPr/>
+    </dgm:pt>
+  </dgm:ptLst>
+  <dgm:cxnLst>
+    <dgm:cxn modelId="{DDFAA081-029F-4450-876C-5CFB6525DE4F}" type="presOf" srcId="{897D04B0-5B25-472D-A1E9-DBB5DCC1CA2F}" destId="{0F455DF4-C548-4722-82D0-6BBAC8C68AE0}" srcOrd="0" destOrd="0" presId="urn:microsoft.com/office/officeart/2018/2/layout/IconVerticalSolidList"/>
+    <dgm:cxn modelId="{3AD66395-C022-4959-906A-16FEB4C7574F}" srcId="{897D04B0-5B25-472D-A1E9-DBB5DCC1CA2F}" destId="{1DF278FE-2DDB-44B7-A4D6-3C9B4263EFF3}" srcOrd="0" destOrd="0" parTransId="{BE7ADFFE-5AE5-4183-BEC9-5FD69DB4AEBD}" sibTransId="{1C9CBEC9-E1E3-490B-809D-AB81BBA1C040}"/>
+    <dgm:cxn modelId="{E8F1DBC0-60C1-44CC-A919-C80601827549}" srcId="{897D04B0-5B25-472D-A1E9-DBB5DCC1CA2F}" destId="{CB36598B-4C6E-4306-AFD7-C6CA8C39AA92}" srcOrd="1" destOrd="0" parTransId="{F5AB004F-105A-405D-B89C-A4EB8BB3793E}" sibTransId="{1B85E210-5012-4E84-933A-F92BEA88BF70}"/>
+    <dgm:cxn modelId="{580059CB-76D5-4C58-A764-2D1DDD5219A9}" type="presOf" srcId="{CB36598B-4C6E-4306-AFD7-C6CA8C39AA92}" destId="{5F91858F-C991-4523-A18B-C55335E10121}" srcOrd="0" destOrd="0" presId="urn:microsoft.com/office/officeart/2018/2/layout/IconVerticalSolidList"/>
+    <dgm:cxn modelId="{0661ACD0-7A1B-4EF6-BB17-42C2D69D0EC9}" type="presOf" srcId="{1DF278FE-2DDB-44B7-A4D6-3C9B4263EFF3}" destId="{F7410E59-7EF7-4E39-9FA4-74CA75AEB40C}" srcOrd="0" destOrd="0" presId="urn:microsoft.com/office/officeart/2018/2/layout/IconVerticalSolidList"/>
+    <dgm:cxn modelId="{746C8CD7-AE9A-4B47-A211-DBDEBF8A645B}" type="presParOf" srcId="{0F455DF4-C548-4722-82D0-6BBAC8C68AE0}" destId="{2531137A-41C1-42BD-8B18-42187988E033}" srcOrd="0" destOrd="0" presId="urn:microsoft.com/office/officeart/2018/2/layout/IconVerticalSolidList"/>
+    <dgm:cxn modelId="{74A1A155-0A3D-4BBD-97DD-BFE4E6857C4B}" type="presParOf" srcId="{2531137A-41C1-42BD-8B18-42187988E033}" destId="{980B2CD5-57F2-4748-8DD0-5F830EA635D0}" srcOrd="0" destOrd="0" presId="urn:microsoft.com/office/officeart/2018/2/layout/IconVerticalSolidList"/>
+    <dgm:cxn modelId="{6CFDC419-91EC-4B46-8336-6EE9BA1BC24A}" type="presParOf" srcId="{2531137A-41C1-42BD-8B18-42187988E033}" destId="{922F7F19-9FCB-4AEA-94D4-483558D52F1E}" srcOrd="1" destOrd="0" presId="urn:microsoft.com/office/officeart/2018/2/layout/IconVerticalSolidList"/>
+    <dgm:cxn modelId="{C554740D-AC1C-4605-9C81-256C19E50D2E}" type="presParOf" srcId="{2531137A-41C1-42BD-8B18-42187988E033}" destId="{39BBD82E-491E-4C9D-8ED9-3AA271FF7C16}" srcOrd="2" destOrd="0" presId="urn:microsoft.com/office/officeart/2018/2/layout/IconVerticalSolidList"/>
+    <dgm:cxn modelId="{3B0174CE-37F1-484B-B3C5-094F9378FE31}" type="presParOf" srcId="{2531137A-41C1-42BD-8B18-42187988E033}" destId="{F7410E59-7EF7-4E39-9FA4-74CA75AEB40C}" srcOrd="3" destOrd="0" presId="urn:microsoft.com/office/officeart/2018/2/layout/IconVerticalSolidList"/>
+    <dgm:cxn modelId="{3A12B1F0-EF3A-4F9A-8B8F-CCA473F57359}" type="presParOf" srcId="{0F455DF4-C548-4722-82D0-6BBAC8C68AE0}" destId="{25127503-9D3E-4E9D-BBD0-9AEB90ED3C66}" srcOrd="1" destOrd="0" presId="urn:microsoft.com/office/officeart/2018/2/layout/IconVerticalSolidList"/>
+    <dgm:cxn modelId="{96A3E877-B2CB-44EC-AD4B-9B1E9041C96E}" type="presParOf" srcId="{0F455DF4-C548-4722-82D0-6BBAC8C68AE0}" destId="{64D3EB69-2344-4AE6-83EE-86A44A521811}" srcOrd="2" destOrd="0" presId="urn:microsoft.com/office/officeart/2018/2/layout/IconVerticalSolidList"/>
+    <dgm:cxn modelId="{E22AD2B1-5739-49E7-BC33-BD02EE0C4780}" type="presParOf" srcId="{64D3EB69-2344-4AE6-83EE-86A44A521811}" destId="{4C0D1C89-DDBF-405D-B10A-4F93B4C2F8EE}" srcOrd="0" destOrd="0" presId="urn:microsoft.com/office/officeart/2018/2/layout/IconVerticalSolidList"/>
+    <dgm:cxn modelId="{73291710-1DE4-42D2-8A27-B77CBAC58CD4}" type="presParOf" srcId="{64D3EB69-2344-4AE6-83EE-86A44A521811}" destId="{FEA9A89F-66E7-41FA-B4BC-11FC8BFB2FC1}" srcOrd="1" destOrd="0" presId="urn:microsoft.com/office/officeart/2018/2/layout/IconVerticalSolidList"/>
+    <dgm:cxn modelId="{99B2E421-19D1-4328-818F-3DD6B81C3674}" type="presParOf" srcId="{64D3EB69-2344-4AE6-83EE-86A44A521811}" destId="{0D7BFB88-C96B-4BFA-BE40-6CBC9C1B9EB8}" srcOrd="2" destOrd="0" presId="urn:microsoft.com/office/officeart/2018/2/layout/IconVerticalSolidList"/>
+    <dgm:cxn modelId="{8268CE50-2812-4686-BA5C-645796B14F7C}" type="presParOf" srcId="{64D3EB69-2344-4AE6-83EE-86A44A521811}" destId="{5F91858F-C991-4523-A18B-C55335E10121}" srcOrd="3" destOrd="0" presId="urn:microsoft.com/office/officeart/2018/2/layout/IconVerticalSolidList"/>
+  </dgm:cxnLst>
+  <dgm:bg/>
+  <dgm:whole/>
+  <dgm:extLst>
+    <a:ext uri="http://schemas.microsoft.com/office/drawing/2008/diagram">
+      <dsp:dataModelExt xmlns:dsp="http://schemas.microsoft.com/office/drawing/2008/diagram" relId="rId6" minVer="http://schemas.openxmlformats.org/drawingml/2006/diagram"/>
+    </a:ext>
+  </dgm:extLst>
+</dgm:dataModel>
+</file>
+
+<file path=ppt/diagrams/data2.xml><?xml version="1.0" encoding="utf-8"?>
+<dgm:dataModel xmlns:dgm="http://schemas.openxmlformats.org/drawingml/2006/diagram" xmlns:a="http://schemas.openxmlformats.org/drawingml/2006/main">
+  <dgm:ptLst>
+    <dgm:pt modelId="{0EBB9FFF-1704-4296-9C06-8AD45B3DE7EF}" type="doc">
+      <dgm:prSet loTypeId="urn:microsoft.com/office/officeart/2005/8/layout/hChevron3" loCatId="process" qsTypeId="urn:microsoft.com/office/officeart/2005/8/quickstyle/simple1" qsCatId="simple" csTypeId="urn:microsoft.com/office/officeart/2005/8/colors/colorful1" csCatId="colorful"/>
+      <dgm:spPr/>
+      <dgm:t>
+        <a:bodyPr/>
+        <a:lstStyle/>
+        <a:p>
+          <a:endParaRPr lang="en-US"/>
+        </a:p>
+      </dgm:t>
+    </dgm:pt>
+    <dgm:pt modelId="{C5578BB8-EC69-4497-8A5C-0BD7E75C6C6E}">
+      <dgm:prSet/>
+      <dgm:spPr/>
+      <dgm:t>
+        <a:bodyPr/>
+        <a:lstStyle/>
+        <a:p>
+          <a:r>
+            <a:rPr lang="en-GB"/>
+            <a:t>Discover the Gravity on </a:t>
+          </a:r>
+          <a:endParaRPr lang="en-US"/>
+        </a:p>
+      </dgm:t>
+    </dgm:pt>
+    <dgm:pt modelId="{5615B047-2B8B-44CE-8AC5-67E0CEB6AC58}" type="parTrans" cxnId="{788F7B35-5E54-44D8-AB13-57CBB39623E6}">
+      <dgm:prSet/>
+      <dgm:spPr/>
+      <dgm:t>
+        <a:bodyPr/>
+        <a:lstStyle/>
+        <a:p>
+          <a:endParaRPr lang="en-US"/>
+        </a:p>
+      </dgm:t>
+    </dgm:pt>
+    <dgm:pt modelId="{56BE3111-3955-48B1-899F-E38F521E70A6}" type="sibTrans" cxnId="{788F7B35-5E54-44D8-AB13-57CBB39623E6}">
+      <dgm:prSet/>
+      <dgm:spPr/>
+      <dgm:t>
+        <a:bodyPr/>
+        <a:lstStyle/>
+        <a:p>
+          <a:endParaRPr lang="en-US"/>
+        </a:p>
+      </dgm:t>
+    </dgm:pt>
+    <dgm:pt modelId="{39954A83-E2F6-497B-8232-E87DEEECC55B}">
+      <dgm:prSet/>
+      <dgm:spPr/>
+      <dgm:t>
+        <a:bodyPr/>
+        <a:lstStyle/>
+        <a:p>
+          <a:r>
+            <a:rPr lang="en-GB"/>
+            <a:t>Earth</a:t>
+          </a:r>
+          <a:endParaRPr lang="en-US"/>
+        </a:p>
+      </dgm:t>
+    </dgm:pt>
+    <dgm:pt modelId="{1FDD7585-CE6D-40C9-8344-814B7A10A8F5}" type="parTrans" cxnId="{94CAD2A4-8C77-4D4E-9D61-9E3BE1856B9E}">
+      <dgm:prSet/>
+      <dgm:spPr/>
+      <dgm:t>
+        <a:bodyPr/>
+        <a:lstStyle/>
+        <a:p>
+          <a:endParaRPr lang="en-US"/>
+        </a:p>
+      </dgm:t>
+    </dgm:pt>
+    <dgm:pt modelId="{B420CE21-F870-4B4F-A5C4-764424D42EFD}" type="sibTrans" cxnId="{94CAD2A4-8C77-4D4E-9D61-9E3BE1856B9E}">
+      <dgm:prSet/>
+      <dgm:spPr/>
+      <dgm:t>
+        <a:bodyPr/>
+        <a:lstStyle/>
+        <a:p>
+          <a:endParaRPr lang="en-US"/>
+        </a:p>
+      </dgm:t>
+    </dgm:pt>
+    <dgm:pt modelId="{FD081397-6FF9-4F3A-8262-DBF90E1A7E7F}">
+      <dgm:prSet/>
+      <dgm:spPr/>
+      <dgm:t>
+        <a:bodyPr/>
+        <a:lstStyle/>
+        <a:p>
+          <a:r>
+            <a:rPr lang="en-GB"/>
+            <a:t>Space</a:t>
+          </a:r>
+          <a:endParaRPr lang="en-US"/>
+        </a:p>
+      </dgm:t>
+    </dgm:pt>
+    <dgm:pt modelId="{CE581B90-4C1E-4C78-8B9C-218BF0F48338}" type="parTrans" cxnId="{3A8BF623-BACE-4F65-8601-1732B3FE15A6}">
+      <dgm:prSet/>
+      <dgm:spPr/>
+      <dgm:t>
+        <a:bodyPr/>
+        <a:lstStyle/>
+        <a:p>
+          <a:endParaRPr lang="en-US"/>
+        </a:p>
+      </dgm:t>
+    </dgm:pt>
+    <dgm:pt modelId="{F668FCDA-F29E-4644-8BA7-011FAD514442}" type="sibTrans" cxnId="{3A8BF623-BACE-4F65-8601-1732B3FE15A6}">
+      <dgm:prSet/>
+      <dgm:spPr/>
+      <dgm:t>
+        <a:bodyPr/>
+        <a:lstStyle/>
+        <a:p>
+          <a:endParaRPr lang="en-US"/>
+        </a:p>
+      </dgm:t>
+    </dgm:pt>
+    <dgm:pt modelId="{65391BE8-78FC-42C0-B93D-1D7F9B3CDDE3}">
+      <dgm:prSet/>
+      <dgm:spPr/>
+      <dgm:t>
+        <a:bodyPr/>
+        <a:lstStyle/>
+        <a:p>
+          <a:r>
+            <a:rPr lang="en-GB"/>
+            <a:t>Destination Planet</a:t>
+          </a:r>
+          <a:endParaRPr lang="en-US"/>
+        </a:p>
+      </dgm:t>
+    </dgm:pt>
+    <dgm:pt modelId="{3950A5CA-3B93-4428-B650-F17A44BD80C4}" type="parTrans" cxnId="{E19451D0-1071-4607-8092-84056950A4A0}">
+      <dgm:prSet/>
+      <dgm:spPr/>
+      <dgm:t>
+        <a:bodyPr/>
+        <a:lstStyle/>
+        <a:p>
+          <a:endParaRPr lang="en-US"/>
+        </a:p>
+      </dgm:t>
+    </dgm:pt>
+    <dgm:pt modelId="{4FC569A4-8E0C-49CA-8623-95834C4F0E66}" type="sibTrans" cxnId="{E19451D0-1071-4607-8092-84056950A4A0}">
+      <dgm:prSet/>
+      <dgm:spPr/>
+      <dgm:t>
+        <a:bodyPr/>
+        <a:lstStyle/>
+        <a:p>
+          <a:endParaRPr lang="en-US"/>
+        </a:p>
+      </dgm:t>
+    </dgm:pt>
+    <dgm:pt modelId="{8D145838-2826-40D4-AE22-158799C766D7}">
+      <dgm:prSet/>
+      <dgm:spPr/>
+      <dgm:t>
+        <a:bodyPr/>
+        <a:lstStyle/>
+        <a:p>
+          <a:r>
+            <a:rPr lang="en-GB"/>
+            <a:t>Why do we need to know each places gravity?</a:t>
+          </a:r>
+          <a:endParaRPr lang="en-US"/>
+        </a:p>
+      </dgm:t>
+    </dgm:pt>
+    <dgm:pt modelId="{AE4F114B-90A9-4AB6-A519-7589FFC07C20}" type="parTrans" cxnId="{AFB013A0-359D-49BA-A97B-D30A2C2685F0}">
+      <dgm:prSet/>
+      <dgm:spPr/>
+      <dgm:t>
+        <a:bodyPr/>
+        <a:lstStyle/>
+        <a:p>
+          <a:endParaRPr lang="en-US"/>
+        </a:p>
+      </dgm:t>
+    </dgm:pt>
+    <dgm:pt modelId="{3692D352-6534-46AE-862D-446FAB57BC63}" type="sibTrans" cxnId="{AFB013A0-359D-49BA-A97B-D30A2C2685F0}">
+      <dgm:prSet/>
+      <dgm:spPr/>
+      <dgm:t>
+        <a:bodyPr/>
+        <a:lstStyle/>
+        <a:p>
+          <a:endParaRPr lang="en-US"/>
+        </a:p>
+      </dgm:t>
+    </dgm:pt>
+    <dgm:pt modelId="{41586325-5B58-48CC-B4F0-68B3549FEC8F}" type="pres">
+      <dgm:prSet presAssocID="{0EBB9FFF-1704-4296-9C06-8AD45B3DE7EF}" presName="Name0" presStyleCnt="0">
+        <dgm:presLayoutVars>
+          <dgm:dir/>
+          <dgm:resizeHandles val="exact"/>
+        </dgm:presLayoutVars>
+      </dgm:prSet>
+      <dgm:spPr/>
+    </dgm:pt>
+    <dgm:pt modelId="{6E1AE879-9C0B-4256-8794-85F7659DF93D}" type="pres">
+      <dgm:prSet presAssocID="{C5578BB8-EC69-4497-8A5C-0BD7E75C6C6E}" presName="parAndChTx" presStyleLbl="node1" presStyleIdx="0" presStyleCnt="2">
+        <dgm:presLayoutVars>
+          <dgm:bulletEnabled val="1"/>
+        </dgm:presLayoutVars>
+      </dgm:prSet>
+      <dgm:spPr/>
+    </dgm:pt>
+    <dgm:pt modelId="{9542A8BE-E5C9-4E10-82A2-1753F4583F89}" type="pres">
+      <dgm:prSet presAssocID="{56BE3111-3955-48B1-899F-E38F521E70A6}" presName="parAndChSpace" presStyleCnt="0"/>
+      <dgm:spPr/>
+    </dgm:pt>
+    <dgm:pt modelId="{B4166AE4-D91E-45F6-8393-15369C8A01F0}" type="pres">
+      <dgm:prSet presAssocID="{8D145838-2826-40D4-AE22-158799C766D7}" presName="parAndChTx" presStyleLbl="node1" presStyleIdx="1" presStyleCnt="2">
+        <dgm:presLayoutVars>
+          <dgm:bulletEnabled val="1"/>
+        </dgm:presLayoutVars>
+      </dgm:prSet>
+      <dgm:spPr/>
+    </dgm:pt>
+  </dgm:ptLst>
+  <dgm:cxnLst>
+    <dgm:cxn modelId="{3A8BF623-BACE-4F65-8601-1732B3FE15A6}" srcId="{C5578BB8-EC69-4497-8A5C-0BD7E75C6C6E}" destId="{FD081397-6FF9-4F3A-8262-DBF90E1A7E7F}" srcOrd="1" destOrd="0" parTransId="{CE581B90-4C1E-4C78-8B9C-218BF0F48338}" sibTransId="{F668FCDA-F29E-4644-8BA7-011FAD514442}"/>
+    <dgm:cxn modelId="{220BF52E-98ED-431C-86C0-BBEB5054DCAC}" type="presOf" srcId="{8D145838-2826-40D4-AE22-158799C766D7}" destId="{B4166AE4-D91E-45F6-8393-15369C8A01F0}" srcOrd="0" destOrd="0" presId="urn:microsoft.com/office/officeart/2005/8/layout/hChevron3"/>
+    <dgm:cxn modelId="{788F7B35-5E54-44D8-AB13-57CBB39623E6}" srcId="{0EBB9FFF-1704-4296-9C06-8AD45B3DE7EF}" destId="{C5578BB8-EC69-4497-8A5C-0BD7E75C6C6E}" srcOrd="0" destOrd="0" parTransId="{5615B047-2B8B-44CE-8AC5-67E0CEB6AC58}" sibTransId="{56BE3111-3955-48B1-899F-E38F521E70A6}"/>
+    <dgm:cxn modelId="{43848D50-8235-47FA-B8A9-51D1F42E3DF2}" type="presOf" srcId="{0EBB9FFF-1704-4296-9C06-8AD45B3DE7EF}" destId="{41586325-5B58-48CC-B4F0-68B3549FEC8F}" srcOrd="0" destOrd="0" presId="urn:microsoft.com/office/officeart/2005/8/layout/hChevron3"/>
+    <dgm:cxn modelId="{41254377-FB46-4E6C-BCCA-C266E8172355}" type="presOf" srcId="{39954A83-E2F6-497B-8232-E87DEEECC55B}" destId="{6E1AE879-9C0B-4256-8794-85F7659DF93D}" srcOrd="0" destOrd="1" presId="urn:microsoft.com/office/officeart/2005/8/layout/hChevron3"/>
+    <dgm:cxn modelId="{E725D38C-D51E-4BB8-B516-29DA33EC57B7}" type="presOf" srcId="{65391BE8-78FC-42C0-B93D-1D7F9B3CDDE3}" destId="{6E1AE879-9C0B-4256-8794-85F7659DF93D}" srcOrd="0" destOrd="3" presId="urn:microsoft.com/office/officeart/2005/8/layout/hChevron3"/>
+    <dgm:cxn modelId="{720AB798-DAC3-45D4-ABBA-AEA4D1652E87}" type="presOf" srcId="{C5578BB8-EC69-4497-8A5C-0BD7E75C6C6E}" destId="{6E1AE879-9C0B-4256-8794-85F7659DF93D}" srcOrd="0" destOrd="0" presId="urn:microsoft.com/office/officeart/2005/8/layout/hChevron3"/>
+    <dgm:cxn modelId="{AFB013A0-359D-49BA-A97B-D30A2C2685F0}" srcId="{0EBB9FFF-1704-4296-9C06-8AD45B3DE7EF}" destId="{8D145838-2826-40D4-AE22-158799C766D7}" srcOrd="1" destOrd="0" parTransId="{AE4F114B-90A9-4AB6-A519-7589FFC07C20}" sibTransId="{3692D352-6534-46AE-862D-446FAB57BC63}"/>
+    <dgm:cxn modelId="{94CAD2A4-8C77-4D4E-9D61-9E3BE1856B9E}" srcId="{C5578BB8-EC69-4497-8A5C-0BD7E75C6C6E}" destId="{39954A83-E2F6-497B-8232-E87DEEECC55B}" srcOrd="0" destOrd="0" parTransId="{1FDD7585-CE6D-40C9-8344-814B7A10A8F5}" sibTransId="{B420CE21-F870-4B4F-A5C4-764424D42EFD}"/>
+    <dgm:cxn modelId="{D2EDC7C4-A8EE-48CA-829F-73DD5A301C02}" type="presOf" srcId="{FD081397-6FF9-4F3A-8262-DBF90E1A7E7F}" destId="{6E1AE879-9C0B-4256-8794-85F7659DF93D}" srcOrd="0" destOrd="2" presId="urn:microsoft.com/office/officeart/2005/8/layout/hChevron3"/>
+    <dgm:cxn modelId="{E19451D0-1071-4607-8092-84056950A4A0}" srcId="{C5578BB8-EC69-4497-8A5C-0BD7E75C6C6E}" destId="{65391BE8-78FC-42C0-B93D-1D7F9B3CDDE3}" srcOrd="2" destOrd="0" parTransId="{3950A5CA-3B93-4428-B650-F17A44BD80C4}" sibTransId="{4FC569A4-8E0C-49CA-8623-95834C4F0E66}"/>
+    <dgm:cxn modelId="{960613A4-4CE3-490A-A5FC-934AEEB8AA47}" type="presParOf" srcId="{41586325-5B58-48CC-B4F0-68B3549FEC8F}" destId="{6E1AE879-9C0B-4256-8794-85F7659DF93D}" srcOrd="0" destOrd="0" presId="urn:microsoft.com/office/officeart/2005/8/layout/hChevron3"/>
+    <dgm:cxn modelId="{97F4273B-33D1-4A08-881C-796964A1CDB3}" type="presParOf" srcId="{41586325-5B58-48CC-B4F0-68B3549FEC8F}" destId="{9542A8BE-E5C9-4E10-82A2-1753F4583F89}" srcOrd="1" destOrd="0" presId="urn:microsoft.com/office/officeart/2005/8/layout/hChevron3"/>
+    <dgm:cxn modelId="{D6DC9D34-5EA8-43C4-B808-71ABB5C651F1}" type="presParOf" srcId="{41586325-5B58-48CC-B4F0-68B3549FEC8F}" destId="{B4166AE4-D91E-45F6-8393-15369C8A01F0}" srcOrd="2" destOrd="0" presId="urn:microsoft.com/office/officeart/2005/8/layout/hChevron3"/>
+  </dgm:cxnLst>
+  <dgm:bg/>
+  <dgm:whole/>
+  <dgm:extLst>
+    <a:ext uri="http://schemas.microsoft.com/office/drawing/2008/diagram">
+      <dsp:dataModelExt xmlns:dsp="http://schemas.microsoft.com/office/drawing/2008/diagram" relId="rId6" minVer="http://schemas.openxmlformats.org/drawingml/2006/diagram"/>
+    </a:ext>
+  </dgm:extLst>
+</dgm:dataModel>
+</file>
+
+<file path=ppt/diagrams/drawing1.xml><?xml version="1.0" encoding="utf-8"?>
+<dsp:drawing xmlns:dgm="http://schemas.openxmlformats.org/drawingml/2006/diagram" xmlns:dsp="http://schemas.microsoft.com/office/drawing/2008/diagram" xmlns:a="http://schemas.openxmlformats.org/drawingml/2006/main">
+  <dsp:spTree>
+    <dsp:nvGrpSpPr>
+      <dsp:cNvPr id="0" name=""/>
+      <dsp:cNvGrpSpPr/>
+    </dsp:nvGrpSpPr>
+    <dsp:grpSpPr/>
+    <dsp:sp modelId="{980B2CD5-57F2-4748-8DD0-5F830EA635D0}">
+      <dsp:nvSpPr>
+        <dsp:cNvPr id="0" name=""/>
+        <dsp:cNvSpPr/>
+      </dsp:nvSpPr>
+      <dsp:spPr>
+        <a:xfrm>
+          <a:off x="0" y="655756"/>
+          <a:ext cx="10972800" cy="1210627"/>
+        </a:xfrm>
+        <a:prstGeom prst="roundRect">
+          <a:avLst>
+            <a:gd name="adj" fmla="val 10000"/>
+          </a:avLst>
+        </a:prstGeom>
+        <a:solidFill>
+          <a:schemeClr val="bg1">
+            <a:lumMod val="95000"/>
+            <a:hueOff val="0"/>
+            <a:satOff val="0"/>
+            <a:lumOff val="0"/>
+            <a:alphaOff val="0"/>
+          </a:schemeClr>
+        </a:solidFill>
+        <a:ln>
+          <a:noFill/>
+        </a:ln>
+        <a:effectLst/>
+      </dsp:spPr>
+      <dsp:style>
+        <a:lnRef idx="0">
+          <a:scrgbClr r="0" g="0" b="0"/>
+        </a:lnRef>
+        <a:fillRef idx="1">
+          <a:scrgbClr r="0" g="0" b="0"/>
+        </a:fillRef>
+        <a:effectRef idx="0">
+          <a:scrgbClr r="0" g="0" b="0"/>
+        </a:effectRef>
+        <a:fontRef idx="minor"/>
+      </dsp:style>
+    </dsp:sp>
+    <dsp:sp modelId="{922F7F19-9FCB-4AEA-94D4-483558D52F1E}">
+      <dsp:nvSpPr>
+        <dsp:cNvPr id="0" name=""/>
+        <dsp:cNvSpPr/>
+      </dsp:nvSpPr>
+      <dsp:spPr>
+        <a:xfrm>
+          <a:off x="366214" y="928147"/>
+          <a:ext cx="665845" cy="665845"/>
+        </a:xfrm>
+        <a:prstGeom prst="rect">
+          <a:avLst/>
+        </a:prstGeom>
+        <a:blipFill>
+          <a:blip xmlns:r="http://schemas.openxmlformats.org/officeDocument/2006/relationships" r:embed="rId1">
+            <a:extLst>
+              <a:ext uri="{28A0092B-C50C-407E-A947-70E740481C1C}">
+                <a14:useLocalDpi xmlns:a14="http://schemas.microsoft.com/office/drawing/2010/main" val="0"/>
+              </a:ext>
+              <a:ext uri="{96DAC541-7B7A-43D3-8B79-37D633B846F1}">
+                <asvg:svgBlip xmlns:asvg="http://schemas.microsoft.com/office/drawing/2016/SVG/main" r:embed="rId2"/>
+              </a:ext>
+            </a:extLst>
+          </a:blip>
+          <a:stretch>
+            <a:fillRect/>
+          </a:stretch>
+        </a:blipFill>
+        <a:ln w="12700" cap="flat" cmpd="sng" algn="ctr">
+          <a:noFill/>
+          <a:prstDash val="solid"/>
+          <a:miter lim="800000"/>
+        </a:ln>
+        <a:effectLst/>
+      </dsp:spPr>
+      <dsp:style>
+        <a:lnRef idx="2">
+          <a:scrgbClr r="0" g="0" b="0"/>
+        </a:lnRef>
+        <a:fillRef idx="1">
+          <a:scrgbClr r="0" g="0" b="0"/>
+        </a:fillRef>
+        <a:effectRef idx="0">
+          <a:scrgbClr r="0" g="0" b="0"/>
+        </a:effectRef>
+        <a:fontRef idx="minor">
+          <a:schemeClr val="lt1"/>
+        </a:fontRef>
+      </dsp:style>
+    </dsp:sp>
+    <dsp:sp modelId="{F7410E59-7EF7-4E39-9FA4-74CA75AEB40C}">
+      <dsp:nvSpPr>
+        <dsp:cNvPr id="0" name=""/>
+        <dsp:cNvSpPr/>
+      </dsp:nvSpPr>
+      <dsp:spPr>
+        <a:xfrm>
+          <a:off x="1398274" y="655756"/>
+          <a:ext cx="9574525" cy="1210627"/>
+        </a:xfrm>
+        <a:prstGeom prst="rect">
+          <a:avLst/>
+        </a:prstGeom>
+        <a:noFill/>
+        <a:ln>
+          <a:noFill/>
+        </a:ln>
+        <a:effectLst/>
+      </dsp:spPr>
+      <dsp:style>
+        <a:lnRef idx="0">
+          <a:scrgbClr r="0" g="0" b="0"/>
+        </a:lnRef>
+        <a:fillRef idx="0">
+          <a:scrgbClr r="0" g="0" b="0"/>
+        </a:fillRef>
+        <a:effectRef idx="0">
+          <a:scrgbClr r="0" g="0" b="0"/>
+        </a:effectRef>
+        <a:fontRef idx="minor"/>
+      </dsp:style>
+      <dsp:txBody>
+        <a:bodyPr spcFirstLastPara="0" vert="horz" wrap="square" lIns="128125" tIns="128125" rIns="128125" bIns="128125" numCol="1" spcCol="1270" anchor="ctr" anchorCtr="0">
+          <a:noAutofit/>
+        </a:bodyPr>
+        <a:lstStyle/>
+        <a:p>
+          <a:pPr marL="0" lvl="0" indent="0" algn="l" defTabSz="1022350">
+            <a:lnSpc>
+              <a:spcPct val="90000"/>
+            </a:lnSpc>
+            <a:spcBef>
+              <a:spcPct val="0"/>
+            </a:spcBef>
+            <a:spcAft>
+              <a:spcPct val="35000"/>
+            </a:spcAft>
+            <a:buNone/>
+          </a:pPr>
+          <a:r>
+            <a:rPr lang="en-GB" sz="2300" b="0" kern="1200"/>
+            <a:t>Space Mission: You have been tasked by the ESA (European Space Agency) to calculate key information for an upcoming space mission.</a:t>
+          </a:r>
+          <a:endParaRPr lang="en-US" sz="2300" kern="1200"/>
+        </a:p>
+      </dsp:txBody>
+      <dsp:txXfrm>
+        <a:off x="1398274" y="655756"/>
+        <a:ext cx="9574525" cy="1210627"/>
+      </dsp:txXfrm>
+    </dsp:sp>
+    <dsp:sp modelId="{4C0D1C89-DDBF-405D-B10A-4F93B4C2F8EE}">
+      <dsp:nvSpPr>
+        <dsp:cNvPr id="0" name=""/>
+        <dsp:cNvSpPr/>
+      </dsp:nvSpPr>
+      <dsp:spPr>
+        <a:xfrm>
+          <a:off x="0" y="2169040"/>
+          <a:ext cx="10972800" cy="1210627"/>
+        </a:xfrm>
+        <a:prstGeom prst="roundRect">
+          <a:avLst>
+            <a:gd name="adj" fmla="val 10000"/>
+          </a:avLst>
+        </a:prstGeom>
+        <a:solidFill>
+          <a:schemeClr val="bg1">
+            <a:lumMod val="95000"/>
+            <a:hueOff val="0"/>
+            <a:satOff val="0"/>
+            <a:lumOff val="0"/>
+            <a:alphaOff val="0"/>
+          </a:schemeClr>
+        </a:solidFill>
+        <a:ln>
+          <a:noFill/>
+        </a:ln>
+        <a:effectLst/>
+      </dsp:spPr>
+      <dsp:style>
+        <a:lnRef idx="0">
+          <a:scrgbClr r="0" g="0" b="0"/>
+        </a:lnRef>
+        <a:fillRef idx="1">
+          <a:scrgbClr r="0" g="0" b="0"/>
+        </a:fillRef>
+        <a:effectRef idx="0">
+          <a:scrgbClr r="0" g="0" b="0"/>
+        </a:effectRef>
+        <a:fontRef idx="minor"/>
+      </dsp:style>
+    </dsp:sp>
+    <dsp:sp modelId="{FEA9A89F-66E7-41FA-B4BC-11FC8BFB2FC1}">
+      <dsp:nvSpPr>
+        <dsp:cNvPr id="0" name=""/>
+        <dsp:cNvSpPr/>
+      </dsp:nvSpPr>
+      <dsp:spPr>
+        <a:xfrm>
+          <a:off x="366214" y="2441432"/>
+          <a:ext cx="665845" cy="665845"/>
+        </a:xfrm>
+        <a:prstGeom prst="rect">
+          <a:avLst/>
+        </a:prstGeom>
+        <a:blipFill>
+          <a:blip xmlns:r="http://schemas.openxmlformats.org/officeDocument/2006/relationships" r:embed="rId3">
+            <a:extLst>
+              <a:ext uri="{28A0092B-C50C-407E-A947-70E740481C1C}">
+                <a14:useLocalDpi xmlns:a14="http://schemas.microsoft.com/office/drawing/2010/main" val="0"/>
+              </a:ext>
+              <a:ext uri="{96DAC541-7B7A-43D3-8B79-37D633B846F1}">
+                <asvg:svgBlip xmlns:asvg="http://schemas.microsoft.com/office/drawing/2016/SVG/main" r:embed="rId4"/>
+              </a:ext>
+            </a:extLst>
+          </a:blip>
+          <a:stretch>
+            <a:fillRect/>
+          </a:stretch>
+        </a:blipFill>
+        <a:ln w="12700" cap="flat" cmpd="sng" algn="ctr">
+          <a:noFill/>
+          <a:prstDash val="solid"/>
+          <a:miter lim="800000"/>
+        </a:ln>
+        <a:effectLst/>
+      </dsp:spPr>
+      <dsp:style>
+        <a:lnRef idx="2">
+          <a:scrgbClr r="0" g="0" b="0"/>
+        </a:lnRef>
+        <a:fillRef idx="1">
+          <a:scrgbClr r="0" g="0" b="0"/>
+        </a:fillRef>
+        <a:effectRef idx="0">
+          <a:scrgbClr r="0" g="0" b="0"/>
+        </a:effectRef>
+        <a:fontRef idx="minor">
+          <a:schemeClr val="lt1"/>
+        </a:fontRef>
+      </dsp:style>
+    </dsp:sp>
+    <dsp:sp modelId="{5F91858F-C991-4523-A18B-C55335E10121}">
+      <dsp:nvSpPr>
+        <dsp:cNvPr id="0" name=""/>
+        <dsp:cNvSpPr/>
+      </dsp:nvSpPr>
+      <dsp:spPr>
+        <a:xfrm>
+          <a:off x="1398274" y="2169040"/>
+          <a:ext cx="9574525" cy="1210627"/>
+        </a:xfrm>
+        <a:prstGeom prst="rect">
+          <a:avLst/>
+        </a:prstGeom>
+        <a:noFill/>
+        <a:ln>
+          <a:noFill/>
+        </a:ln>
+        <a:effectLst/>
+      </dsp:spPr>
+      <dsp:style>
+        <a:lnRef idx="0">
+          <a:scrgbClr r="0" g="0" b="0"/>
+        </a:lnRef>
+        <a:fillRef idx="0">
+          <a:scrgbClr r="0" g="0" b="0"/>
+        </a:fillRef>
+        <a:effectRef idx="0">
+          <a:scrgbClr r="0" g="0" b="0"/>
+        </a:effectRef>
+        <a:fontRef idx="minor"/>
+      </dsp:style>
+      <dsp:txBody>
+        <a:bodyPr spcFirstLastPara="0" vert="horz" wrap="square" lIns="128125" tIns="128125" rIns="128125" bIns="128125" numCol="1" spcCol="1270" anchor="ctr" anchorCtr="0">
+          <a:noAutofit/>
+        </a:bodyPr>
+        <a:lstStyle/>
+        <a:p>
+          <a:pPr marL="0" lvl="0" indent="0" algn="l" defTabSz="1022350">
+            <a:lnSpc>
+              <a:spcPct val="90000"/>
+            </a:lnSpc>
+            <a:spcBef>
+              <a:spcPct val="0"/>
+            </a:spcBef>
+            <a:spcAft>
+              <a:spcPct val="35000"/>
+            </a:spcAft>
+            <a:buNone/>
+          </a:pPr>
+          <a:r>
+            <a:rPr lang="en-GB" sz="2300" b="0" kern="1200"/>
+            <a:t>You will be assigned a target planet and will need to work in a group to successfully generate vital calculations for this mission.</a:t>
+          </a:r>
+          <a:endParaRPr lang="en-US" sz="2300" kern="1200"/>
+        </a:p>
+      </dsp:txBody>
+      <dsp:txXfrm>
+        <a:off x="1398274" y="2169040"/>
+        <a:ext cx="9574525" cy="1210627"/>
+      </dsp:txXfrm>
+    </dsp:sp>
+  </dsp:spTree>
+</dsp:drawing>
+</file>
+
+<file path=ppt/diagrams/drawing2.xml><?xml version="1.0" encoding="utf-8"?>
+<dsp:drawing xmlns:dgm="http://schemas.openxmlformats.org/drawingml/2006/diagram" xmlns:dsp="http://schemas.microsoft.com/office/drawing/2008/diagram" xmlns:a="http://schemas.openxmlformats.org/drawingml/2006/main">
+  <dsp:spTree>
+    <dsp:nvGrpSpPr>
+      <dsp:cNvPr id="0" name=""/>
+      <dsp:cNvGrpSpPr/>
+    </dsp:nvGrpSpPr>
+    <dsp:grpSpPr/>
+    <dsp:sp modelId="{6E1AE879-9C0B-4256-8794-85F7659DF93D}">
+      <dsp:nvSpPr>
+        <dsp:cNvPr id="0" name=""/>
+        <dsp:cNvSpPr/>
+      </dsp:nvSpPr>
+      <dsp:spPr>
+        <a:xfrm>
+          <a:off x="8572" y="0"/>
+          <a:ext cx="6086475" cy="4035425"/>
+        </a:xfrm>
+        <a:prstGeom prst="homePlate">
+          <a:avLst>
+            <a:gd name="adj" fmla="val 25000"/>
+          </a:avLst>
+        </a:prstGeom>
+        <a:solidFill>
+          <a:schemeClr val="accent2">
+            <a:hueOff val="0"/>
+            <a:satOff val="0"/>
+            <a:lumOff val="0"/>
+            <a:alphaOff val="0"/>
+          </a:schemeClr>
+        </a:solidFill>
+        <a:ln w="12700" cap="flat" cmpd="sng" algn="ctr">
+          <a:solidFill>
+            <a:schemeClr val="lt1">
+              <a:hueOff val="0"/>
+              <a:satOff val="0"/>
+              <a:lumOff val="0"/>
+              <a:alphaOff val="0"/>
+            </a:schemeClr>
+          </a:solidFill>
+          <a:prstDash val="solid"/>
+          <a:miter lim="800000"/>
+        </a:ln>
+        <a:effectLst/>
+      </dsp:spPr>
+      <dsp:style>
+        <a:lnRef idx="2">
+          <a:scrgbClr r="0" g="0" b="0"/>
+        </a:lnRef>
+        <a:fillRef idx="1">
+          <a:scrgbClr r="0" g="0" b="0"/>
+        </a:fillRef>
+        <a:effectRef idx="0">
+          <a:scrgbClr r="0" g="0" b="0"/>
+        </a:effectRef>
+        <a:fontRef idx="minor">
+          <a:schemeClr val="lt1"/>
+        </a:fontRef>
+      </dsp:style>
+      <dsp:txBody>
+        <a:bodyPr spcFirstLastPara="0" vert="horz" wrap="square" lIns="214717" tIns="129540" rIns="858869" bIns="129540" numCol="1" spcCol="1270" anchor="t" anchorCtr="0">
+          <a:noAutofit/>
+        </a:bodyPr>
+        <a:lstStyle/>
+        <a:p>
+          <a:pPr marL="0" lvl="0" indent="0" algn="l" defTabSz="2266950">
+            <a:lnSpc>
+              <a:spcPct val="90000"/>
+            </a:lnSpc>
+            <a:spcBef>
+              <a:spcPct val="0"/>
+            </a:spcBef>
+            <a:spcAft>
+              <a:spcPct val="35000"/>
+            </a:spcAft>
+            <a:buNone/>
+          </a:pPr>
+          <a:r>
+            <a:rPr lang="en-GB" sz="5100" kern="1200"/>
+            <a:t>Discover the Gravity on </a:t>
+          </a:r>
+          <a:endParaRPr lang="en-US" sz="5100" kern="1200"/>
+        </a:p>
+        <a:p>
+          <a:pPr marL="285750" lvl="1" indent="-285750" algn="l" defTabSz="1778000">
+            <a:lnSpc>
+              <a:spcPct val="90000"/>
+            </a:lnSpc>
+            <a:spcBef>
+              <a:spcPct val="0"/>
+            </a:spcBef>
+            <a:spcAft>
+              <a:spcPct val="15000"/>
+            </a:spcAft>
+            <a:buChar char="•"/>
+          </a:pPr>
+          <a:r>
+            <a:rPr lang="en-GB" sz="4000" kern="1200"/>
+            <a:t>Earth</a:t>
+          </a:r>
+          <a:endParaRPr lang="en-US" sz="4000" kern="1200"/>
+        </a:p>
+        <a:p>
+          <a:pPr marL="285750" lvl="1" indent="-285750" algn="l" defTabSz="1778000">
+            <a:lnSpc>
+              <a:spcPct val="90000"/>
+            </a:lnSpc>
+            <a:spcBef>
+              <a:spcPct val="0"/>
+            </a:spcBef>
+            <a:spcAft>
+              <a:spcPct val="15000"/>
+            </a:spcAft>
+            <a:buChar char="•"/>
+          </a:pPr>
+          <a:r>
+            <a:rPr lang="en-GB" sz="4000" kern="1200"/>
+            <a:t>Space</a:t>
+          </a:r>
+          <a:endParaRPr lang="en-US" sz="4000" kern="1200"/>
+        </a:p>
+        <a:p>
+          <a:pPr marL="285750" lvl="1" indent="-285750" algn="l" defTabSz="1778000">
+            <a:lnSpc>
+              <a:spcPct val="90000"/>
+            </a:lnSpc>
+            <a:spcBef>
+              <a:spcPct val="0"/>
+            </a:spcBef>
+            <a:spcAft>
+              <a:spcPct val="15000"/>
+            </a:spcAft>
+            <a:buChar char="•"/>
+          </a:pPr>
+          <a:r>
+            <a:rPr lang="en-GB" sz="4000" kern="1200"/>
+            <a:t>Destination Planet</a:t>
+          </a:r>
+          <a:endParaRPr lang="en-US" sz="4000" kern="1200"/>
+        </a:p>
+      </dsp:txBody>
+      <dsp:txXfrm>
+        <a:off x="8572" y="0"/>
+        <a:ext cx="5582047" cy="4035425"/>
+      </dsp:txXfrm>
+    </dsp:sp>
+    <dsp:sp modelId="{B4166AE4-D91E-45F6-8393-15369C8A01F0}">
+      <dsp:nvSpPr>
+        <dsp:cNvPr id="0" name=""/>
+        <dsp:cNvSpPr/>
+      </dsp:nvSpPr>
+      <dsp:spPr>
+        <a:xfrm>
+          <a:off x="4877752" y="0"/>
+          <a:ext cx="6086475" cy="4035425"/>
+        </a:xfrm>
+        <a:prstGeom prst="chevron">
+          <a:avLst>
+            <a:gd name="adj" fmla="val 25000"/>
+          </a:avLst>
+        </a:prstGeom>
+        <a:solidFill>
+          <a:schemeClr val="accent3">
+            <a:hueOff val="0"/>
+            <a:satOff val="0"/>
+            <a:lumOff val="0"/>
+            <a:alphaOff val="0"/>
+          </a:schemeClr>
+        </a:solidFill>
+        <a:ln w="12700" cap="flat" cmpd="sng" algn="ctr">
+          <a:solidFill>
+            <a:schemeClr val="lt1">
+              <a:hueOff val="0"/>
+              <a:satOff val="0"/>
+              <a:lumOff val="0"/>
+              <a:alphaOff val="0"/>
+            </a:schemeClr>
+          </a:solidFill>
+          <a:prstDash val="solid"/>
+          <a:miter lim="800000"/>
+        </a:ln>
+        <a:effectLst/>
+      </dsp:spPr>
+      <dsp:style>
+        <a:lnRef idx="2">
+          <a:scrgbClr r="0" g="0" b="0"/>
+        </a:lnRef>
+        <a:fillRef idx="1">
+          <a:scrgbClr r="0" g="0" b="0"/>
+        </a:fillRef>
+        <a:effectRef idx="0">
+          <a:scrgbClr r="0" g="0" b="0"/>
+        </a:effectRef>
+        <a:fontRef idx="minor">
+          <a:schemeClr val="lt1"/>
+        </a:fontRef>
+      </dsp:style>
+      <dsp:txBody>
+        <a:bodyPr spcFirstLastPara="0" vert="horz" wrap="square" lIns="214717" tIns="129540" rIns="214717" bIns="129540" numCol="1" spcCol="1270" anchor="ctr" anchorCtr="0">
+          <a:noAutofit/>
+        </a:bodyPr>
+        <a:lstStyle/>
+        <a:p>
+          <a:pPr marL="0" lvl="0" indent="0" algn="ctr" defTabSz="2266950">
+            <a:lnSpc>
+              <a:spcPct val="90000"/>
+            </a:lnSpc>
+            <a:spcBef>
+              <a:spcPct val="0"/>
+            </a:spcBef>
+            <a:spcAft>
+              <a:spcPct val="35000"/>
+            </a:spcAft>
+            <a:buNone/>
+          </a:pPr>
+          <a:r>
+            <a:rPr lang="en-GB" sz="5100" kern="1200"/>
+            <a:t>Why do we need to know each places gravity?</a:t>
+          </a:r>
+          <a:endParaRPr lang="en-US" sz="5100" kern="1200"/>
+        </a:p>
+      </dsp:txBody>
+      <dsp:txXfrm>
+        <a:off x="5886608" y="0"/>
+        <a:ext cx="4068763" cy="4035425"/>
+      </dsp:txXfrm>
+    </dsp:sp>
+  </dsp:spTree>
+</dsp:drawing>
+</file>
+
+<file path=ppt/diagrams/layout1.xml><?xml version="1.0" encoding="utf-8"?>
+<dgm:layoutDef xmlns:dgm="http://schemas.openxmlformats.org/drawingml/2006/diagram" xmlns:a="http://schemas.openxmlformats.org/drawingml/2006/main" uniqueId="urn:microsoft.com/office/officeart/2018/2/layout/IconVerticalSolidList">
+  <dgm:title val="Icon Vertical Solid List"/>
+  <dgm:desc val="Use to show a series of visuals from top to bottom with Level 1 or Level 1 and Level 2 text grouped in a shape. Works best with icons or small pictures with lengthier descriptions."/>
+  <dgm:catLst>
+    <dgm:cat type="icon" pri="500"/>
+  </dgm:catLst>
+  <dgm:sampData useDef="1">
+    <dgm:dataModel>
+      <dgm:ptLst/>
+      <dgm:bg/>
+      <dgm:whole/>
+    </dgm:dataModel>
+  </dgm:sampData>
+  <dgm:styleData useDef="1">
+    <dgm:dataModel>
+      <dgm:ptLst/>
+      <dgm:bg/>
+      <dgm:whole/>
+    </dgm:dataModel>
+  </dgm:styleData>
+  <dgm:clrData useDef="1">
+    <dgm:dataModel>
+      <dgm:ptLst/>
+      <dgm:bg/>
+      <dgm:whole/>
+    </dgm:dataModel>
+  </dgm:clrData>
+  <dgm:layoutNode name="root">
+    <dgm:varLst>
+      <dgm:dir/>
+      <dgm:resizeHandles val="exact"/>
+    </dgm:varLst>
+    <dgm:choose name="Name0">
+      <dgm:if name="Name1" axis="self" func="var" arg="dir" op="equ" val="norm">
+        <dgm:alg type="lin">
+          <dgm:param type="linDir" val="fromT"/>
+          <dgm:param type="nodeHorzAlign" val="l"/>
+        </dgm:alg>
+      </dgm:if>
+      <dgm:else name="Name2">
+        <dgm:alg type="lin">
+          <dgm:param type="linDir" val="fromT"/>
+          <dgm:param type="nodeHorzAlign" val="r"/>
+        </dgm:alg>
+      </dgm:else>
+    </dgm:choose>
+    <dgm:shape xmlns:r="http://schemas.openxmlformats.org/officeDocument/2006/relationships" r:blip="">
+      <dgm:adjLst/>
+    </dgm:shape>
+    <dgm:presOf/>
+    <dgm:choose name="Name3">
+      <dgm:if name="Name4" axis="ch" ptType="node" func="cnt" op="lte" val="3">
+        <dgm:constrLst>
+          <dgm:constr type="h" for="ch" forName="compNode" refType="h" fact="0.3"/>
+          <dgm:constr type="w" for="ch" forName="compNode" refType="w"/>
+          <dgm:constr type="h" for="ch" forName="sibTrans" refType="h" refFor="ch" refForName="compNode" fact="0.25"/>
+          <dgm:constr type="primFontSz" for="des" forName="parTx" val="25"/>
+          <dgm:constr type="primFontSz" for="des" forName="desTx" refType="primFontSz" refFor="des" refForName="parTx" op="lte" fact="0.75"/>
+          <dgm:constr type="h" for="des" forName="compNode" op="equ"/>
+          <dgm:constr type="h" for="des" forName="bgRect" op="equ"/>
+          <dgm:constr type="h" for="des" forName="iconRect" op="equ"/>
+          <dgm:constr type="w" for="des" forName="iconRect" op="equ"/>
+          <dgm:constr type="h" for="des" forName="spaceRect" op="equ"/>
+          <dgm:constr type="h" for="des" forName="parTx" op="equ"/>
+          <dgm:constr type="h" for="des" forName="desTx" op="equ"/>
+        </dgm:constrLst>
+      </dgm:if>
+      <dgm:if name="Name5" axis="ch" ptType="node" func="cnt" op="lte" val="4">
+        <dgm:constrLst>
+          <dgm:constr type="h" for="ch" forName="compNode" refType="h" fact="0.3"/>
+          <dgm:constr type="w" for="ch" forName="compNode" refType="w"/>
+          <dgm:constr type="h" for="ch" forName="sibTrans" refType="h" refFor="ch" refForName="compNode" fact="0.25"/>
+          <dgm:constr type="primFontSz" for="des" forName="parTx" val="22"/>
+          <dgm:constr type="primFontSz" for="des" forName="desTx" refType="primFontSz" refFor="des" refForName="parTx" op="lte" fact="0.75"/>
+          <dgm:constr type="h" for="des" forName="compNode" op="equ"/>
+          <dgm:constr type="h" for="des" forName="bgRect" op="equ"/>
+          <dgm:constr type="h" for="des" forName="iconRect" op="equ"/>
+          <dgm:constr type="w" for="des" forName="iconRect" op="equ"/>
+          <dgm:constr type="h" for="des" forName="spaceRect" op="equ"/>
+          <dgm:constr type="h" for="des" forName="parTx" op="equ"/>
+          <dgm:constr type="h" for="des" forName="desTx" op="equ"/>
+        </dgm:constrLst>
+      </dgm:if>
+      <dgm:if name="Name6" axis="ch" ptType="node" func="cnt" op="lte" val="6">
+        <dgm:constrLst>
+          <dgm:constr type="h" for="ch" forName="compNode" refType="h" fact="0.3"/>
+          <dgm:constr type="w" for="ch" forName="compNode" refType="w"/>
+          <dgm:constr type="h" for="ch" forName="sibTrans" refType="h" refFor="ch" refForName="compNode" fact="0.25"/>
+          <dgm:constr type="primFontSz" for="des" forName="parTx" val="19"/>
+          <dgm:constr type="primFontSz" for="des" forName="desTx" refType="primFontSz" refFor="des" refForName="parTx" op="lte" fact="0.75"/>
+          <dgm:constr type="h" for="des" forName="compNode" op="equ"/>
+          <dgm:constr type="h" for="des" forName="bgRect" op="equ"/>
+          <dgm:constr type="h" for="des" forName="iconRect" op="equ"/>
+          <dgm:constr type="w" for="des" forName="iconRect" op="equ"/>
+          <dgm:constr type="h" for="des" forName="spaceRect" op="equ"/>
+          <dgm:constr type="h" for="des" forName="parTx" op="equ"/>
+          <dgm:constr type="h" for="des" forName="desTx" op="equ"/>
+        </dgm:constrLst>
+      </dgm:if>
+      <dgm:else name="Name7">
+        <dgm:constrLst>
+          <dgm:constr type="h" for="ch" forName="compNode" refType="h" fact="0.3"/>
+          <dgm:constr type="w" for="ch" forName="compNode" refType="w"/>
+          <dgm:constr type="h" for="ch" forName="sibTrans" refType="h" refFor="ch" refForName="compNode" fact="0.25"/>
+          <dgm:constr type="primFontSz" for="des" forName="parTx" val="16"/>
+          <dgm:constr type="primFontSz" for="des" forName="desTx" refType="primFontSz" refFor="des" refForName="parTx" op="lte" fact="0.75"/>
+          <dgm:constr type="h" for="des" forName="compNode" op="equ"/>
+          <dgm:constr type="h" for="des" forName="bgRect" op="equ"/>
+          <dgm:constr type="h" for="des" forName="iconRect" op="equ"/>
+          <dgm:constr type="w" for="des" forName="iconRect" op="equ"/>
+          <dgm:constr type="h" for="des" forName="spaceRect" op="equ"/>
+          <dgm:constr type="h" for="des" forName="parTx" op="equ"/>
+          <dgm:constr type="h" for="des" forName="desTx" op="equ"/>
+        </dgm:constrLst>
+      </dgm:else>
+    </dgm:choose>
+    <dgm:ruleLst>
+      <dgm:rule type="h" for="ch" forName="compNode" val="0" fact="NaN" max="NaN"/>
+    </dgm:ruleLst>
+    <dgm:forEach name="Name8" axis="ch" ptType="node">
+      <dgm:layoutNode name="compNode">
+        <dgm:alg type="composite"/>
+        <dgm:shape xmlns:r="http://schemas.openxmlformats.org/officeDocument/2006/relationships" r:blip="">
+          <dgm:adjLst/>
+        </dgm:shape>
+        <dgm:presOf axis="self"/>
+        <dgm:choose name="Name9">
+          <dgm:if name="Name10" axis="ch" ptType="node" func="cnt" op="gte" val="1">
+            <dgm:constrLst>
+              <dgm:constr type="w" for="ch" forName="bgRect" refType="w"/>
+              <dgm:constr type="h" for="ch" forName="bgRect" refType="h"/>
+              <dgm:constr type="l" for="ch" forName="bgRect"/>
+              <dgm:constr type="t" for="ch" forName="bgRect"/>
+              <dgm:constr type="h" for="ch" forName="iconRect" refType="h" fact="0.55"/>
+              <dgm:constr type="w" for="ch" forName="iconRect" refType="h" refFor="ch" refForName="iconRect"/>
+              <dgm:constr type="l" for="ch" forName="iconRect" refType="h" refFor="ch" refForName="iconRect" fact="0.55"/>
+              <dgm:constr type="ctrY" for="ch" forName="iconRect" refType="ctrY" refFor="ch" refForName="bgRect"/>
+              <dgm:constr type="w" for="ch" forName="spaceRect" refType="l" refFor="ch" refForName="iconRect"/>
+              <dgm:constr type="h" for="ch" forName="spaceRect" refType="h"/>
+              <dgm:constr type="l" for="ch" forName="spaceRect" refType="r" refFor="ch" refForName="iconRect"/>
+              <dgm:constr type="t" for="ch" forName="spaceRect"/>
+              <dgm:constr type="w" for="ch" forName="parTx" refType="w" fact="0.45"/>
+              <dgm:constr type="h" for="ch" forName="parTx" refType="h"/>
+              <dgm:constr type="l" for="ch" forName="parTx" refType="r" refFor="ch" refForName="spaceRect"/>
+              <dgm:constr type="t" for="ch" forName="parTx"/>
+              <dgm:constr type="h" for="ch" forName="desTx" refType="h"/>
+              <dgm:constr type="l" for="ch" forName="desTx" refType="r" refFor="ch" refForName="parTx"/>
+              <dgm:constr type="t" for="ch" forName="desTx"/>
+            </dgm:constrLst>
+          </dgm:if>
+          <dgm:else name="Name11">
+            <dgm:constrLst>
+              <dgm:constr type="w" for="ch" forName="bgRect" refType="w"/>
+              <dgm:constr type="h" for="ch" forName="bgRect" refType="h"/>
+              <dgm:constr type="l" for="ch" forName="bgRect"/>
+              <dgm:constr type="t" for="ch" forName="bgRect"/>
+              <dgm:constr type="h" for="ch" forName="iconRect" refType="h" fact="0.55"/>
+              <dgm:constr type="w" for="ch" forName="iconRect" refType="h" refFor="ch" refForName="iconRect"/>
+              <dgm:constr type="l" for="ch" forName="iconRect" refType="h" refFor="ch" refForName="iconRect" fact="0.55"/>
+              <dgm:constr type="ctrY" for="ch" forName="iconRect" refType="ctrY" refFor="ch" refForName="bgRect"/>
+              <dgm:constr type="w" for="ch" forName="spaceRect" refType="l" refFor="ch" refForName="iconRect"/>
+              <dgm:constr type="h" for="ch" forName="spaceRect" refType="h"/>
+              <dgm:constr type="l" for="ch" forName="spaceRect" refType="r" refFor="ch" refForName="iconRect"/>
+              <dgm:constr type="t" for="ch" forName="spaceRect"/>
+              <dgm:constr type="h" for="ch" forName="parTx" refType="h"/>
+              <dgm:constr type="l" for="ch" forName="parTx" refType="r" refFor="ch" refForName="spaceRect"/>
+              <dgm:constr type="t" for="ch" forName="parTx"/>
+            </dgm:constrLst>
+          </dgm:else>
+        </dgm:choose>
+        <dgm:ruleLst>
+          <dgm:rule type="h" val="INF" fact="NaN" max="NaN"/>
+        </dgm:ruleLst>
+        <dgm:layoutNode name="bgRect" styleLbl="bgShp">
+          <dgm:alg type="sp"/>
+          <dgm:shape xmlns:r="http://schemas.openxmlformats.org/officeDocument/2006/relationships" type="roundRect" r:blip="">
+            <dgm:adjLst>
+              <dgm:adj idx="1" val="0.1"/>
+            </dgm:adjLst>
+          </dgm:shape>
+          <dgm:presOf/>
+          <dgm:constrLst/>
+          <dgm:ruleLst/>
+        </dgm:layoutNode>
+        <dgm:layoutNode name="iconRect" styleLbl="node1">
+          <dgm:alg type="sp"/>
+          <dgm:shape xmlns:r="http://schemas.openxmlformats.org/officeDocument/2006/relationships" type="rect" r:blip="" blipPhldr="1">
+            <dgm:adjLst/>
+          </dgm:shape>
+          <dgm:presOf/>
+          <dgm:constrLst/>
+          <dgm:ruleLst/>
+        </dgm:layoutNode>
+        <dgm:layoutNode name="spaceRect">
+          <dgm:alg type="sp"/>
+          <dgm:shape xmlns:r="http://schemas.openxmlformats.org/officeDocument/2006/relationships" r:blip="">
+            <dgm:adjLst/>
+          </dgm:shape>
+          <dgm:presOf/>
+          <dgm:constrLst/>
+          <dgm:ruleLst/>
+        </dgm:layoutNode>
+        <dgm:layoutNode name="parTx" styleLbl="revTx">
+          <dgm:varLst>
+            <dgm:chMax val="0"/>
+            <dgm:chPref val="0"/>
+          </dgm:varLst>
+          <dgm:alg type="tx">
+            <dgm:param type="txAnchorVert" val="mid"/>
+            <dgm:param type="parTxLTRAlign" val="l"/>
+            <dgm:param type="shpTxLTRAlignCh" val="l"/>
+            <dgm:param type="parTxRTLAlign" val="r"/>
+            <dgm:param type="shpTxRTLAlignCh" val="r"/>
+          </dgm:alg>
+          <dgm:shape xmlns:r="http://schemas.openxmlformats.org/officeDocument/2006/relationships" type="rect" r:blip="">
+            <dgm:adjLst/>
+          </dgm:shape>
+          <dgm:presOf axis="self" ptType="node"/>
+          <dgm:constrLst>
+            <dgm:constr type="lMarg" refType="h" fact="0.3"/>
+            <dgm:constr type="rMarg" refType="h" fact="0.3"/>
+            <dgm:constr type="tMarg" refType="h" fact="0.3"/>
+            <dgm:constr type="bMarg" refType="h" fact="0.3"/>
+          </dgm:constrLst>
+          <dgm:ruleLst>
+            <dgm:rule type="primFontSz" val="14" fact="NaN" max="NaN"/>
+            <dgm:rule type="h" val="INF" fact="NaN" max="NaN"/>
+          </dgm:ruleLst>
+        </dgm:layoutNode>
+        <dgm:choose name="Name12">
+          <dgm:if name="Name13" axis="ch" ptType="node" func="cnt" op="gte" val="1">
+            <dgm:layoutNode name="desTx" styleLbl="revTx">
+              <dgm:varLst/>
+              <dgm:alg type="tx">
+                <dgm:param type="txAnchorVertCh" val="mid"/>
+                <dgm:param type="parTxLTRAlign" val="l"/>
+                <dgm:param type="shpTxLTRAlignCh" val="l"/>
+                <dgm:param type="parTxRTLAlign" val="r"/>
+                <dgm:param type="shpTxRTLAlignCh" val="r"/>
+                <dgm:param type="stBulletLvl" val="0"/>
+              </dgm:alg>
+              <dgm:shape xmlns:r="http://schemas.openxmlformats.org/officeDocument/2006/relationships" type="rect" r:blip="">
+                <dgm:adjLst/>
+              </dgm:shape>
+              <dgm:presOf axis="des" ptType="node"/>
+              <dgm:constrLst>
+                <dgm:constr type="primFontSz" val="18"/>
+                <dgm:constr type="secFontSz" refType="primFontSz"/>
+                <dgm:constr type="lMarg" refType="h" fact="0.3"/>
+                <dgm:constr type="rMarg" refType="h" fact="0.3"/>
+                <dgm:constr type="tMarg" refType="h" fact="0.3"/>
+                <dgm:constr type="bMarg" refType="h" fact="0.3"/>
+              </dgm:constrLst>
+              <dgm:ruleLst>
+                <dgm:rule type="primFontSz" val="11" fact="NaN" max="NaN"/>
+              </dgm:ruleLst>
+            </dgm:layoutNode>
+          </dgm:if>
+          <dgm:else name="Name14"/>
+        </dgm:choose>
+      </dgm:layoutNode>
+      <dgm:forEach name="Name15" axis="followSib" ptType="sibTrans" cnt="1">
+        <dgm:layoutNode name="sibTrans">
+          <dgm:alg type="sp"/>
+          <dgm:shape xmlns:r="http://schemas.openxmlformats.org/officeDocument/2006/relationships" r:blip="">
+            <dgm:adjLst/>
+          </dgm:shape>
+          <dgm:presOf axis="self"/>
+          <dgm:constrLst/>
+          <dgm:ruleLst/>
+        </dgm:layoutNode>
+      </dgm:forEach>
+    </dgm:forEach>
+  </dgm:layoutNode>
+  <dgm:extLst>
+    <a:ext uri="{68A01E43-0DF5-4B5B-8FA6-DAF915123BFB}">
+      <dgm1612:lstStyle xmlns:dgm1612="http://schemas.microsoft.com/office/drawing/2016/12/diagram">
+        <a:lvl1pPr>
+          <a:lnSpc>
+            <a:spcPct val="100000"/>
+          </a:lnSpc>
+        </a:lvl1pPr>
+        <a:lvl2pPr>
+          <a:lnSpc>
+            <a:spcPct val="100000"/>
+          </a:lnSpc>
+        </a:lvl2pPr>
+      </dgm1612:lstStyle>
+    </a:ext>
+  </dgm:extLst>
+</dgm:layoutDef>
+</file>
+
+<file path=ppt/diagrams/layout2.xml><?xml version="1.0" encoding="utf-8"?>
+<dgm:layoutDef xmlns:dgm="http://schemas.openxmlformats.org/drawingml/2006/diagram" xmlns:a="http://schemas.openxmlformats.org/drawingml/2006/main" uniqueId="urn:microsoft.com/office/officeart/2005/8/layout/hChevron3">
+  <dgm:title val=""/>
+  <dgm:desc val=""/>
+  <dgm:catLst>
+    <dgm:cat type="process" pri="10000"/>
+  </dgm:catLst>
+  <dgm:sampData useDef="1">
+    <dgm:dataModel>
+      <dgm:ptLst/>
+      <dgm:bg/>
+      <dgm:whole/>
+    </dgm:dataModel>
+  </dgm:sampData>
+  <dgm:styleData>
+    <dgm:dataModel>
+      <dgm:ptLst>
+        <dgm:pt modelId="0" type="doc"/>
+        <dgm:pt modelId="1"/>
+        <dgm:pt modelId="2"/>
+      </dgm:ptLst>
+      <dgm:cxnLst>
+        <dgm:cxn modelId="3" srcId="0" destId="1" srcOrd="0" destOrd="0"/>
+        <dgm:cxn modelId="4" srcId="0" destId="2" srcOrd="1" destOrd="0"/>
+      </dgm:cxnLst>
+      <dgm:bg/>
+      <dgm:whole/>
+    </dgm:dataModel>
+  </dgm:styleData>
+  <dgm:clrData>
+    <dgm:dataModel>
+      <dgm:ptLst>
+        <dgm:pt modelId="0" type="doc"/>
+        <dgm:pt modelId="1"/>
+        <dgm:pt modelId="2"/>
+        <dgm:pt modelId="3"/>
+        <dgm:pt modelId="4"/>
+      </dgm:ptLst>
+      <dgm:cxnLst>
+        <dgm:cxn modelId="5" srcId="0" destId="1" srcOrd="0" destOrd="0"/>
+        <dgm:cxn modelId="6" srcId="0" destId="2" srcOrd="1" destOrd="0"/>
+        <dgm:cxn modelId="7" srcId="0" destId="3" srcOrd="2" destOrd="0"/>
+        <dgm:cxn modelId="8" srcId="0" destId="4" srcOrd="3" destOrd="0"/>
+      </dgm:cxnLst>
+      <dgm:bg/>
+      <dgm:whole/>
+    </dgm:dataModel>
+  </dgm:clrData>
+  <dgm:layoutNode name="Name0">
+    <dgm:varLst>
+      <dgm:dir/>
+      <dgm:resizeHandles val="exact"/>
+    </dgm:varLst>
+    <dgm:choose name="Name1">
+      <dgm:if name="Name2" func="var" arg="dir" op="equ" val="norm">
+        <dgm:alg type="lin"/>
+      </dgm:if>
+      <dgm:else name="Name3">
+        <dgm:alg type="lin">
+          <dgm:param type="linDir" val="fromR"/>
+        </dgm:alg>
+      </dgm:else>
+    </dgm:choose>
+    <dgm:shape xmlns:r="http://schemas.openxmlformats.org/officeDocument/2006/relationships" r:blip="">
+      <dgm:adjLst/>
+    </dgm:shape>
+    <dgm:presOf/>
+    <dgm:choose name="Name4">
+      <dgm:if name="Name5" axis="root des" func="maxDepth" op="gte" val="2">
+        <dgm:constrLst>
+          <dgm:constr type="w" for="ch" forName="parAndChTx" refType="w"/>
+          <dgm:constr type="primFontSz" for="ch" ptType="node" op="equ"/>
+          <dgm:constr type="w" for="ch" forName="parAndChSpace" refType="w" refFor="ch" refForName="parAndChTx" fact="-0.2"/>
+          <dgm:constr type="w" for="ch" ptType="sibTrans" op="equ"/>
+        </dgm:constrLst>
+        <dgm:ruleLst/>
+        <dgm:forEach name="Name6" axis="ch" ptType="node">
+          <dgm:layoutNode name="parAndChTx">
+            <dgm:varLst>
+              <dgm:bulletEnabled val="1"/>
+            </dgm:varLst>
+            <dgm:alg type="tx"/>
+            <dgm:choose name="Name7">
+              <dgm:if name="Name8" func="var" arg="dir" op="equ" val="norm">
+                <dgm:choose name="Name9">
+                  <dgm:if name="Name10" axis="self" ptType="node" func="pos" op="equ" val="1">
+                    <dgm:shape xmlns:r="http://schemas.openxmlformats.org/officeDocument/2006/relationships" type="homePlate" r:blip="">
+                      <dgm:adjLst>
+                        <dgm:adj idx="1" val="0.25"/>
+                      </dgm:adjLst>
+                    </dgm:shape>
+                    <dgm:presOf axis="desOrSelf" ptType="node"/>
+                    <dgm:constrLst>
+                      <dgm:constr type="h" refType="w" op="equ" fact="0.8"/>
+                      <dgm:constr type="primFontSz" val="65"/>
+                      <dgm:constr type="tMarg" refType="primFontSz" fact="0.2"/>
+                      <dgm:constr type="bMarg" refType="primFontSz" fact="0.2"/>
+                      <dgm:constr type="lMarg" refType="w" fact="0.1"/>
+                      <dgm:constr type="rMarg" refType="w" fact="0.4"/>
+                    </dgm:constrLst>
+                  </dgm:if>
+                  <dgm:else name="Name11">
+                    <dgm:shape xmlns:r="http://schemas.openxmlformats.org/officeDocument/2006/relationships" type="chevron" r:blip="">
+                      <dgm:adjLst>
+                        <dgm:adj idx="1" val="0.25"/>
+                      </dgm:adjLst>
+                    </dgm:shape>
+                    <dgm:presOf axis="desOrSelf" ptType="node"/>
+                    <dgm:constrLst>
+                      <dgm:constr type="h" refType="w" op="equ" fact="0.8"/>
+                      <dgm:constr type="primFontSz" val="65"/>
+                      <dgm:constr type="tMarg" refType="primFontSz" fact="0.2"/>
+                      <dgm:constr type="bMarg" refType="primFontSz" fact="0.2"/>
+                      <dgm:constr type="lMarg" refType="w" fact="0.1"/>
+                      <dgm:constr type="rMarg" refType="w" fact="0.1"/>
+                    </dgm:constrLst>
+                  </dgm:else>
+                </dgm:choose>
+              </dgm:if>
+              <dgm:else name="Name12">
+                <dgm:choose name="Name13">
+                  <dgm:if name="Name14" axis="self" ptType="node" func="pos" op="equ" val="1">
+                    <dgm:shape xmlns:r="http://schemas.openxmlformats.org/officeDocument/2006/relationships" rot="180" type="homePlate" r:blip="">
+                      <dgm:adjLst>
+                        <dgm:adj idx="1" val="0.25"/>
+                      </dgm:adjLst>
+                    </dgm:shape>
+                    <dgm:presOf axis="desOrSelf" ptType="node"/>
+                    <dgm:constrLst>
+                      <dgm:constr type="h" refType="w" op="equ" fact="0.8"/>
+                      <dgm:constr type="primFontSz" val="65"/>
+                      <dgm:constr type="tMarg" refType="primFontSz" fact="0.2"/>
+                      <dgm:constr type="bMarg" refType="primFontSz" fact="0.2"/>
+                      <dgm:constr type="lMarg" refType="w" fact="0.4"/>
+                      <dgm:constr type="rMarg" refType="w" fact="0.1"/>
+                    </dgm:constrLst>
+                  </dgm:if>
+                  <dgm:else name="Name15">
+                    <dgm:shape xmlns:r="http://schemas.openxmlformats.org/officeDocument/2006/relationships" rot="180" type="chevron" r:blip="">
+                      <dgm:adjLst>
+                        <dgm:adj idx="1" val="0.25"/>
+                      </dgm:adjLst>
+                    </dgm:shape>
+                    <dgm:presOf axis="desOrSelf" ptType="node"/>
+                    <dgm:constrLst>
+                      <dgm:constr type="h" refType="w" op="equ" fact="0.8"/>
+                      <dgm:constr type="primFontSz" val="65"/>
+                      <dgm:constr type="tMarg" refType="primFontSz" fact="0.2"/>
+                      <dgm:constr type="bMarg" refType="primFontSz" fact="0.2"/>
+                      <dgm:constr type="lMarg" refType="w" fact="0.1"/>
+                      <dgm:constr type="rMarg" refType="w" fact="0.1"/>
+                    </dgm:constrLst>
+                  </dgm:else>
+                </dgm:choose>
+              </dgm:else>
+            </dgm:choose>
+            <dgm:ruleLst>
+              <dgm:rule type="primFontSz" val="5" fact="NaN" max="NaN"/>
+            </dgm:ruleLst>
+          </dgm:layoutNode>
+          <dgm:forEach name="Name16" axis="followSib" ptType="sibTrans" cnt="1">
+            <dgm:layoutNode name="parAndChSpace">
+              <dgm:alg type="sp"/>
+              <dgm:shape xmlns:r="http://schemas.openxmlformats.org/officeDocument/2006/relationships" r:blip="">
+                <dgm:adjLst/>
+              </dgm:shape>
+              <dgm:presOf/>
+              <dgm:constrLst/>
+              <dgm:ruleLst/>
+            </dgm:layoutNode>
+          </dgm:forEach>
+        </dgm:forEach>
+      </dgm:if>
+      <dgm:else name="Name17">
+        <dgm:constrLst>
+          <dgm:constr type="w" for="ch" forName="parTxOnly" refType="w"/>
+          <dgm:constr type="primFontSz" for="ch" ptType="node" op="equ"/>
+          <dgm:constr type="w" for="ch" forName="parSpace" refType="w" refFor="ch" refForName="parTxOnly" fact="-0.2"/>
+          <dgm:constr type="w" for="ch" ptType="sibTrans" op="equ"/>
+        </dgm:constrLst>
+        <dgm:ruleLst/>
+        <dgm:forEach name="Name18" axis="ch" ptType="node">
+          <dgm:layoutNode name="parTxOnly">
+            <dgm:varLst>
+              <dgm:bulletEnabled val="1"/>
+            </dgm:varLst>
+            <dgm:alg type="tx"/>
+            <dgm:presOf axis="desOrSelf" ptType="node"/>
+            <dgm:choose name="Name19">
+              <dgm:if name="Name20" func="var" arg="dir" op="equ" val="norm">
+                <dgm:choose name="Name21">
+                  <dgm:if name="Name22" axis="self" ptType="node" func="pos" op="equ" val="1">
+                    <dgm:shape xmlns:r="http://schemas.openxmlformats.org/officeDocument/2006/relationships" type="homePlate" r:blip="">
+                      <dgm:adjLst/>
+                    </dgm:shape>
+                    <dgm:constrLst>
+                      <dgm:constr type="h" refType="w" op="equ" fact="0.4"/>
+                      <dgm:constr type="primFontSz" val="65"/>
+                      <dgm:constr type="tMarg" refType="primFontSz" fact="0.21"/>
+                      <dgm:constr type="bMarg" refType="primFontSz" fact="0.21"/>
+                      <dgm:constr type="lMarg" refType="primFontSz" fact="0.42"/>
+                      <dgm:constr type="rMarg" refType="primFontSz" fact="0.105"/>
+                    </dgm:constrLst>
+                  </dgm:if>
+                  <dgm:else name="Name23">
+                    <dgm:shape xmlns:r="http://schemas.openxmlformats.org/officeDocument/2006/relationships" type="chevron" r:blip="">
+                      <dgm:adjLst/>
+                    </dgm:shape>
+                    <dgm:constrLst>
+                      <dgm:constr type="h" refType="w" op="equ" fact="0.4"/>
+                      <dgm:constr type="primFontSz" val="65"/>
+                      <dgm:constr type="tMarg" refType="primFontSz" fact="0.21"/>
+                      <dgm:constr type="bMarg" refType="primFontSz" fact="0.21"/>
+                      <dgm:constr type="lMarg" refType="primFontSz" fact="0.315"/>
+                      <dgm:constr type="rMarg" refType="primFontSz" fact="0.105"/>
+                    </dgm:constrLst>
+                  </dgm:else>
+                </dgm:choose>
+              </dgm:if>
+              <dgm:else name="Name24">
+                <dgm:choose name="Name25">
+                  <dgm:if name="Name26" axis="self" ptType="node" func="pos" op="equ" val="1">
+                    <dgm:shape xmlns:r="http://schemas.openxmlformats.org/officeDocument/2006/relationships" rot="180" type="homePlate" r:blip="">
+                      <dgm:adjLst/>
+                    </dgm:shape>
+                    <dgm:constrLst>
+                      <dgm:constr type="h" refType="w" op="equ" fact="0.4"/>
+                      <dgm:constr type="primFontSz" val="65"/>
+                      <dgm:constr type="tMarg" refType="primFontSz" fact="0.21"/>
+                      <dgm:constr type="bMarg" refType="primFontSz" fact="0.21"/>
+                      <dgm:constr type="lMarg" refType="primFontSz" fact="0.105"/>
+                      <dgm:constr type="rMarg" refType="primFontSz" fact="0.42"/>
+                    </dgm:constrLst>
+                  </dgm:if>
+                  <dgm:else name="Name27">
+                    <dgm:shape xmlns:r="http://schemas.openxmlformats.org/officeDocument/2006/relationships" rot="180" type="chevron" r:blip="">
+                      <dgm:adjLst/>
+                    </dgm:shape>
+                    <dgm:constrLst>
+                      <dgm:constr type="h" refType="w" op="equ" fact="0.4"/>
+                      <dgm:constr type="primFontSz" val="65"/>
+                      <dgm:constr type="tMarg" refType="primFontSz" fact="0.21"/>
+                      <dgm:constr type="bMarg" refType="primFontSz" fact="0.21"/>
+                      <dgm:constr type="lMarg" refType="primFontSz" fact="0.105"/>
+                      <dgm:constr type="rMarg" refType="primFontSz" fact="0.315"/>
+                    </dgm:constrLst>
+                  </dgm:else>
+                </dgm:choose>
+              </dgm:else>
+            </dgm:choose>
+            <dgm:ruleLst>
+              <dgm:rule type="primFontSz" val="5" fact="NaN" max="NaN"/>
+            </dgm:ruleLst>
+          </dgm:layoutNode>
+          <dgm:forEach name="Name28" axis="followSib" ptType="sibTrans" cnt="1">
+            <dgm:layoutNode name="parSpace">
+              <dgm:alg type="sp"/>
+              <dgm:shape xmlns:r="http://schemas.openxmlformats.org/officeDocument/2006/relationships" r:blip="">
+                <dgm:adjLst/>
+              </dgm:shape>
+              <dgm:presOf/>
+              <dgm:constrLst/>
+              <dgm:ruleLst/>
+            </dgm:layoutNode>
+          </dgm:forEach>
+        </dgm:forEach>
+      </dgm:else>
+    </dgm:choose>
+  </dgm:layoutNode>
+</dgm:layoutDef>
+</file>
+
+<file path=ppt/diagrams/quickStyle1.xml><?xml version="1.0" encoding="utf-8"?>
+<dgm:styleDef xmlns:dgm="http://schemas.openxmlformats.org/drawingml/2006/diagram" xmlns:a="http://schemas.openxmlformats.org/drawingml/2006/main" uniqueId="urn:microsoft.com/office/officeart/2005/8/quickstyle/simple1">
+  <dgm:title val=""/>
+  <dgm:desc val=""/>
+  <dgm:catLst>
+    <dgm:cat type="simple" pri="10100"/>
+  </dgm:catLst>
+  <dgm:scene3d>
+    <a:camera prst="orthographicFront"/>
+    <a:lightRig rig="threePt" dir="t"/>
+  </dgm:scene3d>
+  <dgm:styleLbl name="node0">
+    <dgm:scene3d>
+      <a:camera prst="orthographicFront"/>
+      <a:lightRig rig="threePt" dir="t"/>
+    </dgm:scene3d>
+    <dgm:sp3d/>
+    <dgm:txPr/>
+    <dgm:style>
+      <a:lnRef idx="2">
+        <a:scrgbClr r="0" g="0" b="0"/>
+      </a:lnRef>
+      <a:fillRef idx="1">
+        <a:scrgbClr r="0" g="0" b="0"/>
+      </a:fillRef>
+      <a:effectRef idx="0">
+        <a:scrgbClr r="0" g="0" b="0"/>
+      </a:effectRef>
+      <a:fontRef idx="minor">
+        <a:schemeClr val="lt1"/>
+      </a:fontRef>
+    </dgm:style>
+  </dgm:styleLbl>
+  <dgm:styleLbl name="lnNode1">
+    <dgm:scene3d>
+      <a:camera prst="orthographicFront"/>
+      <a:lightRig rig="threePt" dir="t"/>
+    </dgm:scene3d>
+    <dgm:sp3d/>
+    <dgm:txPr/>
+    <dgm:style>
+      <a:lnRef idx="2">
+        <a:scrgbClr r="0" g="0" b="0"/>
+      </a:lnRef>
+      <a:fillRef idx="1">
+        <a:scrgbClr r="0" g="0" b="0"/>
+      </a:fillRef>
+      <a:effectRef idx="0">
+        <a:scrgbClr r="0" g="0" b="0"/>
+      </a:effectRef>
+      <a:fontRef idx="minor">
+        <a:schemeClr val="lt1"/>
+      </a:fontRef>
+    </dgm:style>
+  </dgm:styleLbl>
+  <dgm:styleLbl name="vennNode1">
+    <dgm:scene3d>
+      <a:camera prst="orthographicFront"/>
+      <a:lightRig rig="threePt" dir="t"/>
+    </dgm:scene3d>
+    <dgm:sp3d/>
+    <dgm:txPr/>
+    <dgm:style>
+      <a:lnRef idx="2">
+        <a:scrgbClr r="0" g="0" b="0"/>
+      </a:lnRef>
+      <a:fillRef idx="1">
+        <a:scrgbClr r="0" g="0" b="0"/>
+      </a:fillRef>
+      <a:effectRef idx="0">
+        <a:scrgbClr r="0" g="0" b="0"/>
+      </a:effectRef>
+      <a:fontRef idx="minor">
+        <a:schemeClr val="tx1"/>
+      </a:fontRef>
+    </dgm:style>
+  </dgm:styleLbl>
+  <dgm:styleLbl name="alignNode1">
+    <dgm:scene3d>
+      <a:camera prst="orthographicFront"/>
+      <a:lightRig rig="threePt" dir="t"/>
+    </dgm:scene3d>
+    <dgm:sp3d/>
+    <dgm:txPr/>
+    <dgm:style>
+      <a:lnRef idx="2">
+        <a:scrgbClr r="0" g="0" b="0"/>
+      </a:lnRef>
+      <a:fillRef idx="1">
+        <a:scrgbClr r="0" g="0" b="0"/>
+      </a:fillRef>
+      <a:effectRef idx="0">
+        <a:scrgbClr r="0" g="0" b="0"/>
+      </a:effectRef>
+      <a:fontRef idx="minor">
+        <a:schemeClr val="lt1"/>
+      </a:fontRef>
+    </dgm:style>
+  </dgm:styleLbl>
+  <dgm:styleLbl name="node1">
+    <dgm:scene3d>
+      <a:camera prst="orthographicFront"/>
+      <a:lightRig rig="threePt" dir="t"/>
+    </dgm:scene3d>
+    <dgm:sp3d/>
+    <dgm:txPr/>
+    <dgm:style>
+      <a:lnRef idx="2">
+        <a:scrgbClr r="0" g="0" b="0"/>
+      </a:lnRef>
+      <a:fillRef idx="1">
+        <a:scrgbClr r="0" g="0" b="0"/>
+      </a:fillRef>
+      <a:effectRef idx="0">
+        <a:scrgbClr r="0" g="0" b="0"/>
+      </a:effectRef>
+      <a:fontRef idx="minor">
+        <a:schemeClr val="lt1"/>
+      </a:fontRef>
+    </dgm:style>
+  </dgm:styleLbl>
+  <dgm:styleLbl name="node2">
+    <dgm:scene3d>
+      <a:camera prst="orthographicFront"/>
+      <a:lightRig rig="threePt" dir="t"/>
+    </dgm:scene3d>
+    <dgm:sp3d/>
+    <dgm:txPr/>
+    <dgm:style>
+      <a:lnRef idx="2">
+        <a:scrgbClr r="0" g="0" b="0"/>
+      </a:lnRef>
+      <a:fillRef idx="1">
+        <a:scrgbClr r="0" g="0" b="0"/>
+      </a:fillRef>
+      <a:effectRef idx="0">
+        <a:scrgbClr r="0" g="0" b="0"/>
+      </a:effectRef>
+      <a:fontRef idx="minor">
+        <a:schemeClr val="lt1"/>
+      </a:fontRef>
+    </dgm:style>
+  </dgm:styleLbl>
+  <dgm:styleLbl name="node3">
+    <dgm:scene3d>
+      <a:camera prst="orthographicFront"/>
+      <a:lightRig rig="threePt" dir="t"/>
+    </dgm:scene3d>
+    <dgm:sp3d/>
+    <dgm:txPr/>
+    <dgm:style>
+      <a:lnRef idx="2">
+        <a:scrgbClr r="0" g="0" b="0"/>
+      </a:lnRef>
+      <a:fillRef idx="1">
+        <a:scrgbClr r="0" g="0" b="0"/>
+      </a:fillRef>
+      <a:effectRef idx="0">
+        <a:scrgbClr r="0" g="0" b="0"/>
+      </a:effectRef>
+      <a:fontRef idx="minor">
+        <a:schemeClr val="lt1"/>
+      </a:fontRef>
+    </dgm:style>
+  </dgm:styleLbl>
+  <dgm:styleLbl name="node4">
+    <dgm:scene3d>
+      <a:camera prst="orthographicFront"/>
+      <a:lightRig rig="threePt" dir="t"/>
+    </dgm:scene3d>
+    <dgm:sp3d/>
+    <dgm:txPr/>
+    <dgm:style>
+      <a:lnRef idx="2">
+        <a:scrgbClr r="0" g="0" b="0"/>
+      </a:lnRef>
+      <a:fillRef idx="1">
+        <a:scrgbClr r="0" g="0" b="0"/>
+      </a:fillRef>
+      <a:effectRef idx="0">
+        <a:scrgbClr r="0" g="0" b="0"/>
+      </a:effectRef>
+      <a:fontRef idx="minor">
+        <a:schemeClr val="lt1"/>
+      </a:fontRef>
+    </dgm:style>
+  </dgm:styleLbl>
+  <dgm:styleLbl name="fgImgPlace1">
+    <dgm:scene3d>
+      <a:camera prst="orthographicFront"/>
+      <a:lightRig rig="threePt" dir="t"/>
+    </dgm:scene3d>
+    <dgm:sp3d/>
+    <dgm:txPr/>
+    <dgm:style>
+      <a:lnRef idx="2">
+        <a:scrgbClr r="0" g="0" b="0"/>
+      </a:lnRef>
+      <a:fillRef idx="1">
+        <a:scrgbClr r="0" g="0" b="0"/>
+      </a:fillRef>
+      <a:effectRef idx="0">
+        <a:scrgbClr r="0" g="0" b="0"/>
+      </a:effectRef>
+      <a:fontRef idx="minor"/>
+    </dgm:style>
+  </dgm:styleLbl>
+  <dgm:styleLbl name="alignImgPlace1">
+    <dgm:scene3d>
+      <a:camera prst="orthographicFront"/>
+      <a:lightRig rig="threePt" dir="t"/>
+    </dgm:scene3d>
+    <dgm:sp3d/>
+    <dgm:txPr/>
+    <dgm:style>
+      <a:lnRef idx="2">
+        <a:scrgbClr r="0" g="0" b="0"/>
+      </a:lnRef>
+      <a:fillRef idx="1">
+        <a:scrgbClr r="0" g="0" b="0"/>
+      </a:fillRef>
+      <a:effectRef idx="0">
+        <a:scrgbClr r="0" g="0" b="0"/>
+      </a:effectRef>
+      <a:fontRef idx="minor"/>
+    </dgm:style>
+  </dgm:styleLbl>
+  <dgm:styleLbl name="bgImgPlace1">
+    <dgm:scene3d>
+      <a:camera prst="orthographicFront"/>
+      <a:lightRig rig="threePt" dir="t"/>
+    </dgm:scene3d>
+    <dgm:sp3d/>
+    <dgm:txPr/>
+    <dgm:style>
+      <a:lnRef idx="2">
+        <a:scrgbClr r="0" g="0" b="0"/>
+      </a:lnRef>
+      <a:fillRef idx="1">
+        <a:scrgbClr r="0" g="0" b="0"/>
+      </a:fillRef>
+      <a:effectRef idx="0">
+        <a:scrgbClr r="0" g="0" b="0"/>
+      </a:effectRef>
+      <a:fontRef idx="minor"/>
+    </dgm:style>
+  </dgm:styleLbl>
+  <dgm:styleLbl name="sibTrans2D1">
+    <dgm:scene3d>
+      <a:camera prst="orthographicFront"/>
+      <a:lightRig rig="threePt" dir="t"/>
+    </dgm:scene3d>
+    <dgm:sp3d/>
+    <dgm:txPr/>
+    <dgm:style>
+      <a:lnRef idx="0">
+        <a:scrgbClr r="0" g="0" b="0"/>
+      </a:lnRef>
+      <a:fillRef idx="1">
+        <a:scrgbClr r="0" g="0" b="0"/>
+      </a:fillRef>
+      <a:effectRef idx="0">
+        <a:scrgbClr r="0" g="0" b="0"/>
+      </a:effectRef>
+      <a:fontRef idx="minor">
+        <a:schemeClr val="lt1"/>
+      </a:fontRef>
+    </dgm:style>
+  </dgm:styleLbl>
+  <dgm:styleLbl name="fgSibTrans2D1">
+    <dgm:scene3d>
+      <a:camera prst="orthographicFront"/>
+      <a:lightRig rig="threePt" dir="t"/>
+    </dgm:scene3d>
+    <dgm:sp3d/>
+    <dgm:txPr/>
+    <dgm:style>
+      <a:lnRef idx="0">
+        <a:scrgbClr r="0" g="0" b="0"/>
+      </a:lnRef>
+      <a:fillRef idx="1">
+        <a:scrgbClr r="0" g="0" b="0"/>
+      </a:fillRef>
+      <a:effectRef idx="0">
+        <a:scrgbClr r="0" g="0" b="0"/>
+      </a:effectRef>
+      <a:fontRef idx="minor">
+        <a:schemeClr val="lt1"/>
+      </a:fontRef>
+    </dgm:style>
+  </dgm:styleLbl>
+  <dgm:styleLbl name="bgSibTrans2D1">
+    <dgm:scene3d>
+      <a:camera prst="orthographicFront"/>
+      <a:lightRig rig="threePt" dir="t"/>
+    </dgm:scene3d>
+    <dgm:sp3d/>
+    <dgm:txPr/>
+    <dgm:style>
+      <a:lnRef idx="0">
+        <a:scrgbClr r="0" g="0" b="0"/>
+      </a:lnRef>
+      <a:fillRef idx="1">
+        <a:scrgbClr r="0" g="0" b="0"/>
+      </a:fillRef>
+      <a:effectRef idx="0">
+        <a:scrgbClr r="0" g="0" b="0"/>
+      </a:effectRef>
+      <a:fontRef idx="minor">
+        <a:schemeClr val="lt1"/>
+      </a:fontRef>
+    </dgm:style>
+  </dgm:styleLbl>
+  <dgm:styleLbl name="sibTrans1D1">
+    <dgm:scene3d>
+      <a:camera prst="orthographicFront"/>
+      <a:lightRig rig="threePt" dir="t"/>
+    </dgm:scene3d>
+    <dgm:sp3d/>
+    <dgm:txPr/>
+    <dgm:style>
+      <a:lnRef idx="1">
+        <a:scrgbClr r="0" g="0" b="0"/>
+      </a:lnRef>
+      <a:fillRef idx="0">
+        <a:scrgbClr r="0" g="0" b="0"/>
+      </a:fillRef>
+      <a:effectRef idx="0">
+        <a:scrgbClr r="0" g="0" b="0"/>
+      </a:effectRef>
+      <a:fontRef idx="minor"/>
+    </dgm:style>
+  </dgm:styleLbl>
+  <dgm:styleLbl name="callout">
+    <dgm:scene3d>
+      <a:camera prst="orthographicFront"/>
+      <a:lightRig rig="threePt" dir="t"/>
+    </dgm:scene3d>
+    <dgm:sp3d/>
+    <dgm:txPr/>
+    <dgm:style>
+      <a:lnRef idx="2">
+        <a:scrgbClr r="0" g="0" b="0"/>
+      </a:lnRef>
+      <a:fillRef idx="1">
+        <a:scrgbClr r="0" g="0" b="0"/>
+      </a:fillRef>
+      <a:effectRef idx="0">
+        <a:scrgbClr r="0" g="0" b="0"/>
+      </a:effectRef>
+      <a:fontRef idx="minor"/>
+    </dgm:style>
+  </dgm:styleLbl>
+  <dgm:styleLbl name="asst0">
+    <dgm:scene3d>
+      <a:camera prst="orthographicFront"/>
+      <a:lightRig rig="threePt" dir="t"/>
+    </dgm:scene3d>
+    <dgm:sp3d/>
+    <dgm:txPr/>
+    <dgm:style>
+      <a:lnRef idx="2">
+        <a:scrgbClr r="0" g="0" b="0"/>
+      </a:lnRef>
+      <a:fillRef idx="1">
+        <a:scrgbClr r="0" g="0" b="0"/>
+      </a:fillRef>
+      <a:effectRef idx="0">
+        <a:scrgbClr r="0" g="0" b="0"/>
+      </a:effectRef>
+      <a:fontRef idx="minor">
+        <a:schemeClr val="lt1"/>
+      </a:fontRef>
+    </dgm:style>
+  </dgm:styleLbl>
+  <dgm:styleLbl name="asst1">
+    <dgm:scene3d>
+      <a:camera prst="orthographicFront"/>
+      <a:lightRig rig="threePt" dir="t"/>
+    </dgm:scene3d>
+    <dgm:sp3d/>
+    <dgm:txPr/>
+    <dgm:style>
+      <a:lnRef idx="2">
+        <a:scrgbClr r="0" g="0" b="0"/>
+      </a:lnRef>
+      <a:fillRef idx="1">
+        <a:scrgbClr r="0" g="0" b="0"/>
+      </a:fillRef>
+      <a:effectRef idx="0">
+        <a:scrgbClr r="0" g="0" b="0"/>
+      </a:effectRef>
+      <a:fontRef idx="minor">
+        <a:schemeClr val="lt1"/>
+      </a:fontRef>
+    </dgm:style>
+  </dgm:styleLbl>
+  <dgm:styleLbl name="asst2">
+    <dgm:scene3d>
+      <a:camera prst="orthographicFront"/>
+      <a:lightRig rig="threePt" dir="t"/>
+    </dgm:scene3d>
+    <dgm:sp3d/>
+    <dgm:txPr/>
+    <dgm:style>
+      <a:lnRef idx="2">
+        <a:scrgbClr r="0" g="0" b="0"/>
+      </a:lnRef>
+      <a:fillRef idx="1">
+        <a:scrgbClr r="0" g="0" b="0"/>
+      </a:fillRef>
+      <a:effectRef idx="0">
+        <a:scrgbClr r="0" g="0" b="0"/>
+      </a:effectRef>
+      <a:fontRef idx="minor">
+        <a:schemeClr val="lt1"/>
+      </a:fontRef>
+    </dgm:style>
+  </dgm:styleLbl>
+  <dgm:styleLbl name="asst3">
+    <dgm:scene3d>
+      <a:camera prst="orthographicFront"/>
+      <a:lightRig rig="threePt" dir="t"/>
+    </dgm:scene3d>
+    <dgm:sp3d/>
+    <dgm:txPr/>
+    <dgm:style>
+      <a:lnRef idx="2">
+        <a:scrgbClr r="0" g="0" b="0"/>
+      </a:lnRef>
+      <a:fillRef idx="1">
+        <a:scrgbClr r="0" g="0" b="0"/>
+      </a:fillRef>
+      <a:effectRef idx="0">
+        <a:scrgbClr r="0" g="0" b="0"/>
+      </a:effectRef>
+      <a:fontRef idx="minor">
+        <a:schemeClr val="lt1"/>
+      </a:fontRef>
+    </dgm:style>
+  </dgm:styleLbl>
+  <dgm:styleLbl name="asst4">
+    <dgm:scene3d>
+      <a:camera prst="orthographicFront"/>
+      <a:lightRig rig="threePt" dir="t"/>
+    </dgm:scene3d>
+    <dgm:sp3d/>
+    <dgm:txPr/>
+    <dgm:style>
+      <a:lnRef idx="2">
+        <a:scrgbClr r="0" g="0" b="0"/>
+      </a:lnRef>
+      <a:fillRef idx="1">
+        <a:scrgbClr r="0" g="0" b="0"/>
+      </a:fillRef>
+      <a:effectRef idx="0">
+        <a:scrgbClr r="0" g="0" b="0"/>
+      </a:effectRef>
+      <a:fontRef idx="minor">
+        <a:schemeClr val="lt1"/>
+      </a:fontRef>
+    </dgm:style>
+  </dgm:styleLbl>
+  <dgm:styleLbl name="parChTrans2D1">
+    <dgm:scene3d>
+      <a:camera prst="orthographicFront"/>
+      <a:lightRig rig="threePt" dir="t"/>
+    </dgm:scene3d>
+    <dgm:sp3d/>
+    <dgm:txPr/>
+    <dgm:style>
+      <a:lnRef idx="2">
+        <a:scrgbClr r="0" g="0" b="0"/>
+      </a:lnRef>
+      <a:fillRef idx="1">
+        <a:scrgbClr r="0" g="0" b="0"/>
+      </a:fillRef>
+      <a:effectRef idx="0">
+        <a:scrgbClr r="0" g="0" b="0"/>
+      </a:effectRef>
+      <a:fontRef idx="minor">
+        <a:schemeClr val="lt1"/>
+      </a:fontRef>
+    </dgm:style>
+  </dgm:styleLbl>
+  <dgm:styleLbl name="parChTrans2D2">
+    <dgm:scene3d>
+      <a:camera prst="orthographicFront"/>
+      <a:lightRig rig="threePt" dir="t"/>
+    </dgm:scene3d>
+    <dgm:sp3d/>
+    <dgm:txPr/>
+    <dgm:style>
+      <a:lnRef idx="2">
+        <a:scrgbClr r="0" g="0" b="0"/>
+      </a:lnRef>
+      <a:fillRef idx="1">
+        <a:scrgbClr r="0" g="0" b="0"/>
+      </a:fillRef>
+      <a:effectRef idx="0">
+        <a:scrgbClr r="0" g="0" b="0"/>
+      </a:effectRef>
+      <a:fontRef idx="minor">
+        <a:schemeClr val="lt1"/>
+      </a:fontRef>
+    </dgm:style>
+  </dgm:styleLbl>
+  <dgm:styleLbl name="parChTrans2D3">
+    <dgm:scene3d>
+      <a:camera prst="orthographicFront"/>
+      <a:lightRig rig="threePt" dir="t"/>
+    </dgm:scene3d>
+    <dgm:sp3d/>
+    <dgm:txPr/>
+    <dgm:style>
+      <a:lnRef idx="2">
+        <a:scrgbClr r="0" g="0" b="0"/>
+      </a:lnRef>
+      <a:fillRef idx="1">
+        <a:scrgbClr r="0" g="0" b="0"/>
+      </a:fillRef>
+      <a:effectRef idx="0">
+        <a:scrgbClr r="0" g="0" b="0"/>
+      </a:effectRef>
+      <a:fontRef idx="minor">
+        <a:schemeClr val="lt1"/>
+      </a:fontRef>
+    </dgm:style>
+  </dgm:styleLbl>
+  <dgm:styleLbl name="parChTrans2D4">
+    <dgm:scene3d>
+      <a:camera prst="orthographicFront"/>
+      <a:lightRig rig="threePt" dir="t"/>
+    </dgm:scene3d>
+    <dgm:sp3d/>
+    <dgm:txPr/>
+    <dgm:style>
+      <a:lnRef idx="2">
+        <a:scrgbClr r="0" g="0" b="0"/>
+      </a:lnRef>
+      <a:fillRef idx="1">
+        <a:scrgbClr r="0" g="0" b="0"/>
+      </a:fillRef>
+      <a:effectRef idx="0">
+        <a:scrgbClr r="0" g="0" b="0"/>
+      </a:effectRef>
+      <a:fontRef idx="minor">
+        <a:schemeClr val="lt1"/>
+      </a:fontRef>
+    </dgm:style>
+  </dgm:styleLbl>
+  <dgm:styleLbl name="parChTrans1D1">
+    <dgm:scene3d>
+      <a:camera prst="orthographicFront"/>
+      <a:lightRig rig="threePt" dir="t"/>
+    </dgm:scene3d>
+    <dgm:sp3d/>
+    <dgm:txPr/>
+    <dgm:style>
+      <a:lnRef idx="2">
+        <a:scrgbClr r="0" g="0" b="0"/>
+      </a:lnRef>
+      <a:fillRef idx="0">
+        <a:scrgbClr r="0" g="0" b="0"/>
+      </a:fillRef>
+      <a:effectRef idx="0">
+        <a:scrgbClr r="0" g="0" b="0"/>
+      </a:effectRef>
+      <a:fontRef idx="minor"/>
+    </dgm:style>
+  </dgm:styleLbl>
+  <dgm:styleLbl name="parChTrans1D2">
+    <dgm:scene3d>
+      <a:camera prst="orthographicFront"/>
+      <a:lightRig rig="threePt" dir="t"/>
+    </dgm:scene3d>
+    <dgm:sp3d/>
+    <dgm:txPr/>
+    <dgm:style>
+      <a:lnRef idx="2">
+        <a:scrgbClr r="0" g="0" b="0"/>
+      </a:lnRef>
+      <a:fillRef idx="0">
+        <a:scrgbClr r="0" g="0" b="0"/>
+      </a:fillRef>
+      <a:effectRef idx="0">
+        <a:scrgbClr r="0" g="0" b="0"/>
+      </a:effectRef>
+      <a:fontRef idx="minor"/>
+    </dgm:style>
+  </dgm:styleLbl>
+  <dgm:styleLbl name="parChTrans1D3">
+    <dgm:scene3d>
+      <a:camera prst="orthographicFront"/>
+      <a:lightRig rig="threePt" dir="t"/>
+    </dgm:scene3d>
+    <dgm:sp3d/>
+    <dgm:txPr/>
+    <dgm:style>
+      <a:lnRef idx="2">
+        <a:scrgbClr r="0" g="0" b="0"/>
+      </a:lnRef>
+      <a:fillRef idx="0">
+        <a:scrgbClr r="0" g="0" b="0"/>
+      </a:fillRef>
+      <a:effectRef idx="0">
+        <a:scrgbClr r="0" g="0" b="0"/>
+      </a:effectRef>
+      <a:fontRef idx="minor"/>
+    </dgm:style>
+  </dgm:styleLbl>
+  <dgm:styleLbl name="parChTrans1D4">
+    <dgm:scene3d>
+      <a:camera prst="orthographicFront"/>
+      <a:lightRig rig="threePt" dir="t"/>
+    </dgm:scene3d>
+    <dgm:sp3d/>
+    <dgm:txPr/>
+    <dgm:style>
+      <a:lnRef idx="2">
+        <a:scrgbClr r="0" g="0" b="0"/>
+      </a:lnRef>
+      <a:fillRef idx="0">
+        <a:scrgbClr r="0" g="0" b="0"/>
+      </a:fillRef>
+      <a:effectRef idx="0">
+        <a:scrgbClr r="0" g="0" b="0"/>
+      </a:effectRef>
+      <a:fontRef idx="minor"/>
+    </dgm:style>
+  </dgm:styleLbl>
+  <dgm:styleLbl name="fgAcc1">
+    <dgm:scene3d>
+      <a:camera prst="orthographicFront"/>
+      <a:lightRig rig="threePt" dir="t"/>
+    </dgm:scene3d>
+    <dgm:sp3d/>
+    <dgm:txPr/>
+    <dgm:style>
+      <a:lnRef idx="2">
+        <a:scrgbClr r="0" g="0" b="0"/>
+      </a:lnRef>
+      <a:fillRef idx="1">
+        <a:scrgbClr r="0" g="0" b="0"/>
+      </a:fillRef>
+      <a:effectRef idx="0">
+        <a:scrgbClr r="0" g="0" b="0"/>
+      </a:effectRef>
+      <a:fontRef idx="minor"/>
+    </dgm:style>
+  </dgm:styleLbl>
+  <dgm:styleLbl name="conFgAcc1">
+    <dgm:scene3d>
+      <a:camera prst="orthographicFront"/>
+      <a:lightRig rig="threePt" dir="t"/>
+    </dgm:scene3d>
+    <dgm:sp3d/>
+    <dgm:txPr/>
+    <dgm:style>
+      <a:lnRef idx="2">
+        <a:scrgbClr r="0" g="0" b="0"/>
+      </a:lnRef>
+      <a:fillRef idx="1">
+        <a:scrgbClr r="0" g="0" b="0"/>
+      </a:fillRef>
+      <a:effectRef idx="0">
+        <a:scrgbClr r="0" g="0" b="0"/>
+      </a:effectRef>
+      <a:fontRef idx="minor"/>
+    </dgm:style>
+  </dgm:styleLbl>
+  <dgm:styleLbl name="alignAcc1">
+    <dgm:scene3d>
+      <a:camera prst="orthographicFront"/>
+      <a:lightRig rig="threePt" dir="t"/>
+    </dgm:scene3d>
+    <dgm:sp3d/>
+    <dgm:txPr/>
+    <dgm:style>
+      <a:lnRef idx="2">
+        <a:scrgbClr r="0" g="0" b="0"/>
+      </a:lnRef>
+      <a:fillRef idx="1">
+        <a:scrgbClr r="0" g="0" b="0"/>
+      </a:fillRef>
+      <a:effectRef idx="0">
+        <a:scrgbClr r="0" g="0" b="0"/>
+      </a:effectRef>
+      <a:fontRef idx="minor"/>
+    </dgm:style>
+  </dgm:styleLbl>
+  <dgm:styleLbl name="trAlignAcc1">
+    <dgm:scene3d>
+      <a:camera prst="orthographicFront"/>
+      <a:lightRig rig="threePt" dir="t"/>
+    </dgm:scene3d>
+    <dgm:sp3d/>
+    <dgm:txPr/>
+    <dgm:style>
+      <a:lnRef idx="1">
+        <a:scrgbClr r="0" g="0" b="0"/>
+      </a:lnRef>
+      <a:fillRef idx="1">
+        <a:scrgbClr r="0" g="0" b="0"/>
+      </a:fillRef>
+      <a:effectRef idx="0">
+        <a:scrgbClr r="0" g="0" b="0"/>
+      </a:effectRef>
+      <a:fontRef idx="minor"/>
+    </dgm:style>
+  </dgm:styleLbl>
+  <dgm:styleLbl name="bgAcc1">
+    <dgm:scene3d>
+      <a:camera prst="orthographicFront"/>
+      <a:lightRig rig="threePt" dir="t"/>
+    </dgm:scene3d>
+    <dgm:sp3d/>
+    <dgm:txPr/>
+    <dgm:style>
+      <a:lnRef idx="2">
+        <a:scrgbClr r="0" g="0" b="0"/>
+      </a:lnRef>
+      <a:fillRef idx="1">
+        <a:scrgbClr r="0" g="0" b="0"/>
+      </a:fillRef>
+      <a:effectRef idx="0">
+        <a:scrgbClr r="0" g="0" b="0"/>
+      </a:effectRef>
+      <a:fontRef idx="minor"/>
+    </dgm:style>
+  </dgm:styleLbl>
+  <dgm:styleLbl name="solidFgAcc1">
+    <dgm:scene3d>
+      <a:camera prst="orthographicFront"/>
+      <a:lightRig rig="threePt" dir="t"/>
+    </dgm:scene3d>
+    <dgm:sp3d/>
+    <dgm:txPr/>
+    <dgm:style>
+      <a:lnRef idx="2">
+        <a:scrgbClr r="0" g="0" b="0"/>
+      </a:lnRef>
+      <a:fillRef idx="1">
+        <a:scrgbClr r="0" g="0" b="0"/>
+      </a:fillRef>
+      <a:effectRef idx="0">
+        <a:scrgbClr r="0" g="0" b="0"/>
+      </a:effectRef>
+      <a:fontRef idx="minor"/>
+    </dgm:style>
+  </dgm:styleLbl>
+  <dgm:styleLbl name="solidAlignAcc1">
+    <dgm:scene3d>
+      <a:camera prst="orthographicFront"/>
+      <a:lightRig rig="threePt" dir="t"/>
+    </dgm:scene3d>
+    <dgm:sp3d/>
+    <dgm:txPr/>
+    <dgm:style>
+      <a:lnRef idx="2">
+        <a:scrgbClr r="0" g="0" b="0"/>
+      </a:lnRef>
+      <a:fillRef idx="1">
+        <a:scrgbClr r="0" g="0" b="0"/>
+      </a:fillRef>
+      <a:effectRef idx="0">
+        <a:scrgbClr r="0" g="0" b="0"/>
+      </a:effectRef>
+      <a:fontRef idx="minor"/>
+    </dgm:style>
+  </dgm:styleLbl>
+  <dgm:styleLbl name="solidBgAcc1">
+    <dgm:scene3d>
+      <a:camera prst="orthographicFront"/>
+      <a:lightRig rig="threePt" dir="t"/>
+    </dgm:scene3d>
+    <dgm:sp3d/>
+    <dgm:txPr/>
+    <dgm:style>
+      <a:lnRef idx="2">
+        <a:scrgbClr r="0" g="0" b="0"/>
+      </a:lnRef>
+      <a:fillRef idx="1">
+        <a:scrgbClr r="0" g="0" b="0"/>
+      </a:fillRef>
+      <a:effectRef idx="0">
+        <a:scrgbClr r="0" g="0" b="0"/>
+      </a:effectRef>
+      <a:fontRef idx="minor"/>
+    </dgm:style>
+  </dgm:styleLbl>
+  <dgm:styleLbl name="fgAccFollowNode1">
+    <dgm:scene3d>
+      <a:camera prst="orthographicFront"/>
+      <a:lightRig rig="threePt" dir="t"/>
+    </dgm:scene3d>
+    <dgm:sp3d/>
+    <dgm:txPr/>
+    <dgm:style>
+      <a:lnRef idx="2">
+        <a:scrgbClr r="0" g="0" b="0"/>
+      </a:lnRef>
+      <a:fillRef idx="1">
+        <a:scrgbClr r="0" g="0" b="0"/>
+      </a:fillRef>
+      <a:effectRef idx="0">
+        <a:scrgbClr r="0" g="0" b="0"/>
+      </a:effectRef>
+      <a:fontRef idx="minor"/>
+    </dgm:style>
+  </dgm:styleLbl>
+  <dgm:styleLbl name="alignAccFollowNode1">
+    <dgm:scene3d>
+      <a:camera prst="orthographicFront"/>
+      <a:lightRig rig="threePt" dir="t"/>
+    </dgm:scene3d>
+    <dgm:sp3d/>
+    <dgm:txPr/>
+    <dgm:style>
+      <a:lnRef idx="2">
+        <a:scrgbClr r="0" g="0" b="0"/>
+      </a:lnRef>
+      <a:fillRef idx="1">
+        <a:scrgbClr r="0" g="0" b="0"/>
+      </a:fillRef>
+      <a:effectRef idx="0">
+        <a:scrgbClr r="0" g="0" b="0"/>
+      </a:effectRef>
+      <a:fontRef idx="minor"/>
+    </dgm:style>
+  </dgm:styleLbl>
+  <dgm:styleLbl name="bgAccFollowNode1">
+    <dgm:scene3d>
+      <a:camera prst="orthographicFront"/>
+      <a:lightRig rig="threePt" dir="t"/>
+    </dgm:scene3d>
+    <dgm:sp3d/>
+    <dgm:txPr/>
+    <dgm:style>
+      <a:lnRef idx="2">
+        <a:scrgbClr r="0" g="0" b="0"/>
+      </a:lnRef>
+      <a:fillRef idx="1">
+        <a:scrgbClr r="0" g="0" b="0"/>
+      </a:fillRef>
+      <a:effectRef idx="0">
+        <a:scrgbClr r="0" g="0" b="0"/>
+      </a:effectRef>
+      <a:fontRef idx="minor"/>
+    </dgm:style>
+  </dgm:styleLbl>
+  <dgm:styleLbl name="fgAcc0">
+    <dgm:scene3d>
+      <a:camera prst="orthographicFront"/>
+      <a:lightRig rig="threePt" dir="t"/>
+    </dgm:scene3d>
+    <dgm:sp3d/>
+    <dgm:txPr/>
+    <dgm:style>
+      <a:lnRef idx="2">
+        <a:scrgbClr r="0" g="0" b="0"/>
+      </a:lnRef>
+      <a:fillRef idx="1">
+        <a:scrgbClr r="0" g="0" b="0"/>
+      </a:fillRef>
+      <a:effectRef idx="0">
+        <a:scrgbClr r="0" g="0" b="0"/>
+      </a:effectRef>
+      <a:fontRef idx="minor"/>
+    </dgm:style>
+  </dgm:styleLbl>
+  <dgm:styleLbl name="fgAcc2">
+    <dgm:scene3d>
+      <a:camera prst="orthographicFront"/>
+      <a:lightRig rig="threePt" dir="t"/>
+    </dgm:scene3d>
+    <dgm:sp3d/>
+    <dgm:txPr/>
+    <dgm:style>
+      <a:lnRef idx="2">
+        <a:scrgbClr r="0" g="0" b="0"/>
+      </a:lnRef>
+      <a:fillRef idx="1">
+        <a:scrgbClr r="0" g="0" b="0"/>
+      </a:fillRef>
+      <a:effectRef idx="0">
+        <a:scrgbClr r="0" g="0" b="0"/>
+      </a:effectRef>
+      <a:fontRef idx="minor"/>
+    </dgm:style>
+  </dgm:styleLbl>
+  <dgm:styleLbl name="fgAcc3">
+    <dgm:scene3d>
+      <a:camera prst="orthographicFront"/>
+      <a:lightRig rig="threePt" dir="t"/>
+    </dgm:scene3d>
+    <dgm:sp3d/>
+    <dgm:txPr/>
+    <dgm:style>
+      <a:lnRef idx="2">
+        <a:scrgbClr r="0" g="0" b="0"/>
+      </a:lnRef>
+      <a:fillRef idx="1">
+        <a:scrgbClr r="0" g="0" b="0"/>
+      </a:fillRef>
+      <a:effectRef idx="0">
+        <a:scrgbClr r="0" g="0" b="0"/>
+      </a:effectRef>
+      <a:fontRef idx="minor"/>
+    </dgm:style>
+  </dgm:styleLbl>
+  <dgm:styleLbl name="fgAcc4">
+    <dgm:scene3d>
+      <a:camera prst="orthographicFront"/>
+      <a:lightRig rig="threePt" dir="t"/>
+    </dgm:scene3d>
+    <dgm:sp3d/>
+    <dgm:txPr/>
+    <dgm:style>
+      <a:lnRef idx="2">
+        <a:scrgbClr r="0" g="0" b="0"/>
+      </a:lnRef>
+      <a:fillRef idx="1">
+        <a:scrgbClr r="0" g="0" b="0"/>
+      </a:fillRef>
+      <a:effectRef idx="0">
+        <a:scrgbClr r="0" g="0" b="0"/>
+      </a:effectRef>
+      <a:fontRef idx="minor"/>
+    </dgm:style>
+  </dgm:styleLbl>
+  <dgm:styleLbl name="bgShp">
+    <dgm:scene3d>
+      <a:camera prst="orthographicFront"/>
+      <a:lightRig rig="threePt" dir="t"/>
+    </dgm:scene3d>
+    <dgm:sp3d/>
+    <dgm:txPr/>
+    <dgm:style>
+      <a:lnRef idx="0">
+        <a:scrgbClr r="0" g="0" b="0"/>
+      </a:lnRef>
+      <a:fillRef idx="1">
+        <a:scrgbClr r="0" g="0" b="0"/>
+      </a:fillRef>
+      <a:effectRef idx="0">
+        <a:scrgbClr r="0" g="0" b="0"/>
+      </a:effectRef>
+      <a:fontRef idx="minor"/>
+    </dgm:style>
+  </dgm:styleLbl>
+  <dgm:styleLbl name="dkBgShp">
+    <dgm:scene3d>
+      <a:camera prst="orthographicFront"/>
+      <a:lightRig rig="threePt" dir="t"/>
+    </dgm:scene3d>
+    <dgm:sp3d/>
+    <dgm:txPr/>
+    <dgm:style>
+      <a:lnRef idx="0">
+        <a:scrgbClr r="0" g="0" b="0"/>
+      </a:lnRef>
+      <a:fillRef idx="1">
+        <a:scrgbClr r="0" g="0" b="0"/>
+      </a:fillRef>
+      <a:effectRef idx="0">
+        <a:scrgbClr r="0" g="0" b="0"/>
+      </a:effectRef>
+      <a:fontRef idx="minor"/>
+    </dgm:style>
+  </dgm:styleLbl>
+  <dgm:styleLbl name="trBgShp">
+    <dgm:scene3d>
+      <a:camera prst="orthographicFront"/>
+      <a:lightRig rig="threePt" dir="t"/>
+    </dgm:scene3d>
+    <dgm:sp3d/>
+    <dgm:txPr/>
+    <dgm:style>
+      <a:lnRef idx="0">
+        <a:scrgbClr r="0" g="0" b="0"/>
+      </a:lnRef>
+      <a:fillRef idx="1">
+        <a:scrgbClr r="0" g="0" b="0"/>
+      </a:fillRef>
+      <a:effectRef idx="0">
+        <a:scrgbClr r="0" g="0" b="0"/>
+      </a:effectRef>
+      <a:fontRef idx="minor"/>
+    </dgm:style>
+  </dgm:styleLbl>
+  <dgm:styleLbl name="fgShp">
+    <dgm:scene3d>
+      <a:camera prst="orthographicFront"/>
+      <a:lightRig rig="threePt" dir="t"/>
+    </dgm:scene3d>
+    <dgm:sp3d/>
+    <dgm:txPr/>
+    <dgm:style>
+      <a:lnRef idx="2">
+        <a:scrgbClr r="0" g="0" b="0"/>
+      </a:lnRef>
+      <a:fillRef idx="1">
+        <a:scrgbClr r="0" g="0" b="0"/>
+      </a:fillRef>
+      <a:effectRef idx="0">
+        <a:scrgbClr r="0" g="0" b="0"/>
+      </a:effectRef>
+      <a:fontRef idx="minor"/>
+    </dgm:style>
+  </dgm:styleLbl>
+  <dgm:styleLbl name="revTx">
+    <dgm:scene3d>
+      <a:camera prst="orthographicFront"/>
+      <a:lightRig rig="threePt" dir="t"/>
+    </dgm:scene3d>
+    <dgm:sp3d/>
+    <dgm:txPr/>
+    <dgm:style>
+      <a:lnRef idx="0">
+        <a:scrgbClr r="0" g="0" b="0"/>
+      </a:lnRef>
+      <a:fillRef idx="0">
+        <a:scrgbClr r="0" g="0" b="0"/>
+      </a:fillRef>
+      <a:effectRef idx="0">
+        <a:scrgbClr r="0" g="0" b="0"/>
+      </a:effectRef>
+      <a:fontRef idx="minor"/>
+    </dgm:style>
+  </dgm:styleLbl>
+</dgm:styleDef>
+</file>
+
+<file path=ppt/diagrams/quickStyle2.xml><?xml version="1.0" encoding="utf-8"?>
+<dgm:styleDef xmlns:dgm="http://schemas.openxmlformats.org/drawingml/2006/diagram" xmlns:a="http://schemas.openxmlformats.org/drawingml/2006/main" uniqueId="urn:microsoft.com/office/officeart/2005/8/quickstyle/simple1">
+  <dgm:title val=""/>
+  <dgm:desc val=""/>
+  <dgm:catLst>
+    <dgm:cat type="simple" pri="10100"/>
+  </dgm:catLst>
+  <dgm:scene3d>
+    <a:camera prst="orthographicFront"/>
+    <a:lightRig rig="threePt" dir="t"/>
+  </dgm:scene3d>
+  <dgm:styleLbl name="node0">
+    <dgm:scene3d>
+      <a:camera prst="orthographicFront"/>
+      <a:lightRig rig="threePt" dir="t"/>
+    </dgm:scene3d>
+    <dgm:sp3d/>
+    <dgm:txPr/>
+    <dgm:style>
+      <a:lnRef idx="2">
+        <a:scrgbClr r="0" g="0" b="0"/>
+      </a:lnRef>
+      <a:fillRef idx="1">
+        <a:scrgbClr r="0" g="0" b="0"/>
+      </a:fillRef>
+      <a:effectRef idx="0">
+        <a:scrgbClr r="0" g="0" b="0"/>
+      </a:effectRef>
+      <a:fontRef idx="minor">
+        <a:schemeClr val="lt1"/>
+      </a:fontRef>
+    </dgm:style>
+  </dgm:styleLbl>
+  <dgm:styleLbl name="lnNode1">
+    <dgm:scene3d>
+      <a:camera prst="orthographicFront"/>
+      <a:lightRig rig="threePt" dir="t"/>
+    </dgm:scene3d>
+    <dgm:sp3d/>
+    <dgm:txPr/>
+    <dgm:style>
+      <a:lnRef idx="2">
+        <a:scrgbClr r="0" g="0" b="0"/>
+      </a:lnRef>
+      <a:fillRef idx="1">
+        <a:scrgbClr r="0" g="0" b="0"/>
+      </a:fillRef>
+      <a:effectRef idx="0">
+        <a:scrgbClr r="0" g="0" b="0"/>
+      </a:effectRef>
+      <a:fontRef idx="minor">
+        <a:schemeClr val="lt1"/>
+      </a:fontRef>
+    </dgm:style>
+  </dgm:styleLbl>
+  <dgm:styleLbl name="vennNode1">
+    <dgm:scene3d>
+      <a:camera prst="orthographicFront"/>
+      <a:lightRig rig="threePt" dir="t"/>
+    </dgm:scene3d>
+    <dgm:sp3d/>
+    <dgm:txPr/>
+    <dgm:style>
+      <a:lnRef idx="2">
+        <a:scrgbClr r="0" g="0" b="0"/>
+      </a:lnRef>
+      <a:fillRef idx="1">
+        <a:scrgbClr r="0" g="0" b="0"/>
+      </a:fillRef>
+      <a:effectRef idx="0">
+        <a:scrgbClr r="0" g="0" b="0"/>
+      </a:effectRef>
+      <a:fontRef idx="minor">
+        <a:schemeClr val="tx1"/>
+      </a:fontRef>
+    </dgm:style>
+  </dgm:styleLbl>
+  <dgm:styleLbl name="alignNode1">
+    <dgm:scene3d>
+      <a:camera prst="orthographicFront"/>
+      <a:lightRig rig="threePt" dir="t"/>
+    </dgm:scene3d>
+    <dgm:sp3d/>
+    <dgm:txPr/>
+    <dgm:style>
+      <a:lnRef idx="2">
+        <a:scrgbClr r="0" g="0" b="0"/>
+      </a:lnRef>
+      <a:fillRef idx="1">
+        <a:scrgbClr r="0" g="0" b="0"/>
+      </a:fillRef>
+      <a:effectRef idx="0">
+        <a:scrgbClr r="0" g="0" b="0"/>
+      </a:effectRef>
+      <a:fontRef idx="minor">
+        <a:schemeClr val="lt1"/>
+      </a:fontRef>
+    </dgm:style>
+  </dgm:styleLbl>
+  <dgm:styleLbl name="node1">
+    <dgm:scene3d>
+      <a:camera prst="orthographicFront"/>
+      <a:lightRig rig="threePt" dir="t"/>
+    </dgm:scene3d>
+    <dgm:sp3d/>
+    <dgm:txPr/>
+    <dgm:style>
+      <a:lnRef idx="2">
+        <a:scrgbClr r="0" g="0" b="0"/>
+      </a:lnRef>
+      <a:fillRef idx="1">
+        <a:scrgbClr r="0" g="0" b="0"/>
+      </a:fillRef>
+      <a:effectRef idx="0">
+        <a:scrgbClr r="0" g="0" b="0"/>
+      </a:effectRef>
+      <a:fontRef idx="minor">
+        <a:schemeClr val="lt1"/>
+      </a:fontRef>
+    </dgm:style>
+  </dgm:styleLbl>
+  <dgm:styleLbl name="node2">
+    <dgm:scene3d>
+      <a:camera prst="orthographicFront"/>
+      <a:lightRig rig="threePt" dir="t"/>
+    </dgm:scene3d>
+    <dgm:sp3d/>
+    <dgm:txPr/>
+    <dgm:style>
+      <a:lnRef idx="2">
+        <a:scrgbClr r="0" g="0" b="0"/>
+      </a:lnRef>
+      <a:fillRef idx="1">
+        <a:scrgbClr r="0" g="0" b="0"/>
+      </a:fillRef>
+      <a:effectRef idx="0">
+        <a:scrgbClr r="0" g="0" b="0"/>
+      </a:effectRef>
+      <a:fontRef idx="minor">
+        <a:schemeClr val="lt1"/>
+      </a:fontRef>
+    </dgm:style>
+  </dgm:styleLbl>
+  <dgm:styleLbl name="node3">
+    <dgm:scene3d>
+      <a:camera prst="orthographicFront"/>
+      <a:lightRig rig="threePt" dir="t"/>
+    </dgm:scene3d>
+    <dgm:sp3d/>
+    <dgm:txPr/>
+    <dgm:style>
+      <a:lnRef idx="2">
+        <a:scrgbClr r="0" g="0" b="0"/>
+      </a:lnRef>
+      <a:fillRef idx="1">
+        <a:scrgbClr r="0" g="0" b="0"/>
+      </a:fillRef>
+      <a:effectRef idx="0">
+        <a:scrgbClr r="0" g="0" b="0"/>
+      </a:effectRef>
+      <a:fontRef idx="minor">
+        <a:schemeClr val="lt1"/>
+      </a:fontRef>
+    </dgm:style>
+  </dgm:styleLbl>
+  <dgm:styleLbl name="node4">
+    <dgm:scene3d>
+      <a:camera prst="orthographicFront"/>
+      <a:lightRig rig="threePt" dir="t"/>
+    </dgm:scene3d>
+    <dgm:sp3d/>
+    <dgm:txPr/>
+    <dgm:style>
+      <a:lnRef idx="2">
+        <a:scrgbClr r="0" g="0" b="0"/>
+      </a:lnRef>
+      <a:fillRef idx="1">
+        <a:scrgbClr r="0" g="0" b="0"/>
+      </a:fillRef>
+      <a:effectRef idx="0">
+        <a:scrgbClr r="0" g="0" b="0"/>
+      </a:effectRef>
+      <a:fontRef idx="minor">
+        <a:schemeClr val="lt1"/>
+      </a:fontRef>
+    </dgm:style>
+  </dgm:styleLbl>
+  <dgm:styleLbl name="fgImgPlace1">
+    <dgm:scene3d>
+      <a:camera prst="orthographicFront"/>
+      <a:lightRig rig="threePt" dir="t"/>
+    </dgm:scene3d>
+    <dgm:sp3d/>
+    <dgm:txPr/>
+    <dgm:style>
+      <a:lnRef idx="2">
+        <a:scrgbClr r="0" g="0" b="0"/>
+      </a:lnRef>
+      <a:fillRef idx="1">
+        <a:scrgbClr r="0" g="0" b="0"/>
+      </a:fillRef>
+      <a:effectRef idx="0">
+        <a:scrgbClr r="0" g="0" b="0"/>
+      </a:effectRef>
+      <a:fontRef idx="minor"/>
+    </dgm:style>
+  </dgm:styleLbl>
+  <dgm:styleLbl name="alignImgPlace1">
+    <dgm:scene3d>
+      <a:camera prst="orthographicFront"/>
+      <a:lightRig rig="threePt" dir="t"/>
+    </dgm:scene3d>
+    <dgm:sp3d/>
+    <dgm:txPr/>
+    <dgm:style>
+      <a:lnRef idx="2">
+        <a:scrgbClr r="0" g="0" b="0"/>
+      </a:lnRef>
+      <a:fillRef idx="1">
+        <a:scrgbClr r="0" g="0" b="0"/>
+      </a:fillRef>
+      <a:effectRef idx="0">
+        <a:scrgbClr r="0" g="0" b="0"/>
+      </a:effectRef>
+      <a:fontRef idx="minor"/>
+    </dgm:style>
+  </dgm:styleLbl>
+  <dgm:styleLbl name="bgImgPlace1">
+    <dgm:scene3d>
+      <a:camera prst="orthographicFront"/>
+      <a:lightRig rig="threePt" dir="t"/>
+    </dgm:scene3d>
+    <dgm:sp3d/>
+    <dgm:txPr/>
+    <dgm:style>
+      <a:lnRef idx="2">
+        <a:scrgbClr r="0" g="0" b="0"/>
+      </a:lnRef>
+      <a:fillRef idx="1">
+        <a:scrgbClr r="0" g="0" b="0"/>
+      </a:fillRef>
+      <a:effectRef idx="0">
+        <a:scrgbClr r="0" g="0" b="0"/>
+      </a:effectRef>
+      <a:fontRef idx="minor"/>
+    </dgm:style>
+  </dgm:styleLbl>
+  <dgm:styleLbl name="sibTrans2D1">
+    <dgm:scene3d>
+      <a:camera prst="orthographicFront"/>
+      <a:lightRig rig="threePt" dir="t"/>
+    </dgm:scene3d>
+    <dgm:sp3d/>
+    <dgm:txPr/>
+    <dgm:style>
+      <a:lnRef idx="0">
+        <a:scrgbClr r="0" g="0" b="0"/>
+      </a:lnRef>
+      <a:fillRef idx="1">
+        <a:scrgbClr r="0" g="0" b="0"/>
+      </a:fillRef>
+      <a:effectRef idx="0">
+        <a:scrgbClr r="0" g="0" b="0"/>
+      </a:effectRef>
+      <a:fontRef idx="minor">
+        <a:schemeClr val="lt1"/>
+      </a:fontRef>
+    </dgm:style>
+  </dgm:styleLbl>
+  <dgm:styleLbl name="fgSibTrans2D1">
+    <dgm:scene3d>
+      <a:camera prst="orthographicFront"/>
+      <a:lightRig rig="threePt" dir="t"/>
+    </dgm:scene3d>
+    <dgm:sp3d/>
+    <dgm:txPr/>
+    <dgm:style>
+      <a:lnRef idx="0">
+        <a:scrgbClr r="0" g="0" b="0"/>
+      </a:lnRef>
+      <a:fillRef idx="1">
+        <a:scrgbClr r="0" g="0" b="0"/>
+      </a:fillRef>
+      <a:effectRef idx="0">
+        <a:scrgbClr r="0" g="0" b="0"/>
+      </a:effectRef>
+      <a:fontRef idx="minor">
+        <a:schemeClr val="lt1"/>
+      </a:fontRef>
+    </dgm:style>
+  </dgm:styleLbl>
+  <dgm:styleLbl name="bgSibTrans2D1">
+    <dgm:scene3d>
+      <a:camera prst="orthographicFront"/>
+      <a:lightRig rig="threePt" dir="t"/>
+    </dgm:scene3d>
+    <dgm:sp3d/>
+    <dgm:txPr/>
+    <dgm:style>
+      <a:lnRef idx="0">
+        <a:scrgbClr r="0" g="0" b="0"/>
+      </a:lnRef>
+      <a:fillRef idx="1">
+        <a:scrgbClr r="0" g="0" b="0"/>
+      </a:fillRef>
+      <a:effectRef idx="0">
+        <a:scrgbClr r="0" g="0" b="0"/>
+      </a:effectRef>
+      <a:fontRef idx="minor">
+        <a:schemeClr val="lt1"/>
+      </a:fontRef>
+    </dgm:style>
+  </dgm:styleLbl>
+  <dgm:styleLbl name="sibTrans1D1">
+    <dgm:scene3d>
+      <a:camera prst="orthographicFront"/>
+      <a:lightRig rig="threePt" dir="t"/>
+    </dgm:scene3d>
+    <dgm:sp3d/>
+    <dgm:txPr/>
+    <dgm:style>
+      <a:lnRef idx="1">
+        <a:scrgbClr r="0" g="0" b="0"/>
+      </a:lnRef>
+      <a:fillRef idx="0">
+        <a:scrgbClr r="0" g="0" b="0"/>
+      </a:fillRef>
+      <a:effectRef idx="0">
+        <a:scrgbClr r="0" g="0" b="0"/>
+      </a:effectRef>
+      <a:fontRef idx="minor"/>
+    </dgm:style>
+  </dgm:styleLbl>
+  <dgm:styleLbl name="callout">
+    <dgm:scene3d>
+      <a:camera prst="orthographicFront"/>
+      <a:lightRig rig="threePt" dir="t"/>
+    </dgm:scene3d>
+    <dgm:sp3d/>
+    <dgm:txPr/>
+    <dgm:style>
+      <a:lnRef idx="2">
+        <a:scrgbClr r="0" g="0" b="0"/>
+      </a:lnRef>
+      <a:fillRef idx="1">
+        <a:scrgbClr r="0" g="0" b="0"/>
+      </a:fillRef>
+      <a:effectRef idx="0">
+        <a:scrgbClr r="0" g="0" b="0"/>
+      </a:effectRef>
+      <a:fontRef idx="minor"/>
+    </dgm:style>
+  </dgm:styleLbl>
+  <dgm:styleLbl name="asst0">
+    <dgm:scene3d>
+      <a:camera prst="orthographicFront"/>
+      <a:lightRig rig="threePt" dir="t"/>
+    </dgm:scene3d>
+    <dgm:sp3d/>
+    <dgm:txPr/>
+    <dgm:style>
+      <a:lnRef idx="2">
+        <a:scrgbClr r="0" g="0" b="0"/>
+      </a:lnRef>
+      <a:fillRef idx="1">
+        <a:scrgbClr r="0" g="0" b="0"/>
+      </a:fillRef>
+      <a:effectRef idx="0">
+        <a:scrgbClr r="0" g="0" b="0"/>
+      </a:effectRef>
+      <a:fontRef idx="minor">
+        <a:schemeClr val="lt1"/>
+      </a:fontRef>
+    </dgm:style>
+  </dgm:styleLbl>
+  <dgm:styleLbl name="asst1">
+    <dgm:scene3d>
+      <a:camera prst="orthographicFront"/>
+      <a:lightRig rig="threePt" dir="t"/>
+    </dgm:scene3d>
+    <dgm:sp3d/>
+    <dgm:txPr/>
+    <dgm:style>
+      <a:lnRef idx="2">
+        <a:scrgbClr r="0" g="0" b="0"/>
+      </a:lnRef>
+      <a:fillRef idx="1">
+        <a:scrgbClr r="0" g="0" b="0"/>
+      </a:fillRef>
+      <a:effectRef idx="0">
+        <a:scrgbClr r="0" g="0" b="0"/>
+      </a:effectRef>
+      <a:fontRef idx="minor">
+        <a:schemeClr val="lt1"/>
+      </a:fontRef>
+    </dgm:style>
+  </dgm:styleLbl>
+  <dgm:styleLbl name="asst2">
+    <dgm:scene3d>
+      <a:camera prst="orthographicFront"/>
+      <a:lightRig rig="threePt" dir="t"/>
+    </dgm:scene3d>
+    <dgm:sp3d/>
+    <dgm:txPr/>
+    <dgm:style>
+      <a:lnRef idx="2">
+        <a:scrgbClr r="0" g="0" b="0"/>
+      </a:lnRef>
+      <a:fillRef idx="1">
+        <a:scrgbClr r="0" g="0" b="0"/>
+      </a:fillRef>
+      <a:effectRef idx="0">
+        <a:scrgbClr r="0" g="0" b="0"/>
+      </a:effectRef>
+      <a:fontRef idx="minor">
+        <a:schemeClr val="lt1"/>
+      </a:fontRef>
+    </dgm:style>
+  </dgm:styleLbl>
+  <dgm:styleLbl name="asst3">
+    <dgm:scene3d>
+      <a:camera prst="orthographicFront"/>
+      <a:lightRig rig="threePt" dir="t"/>
+    </dgm:scene3d>
+    <dgm:sp3d/>
+    <dgm:txPr/>
+    <dgm:style>
+      <a:lnRef idx="2">
+        <a:scrgbClr r="0" g="0" b="0"/>
+      </a:lnRef>
+      <a:fillRef idx="1">
+        <a:scrgbClr r="0" g="0" b="0"/>
+      </a:fillRef>
+      <a:effectRef idx="0">
+        <a:scrgbClr r="0" g="0" b="0"/>
+      </a:effectRef>
+      <a:fontRef idx="minor">
+        <a:schemeClr val="lt1"/>
+      </a:fontRef>
+    </dgm:style>
+  </dgm:styleLbl>
+  <dgm:styleLbl name="asst4">
+    <dgm:scene3d>
+      <a:camera prst="orthographicFront"/>
+      <a:lightRig rig="threePt" dir="t"/>
+    </dgm:scene3d>
+    <dgm:sp3d/>
+    <dgm:txPr/>
+    <dgm:style>
+      <a:lnRef idx="2">
+        <a:scrgbClr r="0" g="0" b="0"/>
+      </a:lnRef>
+      <a:fillRef idx="1">
+        <a:scrgbClr r="0" g="0" b="0"/>
+      </a:fillRef>
+      <a:effectRef idx="0">
+        <a:scrgbClr r="0" g="0" b="0"/>
+      </a:effectRef>
+      <a:fontRef idx="minor">
+        <a:schemeClr val="lt1"/>
+      </a:fontRef>
+    </dgm:style>
+  </dgm:styleLbl>
+  <dgm:styleLbl name="parChTrans2D1">
+    <dgm:scene3d>
+      <a:camera prst="orthographicFront"/>
+      <a:lightRig rig="threePt" dir="t"/>
+    </dgm:scene3d>
+    <dgm:sp3d/>
+    <dgm:txPr/>
+    <dgm:style>
+      <a:lnRef idx="2">
+        <a:scrgbClr r="0" g="0" b="0"/>
+      </a:lnRef>
+      <a:fillRef idx="1">
+        <a:scrgbClr r="0" g="0" b="0"/>
+      </a:fillRef>
+      <a:effectRef idx="0">
+        <a:scrgbClr r="0" g="0" b="0"/>
+      </a:effectRef>
+      <a:fontRef idx="minor">
+        <a:schemeClr val="lt1"/>
+      </a:fontRef>
+    </dgm:style>
+  </dgm:styleLbl>
+  <dgm:styleLbl name="parChTrans2D2">
+    <dgm:scene3d>
+      <a:camera prst="orthographicFront"/>
+      <a:lightRig rig="threePt" dir="t"/>
+    </dgm:scene3d>
+    <dgm:sp3d/>
+    <dgm:txPr/>
+    <dgm:style>
+      <a:lnRef idx="2">
+        <a:scrgbClr r="0" g="0" b="0"/>
+      </a:lnRef>
+      <a:fillRef idx="1">
+        <a:scrgbClr r="0" g="0" b="0"/>
+      </a:fillRef>
+      <a:effectRef idx="0">
+        <a:scrgbClr r="0" g="0" b="0"/>
+      </a:effectRef>
+      <a:fontRef idx="minor">
+        <a:schemeClr val="lt1"/>
+      </a:fontRef>
+    </dgm:style>
+  </dgm:styleLbl>
+  <dgm:styleLbl name="parChTrans2D3">
+    <dgm:scene3d>
+      <a:camera prst="orthographicFront"/>
+      <a:lightRig rig="threePt" dir="t"/>
+    </dgm:scene3d>
+    <dgm:sp3d/>
+    <dgm:txPr/>
+    <dgm:style>
+      <a:lnRef idx="2">
+        <a:scrgbClr r="0" g="0" b="0"/>
+      </a:lnRef>
+      <a:fillRef idx="1">
+        <a:scrgbClr r="0" g="0" b="0"/>
+      </a:fillRef>
+      <a:effectRef idx="0">
+        <a:scrgbClr r="0" g="0" b="0"/>
+      </a:effectRef>
+      <a:fontRef idx="minor">
+        <a:schemeClr val="lt1"/>
+      </a:fontRef>
+    </dgm:style>
+  </dgm:styleLbl>
+  <dgm:styleLbl name="parChTrans2D4">
+    <dgm:scene3d>
+      <a:camera prst="orthographicFront"/>
+      <a:lightRig rig="threePt" dir="t"/>
+    </dgm:scene3d>
+    <dgm:sp3d/>
+    <dgm:txPr/>
+    <dgm:style>
+      <a:lnRef idx="2">
+        <a:scrgbClr r="0" g="0" b="0"/>
+      </a:lnRef>
+      <a:fillRef idx="1">
+        <a:scrgbClr r="0" g="0" b="0"/>
+      </a:fillRef>
+      <a:effectRef idx="0">
+        <a:scrgbClr r="0" g="0" b="0"/>
+      </a:effectRef>
+      <a:fontRef idx="minor">
+        <a:schemeClr val="lt1"/>
+      </a:fontRef>
+    </dgm:style>
+  </dgm:styleLbl>
+  <dgm:styleLbl name="parChTrans1D1">
+    <dgm:scene3d>
+      <a:camera prst="orthographicFront"/>
+      <a:lightRig rig="threePt" dir="t"/>
+    </dgm:scene3d>
+    <dgm:sp3d/>
+    <dgm:txPr/>
+    <dgm:style>
+      <a:lnRef idx="2">
+        <a:scrgbClr r="0" g="0" b="0"/>
+      </a:lnRef>
+      <a:fillRef idx="0">
+        <a:scrgbClr r="0" g="0" b="0"/>
+      </a:fillRef>
+      <a:effectRef idx="0">
+        <a:scrgbClr r="0" g="0" b="0"/>
+      </a:effectRef>
+      <a:fontRef idx="minor"/>
+    </dgm:style>
+  </dgm:styleLbl>
+  <dgm:styleLbl name="parChTrans1D2">
+    <dgm:scene3d>
+      <a:camera prst="orthographicFront"/>
+      <a:lightRig rig="threePt" dir="t"/>
+    </dgm:scene3d>
+    <dgm:sp3d/>
+    <dgm:txPr/>
+    <dgm:style>
+      <a:lnRef idx="2">
+        <a:scrgbClr r="0" g="0" b="0"/>
+      </a:lnRef>
+      <a:fillRef idx="0">
+        <a:scrgbClr r="0" g="0" b="0"/>
+      </a:fillRef>
+      <a:effectRef idx="0">
+        <a:scrgbClr r="0" g="0" b="0"/>
+      </a:effectRef>
+      <a:fontRef idx="minor"/>
+    </dgm:style>
+  </dgm:styleLbl>
+  <dgm:styleLbl name="parChTrans1D3">
+    <dgm:scene3d>
+      <a:camera prst="orthographicFront"/>
+      <a:lightRig rig="threePt" dir="t"/>
+    </dgm:scene3d>
+    <dgm:sp3d/>
+    <dgm:txPr/>
+    <dgm:style>
+      <a:lnRef idx="2">
+        <a:scrgbClr r="0" g="0" b="0"/>
+      </a:lnRef>
+      <a:fillRef idx="0">
+        <a:scrgbClr r="0" g="0" b="0"/>
+      </a:fillRef>
+      <a:effectRef idx="0">
+        <a:scrgbClr r="0" g="0" b="0"/>
+      </a:effectRef>
+      <a:fontRef idx="minor"/>
+    </dgm:style>
+  </dgm:styleLbl>
+  <dgm:styleLbl name="parChTrans1D4">
+    <dgm:scene3d>
+      <a:camera prst="orthographicFront"/>
+      <a:lightRig rig="threePt" dir="t"/>
+    </dgm:scene3d>
+    <dgm:sp3d/>
+    <dgm:txPr/>
+    <dgm:style>
+      <a:lnRef idx="2">
+        <a:scrgbClr r="0" g="0" b="0"/>
+      </a:lnRef>
+      <a:fillRef idx="0">
+        <a:scrgbClr r="0" g="0" b="0"/>
+      </a:fillRef>
+      <a:effectRef idx="0">
+        <a:scrgbClr r="0" g="0" b="0"/>
+      </a:effectRef>
+      <a:fontRef idx="minor"/>
+    </dgm:style>
+  </dgm:styleLbl>
+  <dgm:styleLbl name="fgAcc1">
+    <dgm:scene3d>
+      <a:camera prst="orthographicFront"/>
+      <a:lightRig rig="threePt" dir="t"/>
+    </dgm:scene3d>
+    <dgm:sp3d/>
+    <dgm:txPr/>
+    <dgm:style>
+      <a:lnRef idx="2">
+        <a:scrgbClr r="0" g="0" b="0"/>
+      </a:lnRef>
+      <a:fillRef idx="1">
+        <a:scrgbClr r="0" g="0" b="0"/>
+      </a:fillRef>
+      <a:effectRef idx="0">
+        <a:scrgbClr r="0" g="0" b="0"/>
+      </a:effectRef>
+      <a:fontRef idx="minor"/>
+    </dgm:style>
+  </dgm:styleLbl>
+  <dgm:styleLbl name="conFgAcc1">
+    <dgm:scene3d>
+      <a:camera prst="orthographicFront"/>
+      <a:lightRig rig="threePt" dir="t"/>
+    </dgm:scene3d>
+    <dgm:sp3d/>
+    <dgm:txPr/>
+    <dgm:style>
+      <a:lnRef idx="2">
+        <a:scrgbClr r="0" g="0" b="0"/>
+      </a:lnRef>
+      <a:fillRef idx="1">
+        <a:scrgbClr r="0" g="0" b="0"/>
+      </a:fillRef>
+      <a:effectRef idx="0">
+        <a:scrgbClr r="0" g="0" b="0"/>
+      </a:effectRef>
+      <a:fontRef idx="minor"/>
+    </dgm:style>
+  </dgm:styleLbl>
+  <dgm:styleLbl name="alignAcc1">
+    <dgm:scene3d>
+      <a:camera prst="orthographicFront"/>
+      <a:lightRig rig="threePt" dir="t"/>
+    </dgm:scene3d>
+    <dgm:sp3d/>
+    <dgm:txPr/>
+    <dgm:style>
+      <a:lnRef idx="2">
+        <a:scrgbClr r="0" g="0" b="0"/>
+      </a:lnRef>
+      <a:fillRef idx="1">
+        <a:scrgbClr r="0" g="0" b="0"/>
+      </a:fillRef>
+      <a:effectRef idx="0">
+        <a:scrgbClr r="0" g="0" b="0"/>
+      </a:effectRef>
+      <a:fontRef idx="minor"/>
+    </dgm:style>
+  </dgm:styleLbl>
+  <dgm:styleLbl name="trAlignAcc1">
+    <dgm:scene3d>
+      <a:camera prst="orthographicFront"/>
+      <a:lightRig rig="threePt" dir="t"/>
+    </dgm:scene3d>
+    <dgm:sp3d/>
+    <dgm:txPr/>
+    <dgm:style>
+      <a:lnRef idx="1">
+        <a:scrgbClr r="0" g="0" b="0"/>
+      </a:lnRef>
+      <a:fillRef idx="1">
+        <a:scrgbClr r="0" g="0" b="0"/>
+      </a:fillRef>
+      <a:effectRef idx="0">
+        <a:scrgbClr r="0" g="0" b="0"/>
+      </a:effectRef>
+      <a:fontRef idx="minor"/>
+    </dgm:style>
+  </dgm:styleLbl>
+  <dgm:styleLbl name="bgAcc1">
+    <dgm:scene3d>
+      <a:camera prst="orthographicFront"/>
+      <a:lightRig rig="threePt" dir="t"/>
+    </dgm:scene3d>
+    <dgm:sp3d/>
+    <dgm:txPr/>
+    <dgm:style>
+      <a:lnRef idx="2">
+        <a:scrgbClr r="0" g="0" b="0"/>
+      </a:lnRef>
+      <a:fillRef idx="1">
+        <a:scrgbClr r="0" g="0" b="0"/>
+      </a:fillRef>
+      <a:effectRef idx="0">
+        <a:scrgbClr r="0" g="0" b="0"/>
+      </a:effectRef>
+      <a:fontRef idx="minor"/>
+    </dgm:style>
+  </dgm:styleLbl>
+  <dgm:styleLbl name="solidFgAcc1">
+    <dgm:scene3d>
+      <a:camera prst="orthographicFront"/>
+      <a:lightRig rig="threePt" dir="t"/>
+    </dgm:scene3d>
+    <dgm:sp3d/>
+    <dgm:txPr/>
+    <dgm:style>
+      <a:lnRef idx="2">
+        <a:scrgbClr r="0" g="0" b="0"/>
+      </a:lnRef>
+      <a:fillRef idx="1">
+        <a:scrgbClr r="0" g="0" b="0"/>
+      </a:fillRef>
+      <a:effectRef idx="0">
+        <a:scrgbClr r="0" g="0" b="0"/>
+      </a:effectRef>
+      <a:fontRef idx="minor"/>
+    </dgm:style>
+  </dgm:styleLbl>
+  <dgm:styleLbl name="solidAlignAcc1">
+    <dgm:scene3d>
+      <a:camera prst="orthographicFront"/>
+      <a:lightRig rig="threePt" dir="t"/>
+    </dgm:scene3d>
+    <dgm:sp3d/>
+    <dgm:txPr/>
+    <dgm:style>
+      <a:lnRef idx="2">
+        <a:scrgbClr r="0" g="0" b="0"/>
+      </a:lnRef>
+      <a:fillRef idx="1">
+        <a:scrgbClr r="0" g="0" b="0"/>
+      </a:fillRef>
+      <a:effectRef idx="0">
+        <a:scrgbClr r="0" g="0" b="0"/>
+      </a:effectRef>
+      <a:fontRef idx="minor"/>
+    </dgm:style>
+  </dgm:styleLbl>
+  <dgm:styleLbl name="solidBgAcc1">
+    <dgm:scene3d>
+      <a:camera prst="orthographicFront"/>
+      <a:lightRig rig="threePt" dir="t"/>
+    </dgm:scene3d>
+    <dgm:sp3d/>
+    <dgm:txPr/>
+    <dgm:style>
+      <a:lnRef idx="2">
+        <a:scrgbClr r="0" g="0" b="0"/>
+      </a:lnRef>
+      <a:fillRef idx="1">
+        <a:scrgbClr r="0" g="0" b="0"/>
+      </a:fillRef>
+      <a:effectRef idx="0">
+        <a:scrgbClr r="0" g="0" b="0"/>
+      </a:effectRef>
+      <a:fontRef idx="minor"/>
+    </dgm:style>
+  </dgm:styleLbl>
+  <dgm:styleLbl name="fgAccFollowNode1">
+    <dgm:scene3d>
+      <a:camera prst="orthographicFront"/>
+      <a:lightRig rig="threePt" dir="t"/>
+    </dgm:scene3d>
+    <dgm:sp3d/>
+    <dgm:txPr/>
+    <dgm:style>
+      <a:lnRef idx="2">
+        <a:scrgbClr r="0" g="0" b="0"/>
+      </a:lnRef>
+      <a:fillRef idx="1">
+        <a:scrgbClr r="0" g="0" b="0"/>
+      </a:fillRef>
+      <a:effectRef idx="0">
+        <a:scrgbClr r="0" g="0" b="0"/>
+      </a:effectRef>
+      <a:fontRef idx="minor"/>
+    </dgm:style>
+  </dgm:styleLbl>
+  <dgm:styleLbl name="alignAccFollowNode1">
+    <dgm:scene3d>
+      <a:camera prst="orthographicFront"/>
+      <a:lightRig rig="threePt" dir="t"/>
+    </dgm:scene3d>
+    <dgm:sp3d/>
+    <dgm:txPr/>
+    <dgm:style>
+      <a:lnRef idx="2">
+        <a:scrgbClr r="0" g="0" b="0"/>
+      </a:lnRef>
+      <a:fillRef idx="1">
+        <a:scrgbClr r="0" g="0" b="0"/>
+      </a:fillRef>
+      <a:effectRef idx="0">
+        <a:scrgbClr r="0" g="0" b="0"/>
+      </a:effectRef>
+      <a:fontRef idx="minor"/>
+    </dgm:style>
+  </dgm:styleLbl>
+  <dgm:styleLbl name="bgAccFollowNode1">
+    <dgm:scene3d>
+      <a:camera prst="orthographicFront"/>
+      <a:lightRig rig="threePt" dir="t"/>
+    </dgm:scene3d>
+    <dgm:sp3d/>
+    <dgm:txPr/>
+    <dgm:style>
+      <a:lnRef idx="2">
+        <a:scrgbClr r="0" g="0" b="0"/>
+      </a:lnRef>
+      <a:fillRef idx="1">
+        <a:scrgbClr r="0" g="0" b="0"/>
+      </a:fillRef>
+      <a:effectRef idx="0">
+        <a:scrgbClr r="0" g="0" b="0"/>
+      </a:effectRef>
+      <a:fontRef idx="minor"/>
+    </dgm:style>
+  </dgm:styleLbl>
+  <dgm:styleLbl name="fgAcc0">
+    <dgm:scene3d>
+      <a:camera prst="orthographicFront"/>
+      <a:lightRig rig="threePt" dir="t"/>
+    </dgm:scene3d>
+    <dgm:sp3d/>
+    <dgm:txPr/>
+    <dgm:style>
+      <a:lnRef idx="2">
+        <a:scrgbClr r="0" g="0" b="0"/>
+      </a:lnRef>
+      <a:fillRef idx="1">
+        <a:scrgbClr r="0" g="0" b="0"/>
+      </a:fillRef>
+      <a:effectRef idx="0">
+        <a:scrgbClr r="0" g="0" b="0"/>
+      </a:effectRef>
+      <a:fontRef idx="minor"/>
+    </dgm:style>
+  </dgm:styleLbl>
+  <dgm:styleLbl name="fgAcc2">
+    <dgm:scene3d>
+      <a:camera prst="orthographicFront"/>
+      <a:lightRig rig="threePt" dir="t"/>
+    </dgm:scene3d>
+    <dgm:sp3d/>
+    <dgm:txPr/>
+    <dgm:style>
+      <a:lnRef idx="2">
+        <a:scrgbClr r="0" g="0" b="0"/>
+      </a:lnRef>
+      <a:fillRef idx="1">
+        <a:scrgbClr r="0" g="0" b="0"/>
+      </a:fillRef>
+      <a:effectRef idx="0">
+        <a:scrgbClr r="0" g="0" b="0"/>
+      </a:effectRef>
+      <a:fontRef idx="minor"/>
+    </dgm:style>
+  </dgm:styleLbl>
+  <dgm:styleLbl name="fgAcc3">
+    <dgm:scene3d>
+      <a:camera prst="orthographicFront"/>
+      <a:lightRig rig="threePt" dir="t"/>
+    </dgm:scene3d>
+    <dgm:sp3d/>
+    <dgm:txPr/>
+    <dgm:style>
+      <a:lnRef idx="2">
+        <a:scrgbClr r="0" g="0" b="0"/>
+      </a:lnRef>
+      <a:fillRef idx="1">
+        <a:scrgbClr r="0" g="0" b="0"/>
+      </a:fillRef>
+      <a:effectRef idx="0">
+        <a:scrgbClr r="0" g="0" b="0"/>
+      </a:effectRef>
+      <a:fontRef idx="minor"/>
+    </dgm:style>
+  </dgm:styleLbl>
+  <dgm:styleLbl name="fgAcc4">
+    <dgm:scene3d>
+      <a:camera prst="orthographicFront"/>
+      <a:lightRig rig="threePt" dir="t"/>
+    </dgm:scene3d>
+    <dgm:sp3d/>
+    <dgm:txPr/>
+    <dgm:style>
+      <a:lnRef idx="2">
+        <a:scrgbClr r="0" g="0" b="0"/>
+      </a:lnRef>
+      <a:fillRef idx="1">
+        <a:scrgbClr r="0" g="0" b="0"/>
+      </a:fillRef>
+      <a:effectRef idx="0">
+        <a:scrgbClr r="0" g="0" b="0"/>
+      </a:effectRef>
+      <a:fontRef idx="minor"/>
+    </dgm:style>
+  </dgm:styleLbl>
+  <dgm:styleLbl name="bgShp">
+    <dgm:scene3d>
+      <a:camera prst="orthographicFront"/>
+      <a:lightRig rig="threePt" dir="t"/>
+    </dgm:scene3d>
+    <dgm:sp3d/>
+    <dgm:txPr/>
+    <dgm:style>
+      <a:lnRef idx="0">
+        <a:scrgbClr r="0" g="0" b="0"/>
+      </a:lnRef>
+      <a:fillRef idx="1">
+        <a:scrgbClr r="0" g="0" b="0"/>
+      </a:fillRef>
+      <a:effectRef idx="0">
+        <a:scrgbClr r="0" g="0" b="0"/>
+      </a:effectRef>
+      <a:fontRef idx="minor"/>
+    </dgm:style>
+  </dgm:styleLbl>
+  <dgm:styleLbl name="dkBgShp">
+    <dgm:scene3d>
+      <a:camera prst="orthographicFront"/>
+      <a:lightRig rig="threePt" dir="t"/>
+    </dgm:scene3d>
+    <dgm:sp3d/>
+    <dgm:txPr/>
+    <dgm:style>
+      <a:lnRef idx="0">
+        <a:scrgbClr r="0" g="0" b="0"/>
+      </a:lnRef>
+      <a:fillRef idx="1">
+        <a:scrgbClr r="0" g="0" b="0"/>
+      </a:fillRef>
+      <a:effectRef idx="0">
+        <a:scrgbClr r="0" g="0" b="0"/>
+      </a:effectRef>
+      <a:fontRef idx="minor"/>
+    </dgm:style>
+  </dgm:styleLbl>
+  <dgm:styleLbl name="trBgShp">
+    <dgm:scene3d>
+      <a:camera prst="orthographicFront"/>
+      <a:lightRig rig="threePt" dir="t"/>
+    </dgm:scene3d>
+    <dgm:sp3d/>
+    <dgm:txPr/>
+    <dgm:style>
+      <a:lnRef idx="0">
+        <a:scrgbClr r="0" g="0" b="0"/>
+      </a:lnRef>
+      <a:fillRef idx="1">
+        <a:scrgbClr r="0" g="0" b="0"/>
+      </a:fillRef>
+      <a:effectRef idx="0">
+        <a:scrgbClr r="0" g="0" b="0"/>
+      </a:effectRef>
+      <a:fontRef idx="minor"/>
+    </dgm:style>
+  </dgm:styleLbl>
+  <dgm:styleLbl name="fgShp">
+    <dgm:scene3d>
+      <a:camera prst="orthographicFront"/>
+      <a:lightRig rig="threePt" dir="t"/>
+    </dgm:scene3d>
+    <dgm:sp3d/>
+    <dgm:txPr/>
+    <dgm:style>
+      <a:lnRef idx="2">
+        <a:scrgbClr r="0" g="0" b="0"/>
+      </a:lnRef>
+      <a:fillRef idx="1">
+        <a:scrgbClr r="0" g="0" b="0"/>
+      </a:fillRef>
+      <a:effectRef idx="0">
+        <a:scrgbClr r="0" g="0" b="0"/>
+      </a:effectRef>
+      <a:fontRef idx="minor"/>
+    </dgm:style>
+  </dgm:styleLbl>
+  <dgm:styleLbl name="revTx">
+    <dgm:scene3d>
+      <a:camera prst="orthographicFront"/>
+      <a:lightRig rig="threePt" dir="t"/>
+    </dgm:scene3d>
+    <dgm:sp3d/>
+    <dgm:txPr/>
+    <dgm:style>
+      <a:lnRef idx="0">
+        <a:scrgbClr r="0" g="0" b="0"/>
+      </a:lnRef>
+      <a:fillRef idx="0">
+        <a:scrgbClr r="0" g="0" b="0"/>
+      </a:fillRef>
+      <a:effectRef idx="0">
+        <a:scrgbClr r="0" g="0" b="0"/>
+      </a:effectRef>
+      <a:fontRef idx="minor"/>
+    </dgm:style>
+  </dgm:styleLbl>
+</dgm:styleDef>
+</file>
+
 <file path=ppt/notesMasters/notesMaster1.xml><?xml version="1.0" encoding="utf-8"?>
 <p:notesMaster xmlns:a="http://schemas.openxmlformats.org/drawingml/2006/main" xmlns:r="http://schemas.openxmlformats.org/officeDocument/2006/relationships" xmlns:p="http://schemas.openxmlformats.org/presentationml/2006/main">
   <p:cSld>
@@ -203,7 +5710,7 @@
           <a:p>
             <a:fld id="{51FCEFF9-79D1-4CA6-AF3E-7D196DDDF87E}" type="datetimeFigureOut">
               <a:rPr lang="en-GB" smtClean="0"/>
-              <a:t>19/08/2024</a:t>
+              <a:t>16/09/2024</a:t>
             </a:fld>
             <a:endParaRPr lang="en-GB"/>
           </a:p>
@@ -570,6 +6077,90 @@
 </p:notes>
 </file>
 
+<file path=ppt/notesSlides/notesSlide2.xml><?xml version="1.0" encoding="utf-8"?>
+<p:notes xmlns:a="http://schemas.openxmlformats.org/drawingml/2006/main" xmlns:r="http://schemas.openxmlformats.org/officeDocument/2006/relationships" xmlns:p="http://schemas.openxmlformats.org/presentationml/2006/main">
+  <p:cSld>
+    <p:spTree>
+      <p:nvGrpSpPr>
+        <p:cNvPr id="1" name=""/>
+        <p:cNvGrpSpPr/>
+        <p:nvPr/>
+      </p:nvGrpSpPr>
+      <p:grpSpPr>
+        <a:xfrm>
+          <a:off x="0" y="0"/>
+          <a:ext cx="0" cy="0"/>
+          <a:chOff x="0" y="0"/>
+          <a:chExt cx="0" cy="0"/>
+        </a:xfrm>
+      </p:grpSpPr>
+      <p:sp>
+        <p:nvSpPr>
+          <p:cNvPr id="2" name="Slide Image Placeholder 1"/>
+          <p:cNvSpPr>
+            <a:spLocks noGrp="1" noRot="1" noChangeAspect="1"/>
+          </p:cNvSpPr>
+          <p:nvPr>
+            <p:ph type="sldImg"/>
+          </p:nvPr>
+        </p:nvSpPr>
+        <p:spPr/>
+      </p:sp>
+      <p:sp>
+        <p:nvSpPr>
+          <p:cNvPr id="3" name="Notes Placeholder 2"/>
+          <p:cNvSpPr>
+            <a:spLocks noGrp="1"/>
+          </p:cNvSpPr>
+          <p:nvPr>
+            <p:ph type="body" idx="1"/>
+          </p:nvPr>
+        </p:nvSpPr>
+        <p:spPr/>
+        <p:txBody>
+          <a:bodyPr/>
+          <a:lstStyle/>
+          <a:p>
+            <a:endParaRPr lang="en-GB" dirty="0"/>
+          </a:p>
+        </p:txBody>
+      </p:sp>
+      <p:sp>
+        <p:nvSpPr>
+          <p:cNvPr id="4" name="Slide Number Placeholder 3"/>
+          <p:cNvSpPr>
+            <a:spLocks noGrp="1"/>
+          </p:cNvSpPr>
+          <p:nvPr>
+            <p:ph type="sldNum" sz="quarter" idx="5"/>
+          </p:nvPr>
+        </p:nvSpPr>
+        <p:spPr/>
+        <p:txBody>
+          <a:bodyPr/>
+          <a:lstStyle/>
+          <a:p>
+            <a:fld id="{E3DD0AC1-F9A2-46E7-B404-6C5EF528197D}" type="slidenum">
+              <a:rPr lang="en-GB" smtClean="0"/>
+              <a:t>8</a:t>
+            </a:fld>
+            <a:endParaRPr lang="en-GB"/>
+          </a:p>
+        </p:txBody>
+      </p:sp>
+    </p:spTree>
+    <p:extLst>
+      <p:ext uri="{BB962C8B-B14F-4D97-AF65-F5344CB8AC3E}">
+        <p14:creationId xmlns:p14="http://schemas.microsoft.com/office/powerpoint/2010/main" val="1582163465"/>
+      </p:ext>
+    </p:extLst>
+  </p:cSld>
+  <p:clrMapOvr>
+    <a:masterClrMapping/>
+  </p:clrMapOvr>
+</p:notes>
+</file>
+
 <file path=ppt/slideLayouts/slideLayout1.xml><?xml version="1.0" encoding="utf-8"?>
 <p:sldLayout xmlns:a="http://schemas.openxmlformats.org/drawingml/2006/main" xmlns:r="http://schemas.openxmlformats.org/officeDocument/2006/relationships" xmlns:p="http://schemas.openxmlformats.org/presentationml/2006/main" type="title" preserve="1">
   <p:cSld name="Title Slide">
@@ -723,7 +6314,7 @@
           <a:p>
             <a:fld id="{79C5A860-F335-4252-AA00-24FB67ED2982}" type="datetime1">
               <a:rPr lang="en-US" smtClean="0"/>
-              <a:t>8/19/2024</a:t>
+              <a:t>9/16/2024</a:t>
             </a:fld>
             <a:endParaRPr lang="en-US"/>
           </a:p>
@@ -922,7 +6513,7 @@
           <a:p>
             <a:fld id="{46AB1048-0047-48CA-88BA-D69B470942CF}" type="datetime1">
               <a:rPr lang="en-US" smtClean="0"/>
-              <a:t>8/19/2024</a:t>
+              <a:t>9/16/2024</a:t>
             </a:fld>
             <a:endParaRPr lang="en-US"/>
           </a:p>
@@ -1132,7 +6723,7 @@
           <a:p>
             <a:fld id="{5BD83879-648C-49A9-81A2-0EF5946532D0}" type="datetime1">
               <a:rPr lang="en-US" smtClean="0"/>
-              <a:t>8/19/2024</a:t>
+              <a:t>9/16/2024</a:t>
             </a:fld>
             <a:endParaRPr lang="en-US"/>
           </a:p>
@@ -1330,7 +6921,7 @@
           <a:p>
             <a:fld id="{D04BC802-30E3-4658-9CCA-F873646FEC67}" type="datetime1">
               <a:rPr lang="en-US" smtClean="0"/>
-              <a:t>8/19/2024</a:t>
+              <a:t>9/16/2024</a:t>
             </a:fld>
             <a:endParaRPr lang="en-US"/>
           </a:p>
@@ -1608,7 +7199,7 @@
           <a:p>
             <a:fld id="{0AB227A3-19CE-4153-81CE-64EB7AB094B3}" type="datetime1">
               <a:rPr lang="en-US" smtClean="0"/>
-              <a:t>8/19/2024</a:t>
+              <a:t>9/16/2024</a:t>
             </a:fld>
             <a:endParaRPr lang="en-US"/>
           </a:p>
@@ -1875,7 +7466,7 @@
           <a:p>
             <a:fld id="{B819A100-10F6-477E-8847-29D479EF1C92}" type="datetime1">
               <a:rPr lang="en-US" smtClean="0"/>
-              <a:t>8/19/2024</a:t>
+              <a:t>9/16/2024</a:t>
             </a:fld>
             <a:endParaRPr lang="en-US"/>
           </a:p>
@@ -2289,7 +7880,7 @@
           <a:p>
             <a:fld id="{5DF128AB-198A-495F-8475-FDB360C9873F}" type="datetime1">
               <a:rPr lang="en-US" smtClean="0"/>
-              <a:t>8/19/2024</a:t>
+              <a:t>9/16/2024</a:t>
             </a:fld>
             <a:endParaRPr lang="en-US"/>
           </a:p>
@@ -2430,7 +8021,7 @@
           <a:p>
             <a:fld id="{021A235E-F8FD-479F-9FC7-18BE84110877}" type="datetime1">
               <a:rPr lang="en-US" smtClean="0"/>
-              <a:t>8/19/2024</a:t>
+              <a:t>9/16/2024</a:t>
             </a:fld>
             <a:endParaRPr lang="en-US"/>
           </a:p>
@@ -2543,7 +8134,7 @@
           <a:p>
             <a:fld id="{E890F09B-68DA-462E-9DB4-4C9ADAB8CBCC}" type="datetime1">
               <a:rPr lang="en-US" smtClean="0"/>
-              <a:t>8/19/2024</a:t>
+              <a:t>9/16/2024</a:t>
             </a:fld>
             <a:endParaRPr lang="en-US"/>
           </a:p>
@@ -2862,7 +8453,7 @@
           <a:p>
             <a:fld id="{17AC4E36-FABE-47EB-AA7F-C19A93824617}" type="datetime1">
               <a:rPr lang="en-US" smtClean="0"/>
-              <a:t>8/19/2024</a:t>
+              <a:t>9/16/2024</a:t>
             </a:fld>
             <a:endParaRPr lang="en-US"/>
           </a:p>
@@ -3159,7 +8750,7 @@
           <a:p>
             <a:fld id="{F199CE6B-5DE6-4A2D-B72E-5E8969F9F56F}" type="datetime1">
               <a:rPr lang="en-US" smtClean="0"/>
-              <a:t>8/19/2024</a:t>
+              <a:t>9/16/2024</a:t>
             </a:fld>
             <a:endParaRPr lang="en-US"/>
           </a:p>
@@ -4017,7 +9608,7 @@
           <a:p>
             <a:fld id="{F481A142-DA77-4A5F-AD1F-14E6C18F0F5F}" type="datetime1">
               <a:rPr lang="en-US" smtClean="0"/>
-              <a:t>8/19/2024</a:t>
+              <a:t>9/16/2024</a:t>
             </a:fld>
             <a:endParaRPr lang="en-US" dirty="0"/>
           </a:p>
@@ -4948,6 +10539,14 @@
 <file path=ppt/slides/slide2.xml><?xml version="1.0" encoding="utf-8"?>
 <p:sld xmlns:a="http://schemas.openxmlformats.org/drawingml/2006/main" xmlns:r="http://schemas.openxmlformats.org/officeDocument/2006/relationships" xmlns:p="http://schemas.openxmlformats.org/presentationml/2006/main">
   <p:cSld>
+    <p:bg>
+      <p:bgPr>
+        <a:solidFill>
+          <a:schemeClr val="bg2"/>
+        </a:solidFill>
+        <a:effectLst/>
+      </p:bgPr>
+    </p:bg>
     <p:spTree>
       <p:nvGrpSpPr>
         <p:cNvPr id="1" name=""/>
@@ -4962,6 +10561,131 @@
           <a:chExt cx="0" cy="0"/>
         </a:xfrm>
       </p:grpSpPr>
+      <p:sp useBgFill="1">
+        <p:nvSpPr>
+          <p:cNvPr id="9" name="Background Fill">
+            <a:extLst>
+              <a:ext uri="{FF2B5EF4-FFF2-40B4-BE49-F238E27FC236}">
+                <a16:creationId xmlns:a16="http://schemas.microsoft.com/office/drawing/2014/main" id="{B937640E-EF7A-4A6C-A950-D12B7D5C923E}"/>
+              </a:ext>
+              <a:ext uri="{C183D7F6-B498-43B3-948B-1728B52AA6E4}">
+                <adec:decorative xmlns:adec="http://schemas.microsoft.com/office/drawing/2017/decorative" val="1"/>
+              </a:ext>
+            </a:extLst>
+          </p:cNvPr>
+          <p:cNvSpPr>
+            <a:spLocks noGrp="1" noRot="1" noChangeAspect="1" noMove="1" noResize="1" noEditPoints="1" noAdjustHandles="1" noChangeArrowheads="1" noChangeShapeType="1" noTextEdit="1"/>
+          </p:cNvSpPr>
+          <p:nvPr>
+            <p:extLst>
+              <p:ext uri="{386F3935-93C4-4BCD-93E2-E3B085C9AB24}">
+                <p16:designElem xmlns:p16="http://schemas.microsoft.com/office/powerpoint/2015/main" val="1"/>
+              </p:ext>
+            </p:extLst>
+          </p:nvPr>
+        </p:nvSpPr>
+        <p:spPr>
+          <a:xfrm>
+            <a:off x="0" y="0"/>
+            <a:ext cx="12188952" cy="6858000"/>
+          </a:xfrm>
+          <a:prstGeom prst="rect">
+            <a:avLst/>
+          </a:prstGeom>
+          <a:ln>
+            <a:noFill/>
+          </a:ln>
+        </p:spPr>
+        <p:style>
+          <a:lnRef idx="2">
+            <a:schemeClr val="accent1">
+              <a:shade val="50000"/>
+            </a:schemeClr>
+          </a:lnRef>
+          <a:fillRef idx="1">
+            <a:schemeClr val="accent1"/>
+          </a:fillRef>
+          <a:effectRef idx="0">
+            <a:schemeClr val="accent1"/>
+          </a:effectRef>
+          <a:fontRef idx="minor">
+            <a:schemeClr val="lt1"/>
+          </a:fontRef>
+        </p:style>
+        <p:txBody>
+          <a:bodyPr rtlCol="0" anchor="ctr"/>
+          <a:lstStyle/>
+          <a:p>
+            <a:pPr algn="ctr"/>
+            <a:endParaRPr lang="en-US"/>
+          </a:p>
+        </p:txBody>
+      </p:sp>
+      <p:sp>
+        <p:nvSpPr>
+          <p:cNvPr id="11" name="Rectangle 10">
+            <a:extLst>
+              <a:ext uri="{FF2B5EF4-FFF2-40B4-BE49-F238E27FC236}">
+                <a16:creationId xmlns:a16="http://schemas.microsoft.com/office/drawing/2014/main" id="{FFF975DA-2F73-4697-B7A9-A2E834712394}"/>
+              </a:ext>
+              <a:ext uri="{C183D7F6-B498-43B3-948B-1728B52AA6E4}">
+                <adec:decorative xmlns:adec="http://schemas.microsoft.com/office/drawing/2017/decorative" val="1"/>
+              </a:ext>
+            </a:extLst>
+          </p:cNvPr>
+          <p:cNvSpPr>
+            <a:spLocks noGrp="1" noRot="1" noChangeAspect="1" noMove="1" noResize="1" noEditPoints="1" noAdjustHandles="1" noChangeArrowheads="1" noChangeShapeType="1" noTextEdit="1"/>
+          </p:cNvSpPr>
+          <p:nvPr>
+            <p:extLst>
+              <p:ext uri="{386F3935-93C4-4BCD-93E2-E3B085C9AB24}">
+                <p16:designElem xmlns:p16="http://schemas.microsoft.com/office/powerpoint/2015/main" val="1"/>
+              </p:ext>
+            </p:extLst>
+          </p:nvPr>
+        </p:nvSpPr>
+        <p:spPr>
+          <a:xfrm>
+            <a:off x="0" y="0"/>
+            <a:ext cx="12192001" cy="6858000"/>
+          </a:xfrm>
+          <a:prstGeom prst="rect">
+            <a:avLst/>
+          </a:prstGeom>
+          <a:solidFill>
+            <a:srgbClr val="AEAEAE">
+              <a:alpha val="10000"/>
+            </a:srgbClr>
+          </a:solidFill>
+          <a:ln>
+            <a:noFill/>
+          </a:ln>
+        </p:spPr>
+        <p:style>
+          <a:lnRef idx="2">
+            <a:schemeClr val="accent1">
+              <a:shade val="50000"/>
+            </a:schemeClr>
+          </a:lnRef>
+          <a:fillRef idx="1">
+            <a:schemeClr val="accent1"/>
+          </a:fillRef>
+          <a:effectRef idx="0">
+            <a:schemeClr val="accent1"/>
+          </a:effectRef>
+          <a:fontRef idx="minor">
+            <a:schemeClr val="lt1"/>
+          </a:fontRef>
+        </p:style>
+        <p:txBody>
+          <a:bodyPr rtlCol="0" anchor="ctr"/>
+          <a:lstStyle/>
+          <a:p>
+            <a:pPr algn="ctr"/>
+            <a:endParaRPr lang="en-US" dirty="0"/>
+          </a:p>
+        </p:txBody>
+      </p:sp>
       <p:sp>
         <p:nvSpPr>
           <p:cNvPr id="2" name="Title 1">
@@ -4978,9 +10702,16 @@
             <p:ph type="title"/>
           </p:nvPr>
         </p:nvSpPr>
-        <p:spPr/>
+        <p:spPr>
+          <a:xfrm>
+            <a:off x="609600" y="557784"/>
+            <a:ext cx="10972800" cy="1325563"/>
+          </a:xfrm>
+        </p:spPr>
         <p:txBody>
-          <a:bodyPr/>
+          <a:bodyPr>
+            <a:normAutofit/>
+          </a:bodyPr>
           <a:lstStyle/>
           <a:p>
             <a:r>
@@ -4990,49 +10721,37 @@
           </a:p>
         </p:txBody>
       </p:sp>
-      <p:sp>
-        <p:nvSpPr>
-          <p:cNvPr id="3" name="Content Placeholder 2">
+      <p:graphicFrame>
+        <p:nvGraphicFramePr>
+          <p:cNvPr id="6" name="Content Placeholder 2">
             <a:extLst>
               <a:ext uri="{FF2B5EF4-FFF2-40B4-BE49-F238E27FC236}">
-                <a16:creationId xmlns:a16="http://schemas.microsoft.com/office/drawing/2014/main" id="{0C766FFD-D966-868C-D429-353FAEA176B6}"/>
+                <a16:creationId xmlns:a16="http://schemas.microsoft.com/office/drawing/2014/main" id="{919F23D7-E512-4D43-D994-23561CEF69BA}"/>
               </a:ext>
             </a:extLst>
           </p:cNvPr>
-          <p:cNvSpPr>
-            <a:spLocks noGrp="1"/>
-          </p:cNvSpPr>
+          <p:cNvGraphicFramePr>
+            <a:graphicFrameLocks noGrp="1"/>
+          </p:cNvGraphicFramePr>
           <p:nvPr>
             <p:ph idx="1"/>
+            <p:extLst>
+              <p:ext uri="{D42A27DB-BD31-4B8C-83A1-F6EECF244321}">
+                <p14:modId xmlns:p14="http://schemas.microsoft.com/office/powerpoint/2010/main" val="313598768"/>
+              </p:ext>
+            </p:extLst>
           </p:nvPr>
-        </p:nvSpPr>
-        <p:spPr/>
-        <p:txBody>
-          <a:bodyPr/>
-          <a:lstStyle/>
-          <a:p>
-            <a:r>
-              <a:rPr lang="en-GB" b="0" dirty="0">
-                <a:effectLst/>
-                <a:latin typeface="Consolas" panose="020B0609020204030204" pitchFamily="49" charset="0"/>
-              </a:rPr>
-              <a:t>Space Mission: You have been tasked by the ESA (European Space Agency) to calculate key information for an upcoming space mission.</a:t>
-            </a:r>
-          </a:p>
-          <a:p>
-            <a:r>
-              <a:rPr lang="en-GB" b="0" dirty="0">
-                <a:effectLst/>
-                <a:latin typeface="Consolas" panose="020B0609020204030204" pitchFamily="49" charset="0"/>
-              </a:rPr>
-              <a:t>You will be assigned a target planet and will need to work in a group to successfully generate vital calculations for this mission.</a:t>
-            </a:r>
-          </a:p>
-          <a:p>
-            <a:endParaRPr lang="en-GB" dirty="0"/>
-          </a:p>
-        </p:txBody>
-      </p:sp>
+        </p:nvGraphicFramePr>
+        <p:xfrm>
+          <a:off x="609600" y="2106613"/>
+          <a:ext cx="10972800" cy="4035425"/>
+        </p:xfrm>
+        <a:graphic>
+          <a:graphicData uri="http://schemas.openxmlformats.org/drawingml/2006/diagram">
+            <dgm:relIds xmlns:dgm="http://schemas.openxmlformats.org/drawingml/2006/diagram" xmlns:r="http://schemas.openxmlformats.org/officeDocument/2006/relationships" r:dm="rId2" r:lo="rId3" r:qs="rId4" r:cs="rId5"/>
+          </a:graphicData>
+        </a:graphic>
+      </p:graphicFrame>
     </p:spTree>
     <p:extLst>
       <p:ext uri="{BB962C8B-B14F-4D97-AF65-F5344CB8AC3E}">
@@ -5049,6 +10768,14 @@
 <file path=ppt/slides/slide3.xml><?xml version="1.0" encoding="utf-8"?>
 <p:sld xmlns:a="http://schemas.openxmlformats.org/drawingml/2006/main" xmlns:r="http://schemas.openxmlformats.org/officeDocument/2006/relationships" xmlns:p="http://schemas.openxmlformats.org/presentationml/2006/main">
   <p:cSld>
+    <p:bg>
+      <p:bgPr>
+        <a:solidFill>
+          <a:schemeClr val="bg2"/>
+        </a:solidFill>
+        <a:effectLst/>
+      </p:bgPr>
+    </p:bg>
     <p:spTree>
       <p:nvGrpSpPr>
         <p:cNvPr id="1" name=""/>
@@ -5063,6 +10790,407 @@
           <a:chExt cx="0" cy="0"/>
         </a:xfrm>
       </p:grpSpPr>
+      <p:sp useBgFill="1">
+        <p:nvSpPr>
+          <p:cNvPr id="9" name="Background Fill">
+            <a:extLst>
+              <a:ext uri="{FF2B5EF4-FFF2-40B4-BE49-F238E27FC236}">
+                <a16:creationId xmlns:a16="http://schemas.microsoft.com/office/drawing/2014/main" id="{B937640E-EF7A-4A6C-A950-D12B7D5C923E}"/>
+              </a:ext>
+              <a:ext uri="{C183D7F6-B498-43B3-948B-1728B52AA6E4}">
+                <adec:decorative xmlns:adec="http://schemas.microsoft.com/office/drawing/2017/decorative" val="1"/>
+              </a:ext>
+            </a:extLst>
+          </p:cNvPr>
+          <p:cNvSpPr>
+            <a:spLocks noGrp="1" noRot="1" noChangeAspect="1" noMove="1" noResize="1" noEditPoints="1" noAdjustHandles="1" noChangeArrowheads="1" noChangeShapeType="1" noTextEdit="1"/>
+          </p:cNvSpPr>
+          <p:nvPr>
+            <p:extLst>
+              <p:ext uri="{386F3935-93C4-4BCD-93E2-E3B085C9AB24}">
+                <p16:designElem xmlns:p16="http://schemas.microsoft.com/office/powerpoint/2015/main" val="1"/>
+              </p:ext>
+            </p:extLst>
+          </p:nvPr>
+        </p:nvSpPr>
+        <p:spPr>
+          <a:xfrm>
+            <a:off x="0" y="0"/>
+            <a:ext cx="12188952" cy="6858000"/>
+          </a:xfrm>
+          <a:prstGeom prst="rect">
+            <a:avLst/>
+          </a:prstGeom>
+          <a:ln>
+            <a:noFill/>
+          </a:ln>
+        </p:spPr>
+        <p:style>
+          <a:lnRef idx="2">
+            <a:schemeClr val="accent1">
+              <a:shade val="50000"/>
+            </a:schemeClr>
+          </a:lnRef>
+          <a:fillRef idx="1">
+            <a:schemeClr val="accent1"/>
+          </a:fillRef>
+          <a:effectRef idx="0">
+            <a:schemeClr val="accent1"/>
+          </a:effectRef>
+          <a:fontRef idx="minor">
+            <a:schemeClr val="lt1"/>
+          </a:fontRef>
+        </p:style>
+        <p:txBody>
+          <a:bodyPr rtlCol="0" anchor="ctr"/>
+          <a:lstStyle/>
+          <a:p>
+            <a:pPr algn="ctr"/>
+            <a:endParaRPr lang="en-US"/>
+          </a:p>
+        </p:txBody>
+      </p:sp>
+      <p:sp>
+        <p:nvSpPr>
+          <p:cNvPr id="11" name="Rectangle 10">
+            <a:extLst>
+              <a:ext uri="{FF2B5EF4-FFF2-40B4-BE49-F238E27FC236}">
+                <a16:creationId xmlns:a16="http://schemas.microsoft.com/office/drawing/2014/main" id="{6A13B2A7-A44E-4940-9367-4788F2807FB5}"/>
+              </a:ext>
+              <a:ext uri="{C183D7F6-B498-43B3-948B-1728B52AA6E4}">
+                <adec:decorative xmlns:adec="http://schemas.microsoft.com/office/drawing/2017/decorative" val="1"/>
+              </a:ext>
+            </a:extLst>
+          </p:cNvPr>
+          <p:cNvSpPr>
+            <a:spLocks noGrp="1" noRot="1" noChangeAspect="1" noMove="1" noResize="1" noEditPoints="1" noAdjustHandles="1" noChangeArrowheads="1" noChangeShapeType="1" noTextEdit="1"/>
+          </p:cNvSpPr>
+          <p:nvPr>
+            <p:extLst>
+              <p:ext uri="{386F3935-93C4-4BCD-93E2-E3B085C9AB24}">
+                <p16:designElem xmlns:p16="http://schemas.microsoft.com/office/powerpoint/2015/main" val="1"/>
+              </p:ext>
+            </p:extLst>
+          </p:nvPr>
+        </p:nvSpPr>
+        <p:spPr>
+          <a:xfrm>
+            <a:off x="0" y="0"/>
+            <a:ext cx="12192001" cy="6858000"/>
+          </a:xfrm>
+          <a:prstGeom prst="rect">
+            <a:avLst/>
+          </a:prstGeom>
+          <a:solidFill>
+            <a:srgbClr val="AEAEAE">
+              <a:alpha val="10000"/>
+            </a:srgbClr>
+          </a:solidFill>
+          <a:ln>
+            <a:noFill/>
+          </a:ln>
+        </p:spPr>
+        <p:style>
+          <a:lnRef idx="2">
+            <a:schemeClr val="accent1">
+              <a:shade val="50000"/>
+            </a:schemeClr>
+          </a:lnRef>
+          <a:fillRef idx="1">
+            <a:schemeClr val="accent1"/>
+          </a:fillRef>
+          <a:effectRef idx="0">
+            <a:schemeClr val="accent1"/>
+          </a:effectRef>
+          <a:fontRef idx="minor">
+            <a:schemeClr val="lt1"/>
+          </a:fontRef>
+        </p:style>
+        <p:txBody>
+          <a:bodyPr rtlCol="0" anchor="ctr"/>
+          <a:lstStyle/>
+          <a:p>
+            <a:pPr algn="ctr"/>
+            <a:endParaRPr lang="en-US" dirty="0"/>
+          </a:p>
+        </p:txBody>
+      </p:sp>
+      <p:sp>
+        <p:nvSpPr>
+          <p:cNvPr id="13" name="Freeform: Shape 12">
+            <a:extLst>
+              <a:ext uri="{FF2B5EF4-FFF2-40B4-BE49-F238E27FC236}">
+                <a16:creationId xmlns:a16="http://schemas.microsoft.com/office/drawing/2014/main" id="{ADBF9A7D-DF04-4422-981B-76DFC7208897}"/>
+              </a:ext>
+              <a:ext uri="{C183D7F6-B498-43B3-948B-1728B52AA6E4}">
+                <adec:decorative xmlns:adec="http://schemas.microsoft.com/office/drawing/2017/decorative" val="1"/>
+              </a:ext>
+            </a:extLst>
+          </p:cNvPr>
+          <p:cNvSpPr>
+            <a:spLocks noGrp="1" noRot="1" noChangeAspect="1" noMove="1" noResize="1" noEditPoints="1" noAdjustHandles="1" noChangeArrowheads="1" noChangeShapeType="1" noTextEdit="1"/>
+          </p:cNvSpPr>
+          <p:nvPr>
+            <p:extLst>
+              <p:ext uri="{386F3935-93C4-4BCD-93E2-E3B085C9AB24}">
+                <p16:designElem xmlns:p16="http://schemas.microsoft.com/office/powerpoint/2015/main" val="1"/>
+              </p:ext>
+            </p:extLst>
+          </p:nvPr>
+        </p:nvSpPr>
+        <p:spPr>
+          <a:xfrm flipH="1">
+            <a:off x="9759370" y="0"/>
+            <a:ext cx="2432630" cy="2848482"/>
+          </a:xfrm>
+          <a:custGeom>
+            <a:avLst/>
+            <a:gdLst>
+              <a:gd name="connsiteX0" fmla="*/ 1193013 w 2432630"/>
+              <a:gd name="connsiteY0" fmla="*/ 1609830 h 2848482"/>
+              <a:gd name="connsiteX1" fmla="*/ 1452520 w 2432630"/>
+              <a:gd name="connsiteY1" fmla="*/ 1771993 h 2848482"/>
+              <a:gd name="connsiteX2" fmla="*/ 1333256 w 2432630"/>
+              <a:gd name="connsiteY2" fmla="*/ 2217094 h 2848482"/>
+              <a:gd name="connsiteX3" fmla="*/ 888154 w 2432630"/>
+              <a:gd name="connsiteY3" fmla="*/ 2097829 h 2848482"/>
+              <a:gd name="connsiteX4" fmla="*/ 1007419 w 2432630"/>
+              <a:gd name="connsiteY4" fmla="*/ 1652728 h 2848482"/>
+              <a:gd name="connsiteX5" fmla="*/ 1193013 w 2432630"/>
+              <a:gd name="connsiteY5" fmla="*/ 1609830 h 2848482"/>
+              <a:gd name="connsiteX6" fmla="*/ 1721013 w 2432630"/>
+              <a:gd name="connsiteY6" fmla="*/ 1345937 h 2848482"/>
+              <a:gd name="connsiteX7" fmla="*/ 1880524 w 2432630"/>
+              <a:gd name="connsiteY7" fmla="*/ 1425334 h 2848482"/>
+              <a:gd name="connsiteX8" fmla="*/ 1821528 w 2432630"/>
+              <a:gd name="connsiteY8" fmla="*/ 1645511 h 2848482"/>
+              <a:gd name="connsiteX9" fmla="*/ 1601350 w 2432630"/>
+              <a:gd name="connsiteY9" fmla="*/ 1586514 h 2848482"/>
+              <a:gd name="connsiteX10" fmla="*/ 1660347 w 2432630"/>
+              <a:gd name="connsiteY10" fmla="*/ 1366337 h 2848482"/>
+              <a:gd name="connsiteX11" fmla="*/ 1721013 w 2432630"/>
+              <a:gd name="connsiteY11" fmla="*/ 1345937 h 2848482"/>
+              <a:gd name="connsiteX12" fmla="*/ 0 w 2432630"/>
+              <a:gd name="connsiteY12" fmla="*/ 0 h 2848482"/>
+              <a:gd name="connsiteX13" fmla="*/ 2420476 w 2432630"/>
+              <a:gd name="connsiteY13" fmla="*/ 0 h 2848482"/>
+              <a:gd name="connsiteX14" fmla="*/ 2431096 w 2432630"/>
+              <a:gd name="connsiteY14" fmla="*/ 94052 h 2848482"/>
+              <a:gd name="connsiteX15" fmla="*/ 2426545 w 2432630"/>
+              <a:gd name="connsiteY15" fmla="*/ 261706 h 2848482"/>
+              <a:gd name="connsiteX16" fmla="*/ 1347411 w 2432630"/>
+              <a:gd name="connsiteY16" fmla="*/ 1289202 h 2848482"/>
+              <a:gd name="connsiteX17" fmla="*/ 678423 w 2432630"/>
+              <a:gd name="connsiteY17" fmla="*/ 1606118 h 2848482"/>
+              <a:gd name="connsiteX18" fmla="*/ 284014 w 2432630"/>
+              <a:gd name="connsiteY18" fmla="*/ 2398976 h 2848482"/>
+              <a:gd name="connsiteX19" fmla="*/ 97407 w 2432630"/>
+              <a:gd name="connsiteY19" fmla="*/ 2742323 h 2848482"/>
+              <a:gd name="connsiteX20" fmla="*/ 0 w 2432630"/>
+              <a:gd name="connsiteY20" fmla="*/ 2848482 h 2848482"/>
+            </a:gdLst>
+            <a:ahLst/>
+            <a:cxnLst>
+              <a:cxn ang="0">
+                <a:pos x="connsiteX0" y="connsiteY0"/>
+              </a:cxn>
+              <a:cxn ang="0">
+                <a:pos x="connsiteX1" y="connsiteY1"/>
+              </a:cxn>
+              <a:cxn ang="0">
+                <a:pos x="connsiteX2" y="connsiteY2"/>
+              </a:cxn>
+              <a:cxn ang="0">
+                <a:pos x="connsiteX3" y="connsiteY3"/>
+              </a:cxn>
+              <a:cxn ang="0">
+                <a:pos x="connsiteX4" y="connsiteY4"/>
+              </a:cxn>
+              <a:cxn ang="0">
+                <a:pos x="connsiteX5" y="connsiteY5"/>
+              </a:cxn>
+              <a:cxn ang="0">
+                <a:pos x="connsiteX6" y="connsiteY6"/>
+              </a:cxn>
+              <a:cxn ang="0">
+                <a:pos x="connsiteX7" y="connsiteY7"/>
+              </a:cxn>
+              <a:cxn ang="0">
+                <a:pos x="connsiteX8" y="connsiteY8"/>
+              </a:cxn>
+              <a:cxn ang="0">
+                <a:pos x="connsiteX9" y="connsiteY9"/>
+              </a:cxn>
+              <a:cxn ang="0">
+                <a:pos x="connsiteX10" y="connsiteY10"/>
+              </a:cxn>
+              <a:cxn ang="0">
+                <a:pos x="connsiteX11" y="connsiteY11"/>
+              </a:cxn>
+              <a:cxn ang="0">
+                <a:pos x="connsiteX12" y="connsiteY12"/>
+              </a:cxn>
+              <a:cxn ang="0">
+                <a:pos x="connsiteX13" y="connsiteY13"/>
+              </a:cxn>
+              <a:cxn ang="0">
+                <a:pos x="connsiteX14" y="connsiteY14"/>
+              </a:cxn>
+              <a:cxn ang="0">
+                <a:pos x="connsiteX15" y="connsiteY15"/>
+              </a:cxn>
+              <a:cxn ang="0">
+                <a:pos x="connsiteX16" y="connsiteY16"/>
+              </a:cxn>
+              <a:cxn ang="0">
+                <a:pos x="connsiteX17" y="connsiteY17"/>
+              </a:cxn>
+              <a:cxn ang="0">
+                <a:pos x="connsiteX18" y="connsiteY18"/>
+              </a:cxn>
+              <a:cxn ang="0">
+                <a:pos x="connsiteX19" y="connsiteY19"/>
+              </a:cxn>
+              <a:cxn ang="0">
+                <a:pos x="connsiteX20" y="connsiteY20"/>
+              </a:cxn>
+            </a:cxnLst>
+            <a:rect l="l" t="t" r="r" b="b"/>
+            <a:pathLst>
+              <a:path w="2432630" h="2848482">
+                <a:moveTo>
+                  <a:pt x="1193013" y="1609830"/>
+                </a:moveTo>
+                <a:cubicBezTo>
+                  <a:pt x="1297352" y="1617205"/>
+                  <a:pt x="1396284" y="1674588"/>
+                  <a:pt x="1452520" y="1771993"/>
+                </a:cubicBezTo>
+                <a:cubicBezTo>
+                  <a:pt x="1542498" y="1927838"/>
+                  <a:pt x="1489101" y="2127117"/>
+                  <a:pt x="1333256" y="2217094"/>
+                </a:cubicBezTo>
+                <a:cubicBezTo>
+                  <a:pt x="1177410" y="2307071"/>
+                  <a:pt x="978131" y="2253675"/>
+                  <a:pt x="888154" y="2097829"/>
+                </a:cubicBezTo>
+                <a:cubicBezTo>
+                  <a:pt x="798176" y="1941984"/>
+                  <a:pt x="851572" y="1742705"/>
+                  <a:pt x="1007419" y="1652728"/>
+                </a:cubicBezTo>
+                <a:cubicBezTo>
+                  <a:pt x="1065861" y="1618986"/>
+                  <a:pt x="1130410" y="1605406"/>
+                  <a:pt x="1193013" y="1609830"/>
+                </a:cubicBezTo>
+                <a:close/>
+                <a:moveTo>
+                  <a:pt x="1721013" y="1345937"/>
+                </a:moveTo>
+                <a:cubicBezTo>
+                  <a:pt x="1783347" y="1338202"/>
+                  <a:pt x="1847142" y="1367515"/>
+                  <a:pt x="1880524" y="1425334"/>
+                </a:cubicBezTo>
+                <a:cubicBezTo>
+                  <a:pt x="1925033" y="1502425"/>
+                  <a:pt x="1898619" y="1601002"/>
+                  <a:pt x="1821528" y="1645511"/>
+                </a:cubicBezTo>
+                <a:cubicBezTo>
+                  <a:pt x="1744436" y="1690020"/>
+                  <a:pt x="1645859" y="1663606"/>
+                  <a:pt x="1601350" y="1586514"/>
+                </a:cubicBezTo>
+                <a:cubicBezTo>
+                  <a:pt x="1556841" y="1509423"/>
+                  <a:pt x="1583254" y="1410846"/>
+                  <a:pt x="1660347" y="1366337"/>
+                </a:cubicBezTo>
+                <a:cubicBezTo>
+                  <a:pt x="1679620" y="1355210"/>
+                  <a:pt x="1700235" y="1348515"/>
+                  <a:pt x="1721013" y="1345937"/>
+                </a:cubicBezTo>
+                <a:close/>
+                <a:moveTo>
+                  <a:pt x="0" y="0"/>
+                </a:moveTo>
+                <a:lnTo>
+                  <a:pt x="2420476" y="0"/>
+                </a:lnTo>
+                <a:lnTo>
+                  <a:pt x="2431096" y="94052"/>
+                </a:lnTo>
+                <a:cubicBezTo>
+                  <a:pt x="2434004" y="150699"/>
+                  <a:pt x="2432933" y="206775"/>
+                  <a:pt x="2426545" y="261706"/>
+                </a:cubicBezTo>
+                <a:cubicBezTo>
+                  <a:pt x="2360669" y="828256"/>
+                  <a:pt x="1972176" y="1172577"/>
+                  <a:pt x="1347411" y="1289202"/>
+                </a:cubicBezTo>
+                <a:cubicBezTo>
+                  <a:pt x="1096744" y="1336043"/>
+                  <a:pt x="825156" y="1376752"/>
+                  <a:pt x="678423" y="1606118"/>
+                </a:cubicBezTo>
+                <a:cubicBezTo>
+                  <a:pt x="520257" y="1853673"/>
+                  <a:pt x="394149" y="2125038"/>
+                  <a:pt x="284014" y="2398976"/>
+                </a:cubicBezTo>
+                <a:cubicBezTo>
+                  <a:pt x="233465" y="2524954"/>
+                  <a:pt x="173906" y="2641107"/>
+                  <a:pt x="97407" y="2742323"/>
+                </a:cubicBezTo>
+                <a:lnTo>
+                  <a:pt x="0" y="2848482"/>
+                </a:lnTo>
+                <a:close/>
+              </a:path>
+            </a:pathLst>
+          </a:custGeom>
+          <a:solidFill>
+            <a:schemeClr val="bg1"/>
+          </a:solidFill>
+          <a:ln>
+            <a:noFill/>
+          </a:ln>
+        </p:spPr>
+        <p:style>
+          <a:lnRef idx="2">
+            <a:schemeClr val="accent1">
+              <a:shade val="50000"/>
+            </a:schemeClr>
+          </a:lnRef>
+          <a:fillRef idx="1">
+            <a:schemeClr val="accent1"/>
+          </a:fillRef>
+          <a:effectRef idx="0">
+            <a:schemeClr val="accent1"/>
+          </a:effectRef>
+          <a:fontRef idx="minor">
+            <a:schemeClr val="lt1"/>
+          </a:fontRef>
+        </p:style>
+        <p:txBody>
+          <a:bodyPr wrap="square" rtlCol="0" anchor="ctr">
+            <a:noAutofit/>
+          </a:bodyPr>
+          <a:lstStyle/>
+          <a:p>
+            <a:pPr algn="ctr"/>
+            <a:endParaRPr lang="en-US"/>
+          </a:p>
+        </p:txBody>
+      </p:sp>
       <p:sp>
         <p:nvSpPr>
           <p:cNvPr id="2" name="Title 1">
@@ -5079,9 +11207,16 @@
             <p:ph type="title"/>
           </p:nvPr>
         </p:nvSpPr>
-        <p:spPr/>
+        <p:spPr>
+          <a:xfrm>
+            <a:off x="609600" y="557784"/>
+            <a:ext cx="10972800" cy="1325563"/>
+          </a:xfrm>
+        </p:spPr>
         <p:txBody>
-          <a:bodyPr/>
+          <a:bodyPr>
+            <a:normAutofit/>
+          </a:bodyPr>
           <a:lstStyle/>
           <a:p>
             <a:r>
@@ -5091,77 +11226,37 @@
           </a:p>
         </p:txBody>
       </p:sp>
-      <p:sp>
-        <p:nvSpPr>
-          <p:cNvPr id="3" name="Content Placeholder 2">
+      <p:graphicFrame>
+        <p:nvGraphicFramePr>
+          <p:cNvPr id="5" name="Content Placeholder 2">
             <a:extLst>
               <a:ext uri="{FF2B5EF4-FFF2-40B4-BE49-F238E27FC236}">
-                <a16:creationId xmlns:a16="http://schemas.microsoft.com/office/drawing/2014/main" id="{B2F07A9B-0038-234A-5409-E1F8FEDEC463}"/>
+                <a16:creationId xmlns:a16="http://schemas.microsoft.com/office/drawing/2014/main" id="{504C307E-D08B-7561-B14A-A4BE3B69E03E}"/>
               </a:ext>
             </a:extLst>
           </p:cNvPr>
-          <p:cNvSpPr>
-            <a:spLocks noGrp="1"/>
-          </p:cNvSpPr>
+          <p:cNvGraphicFramePr>
+            <a:graphicFrameLocks noGrp="1"/>
+          </p:cNvGraphicFramePr>
           <p:nvPr>
             <p:ph idx="1"/>
+            <p:extLst>
+              <p:ext uri="{D42A27DB-BD31-4B8C-83A1-F6EECF244321}">
+                <p14:modId xmlns:p14="http://schemas.microsoft.com/office/powerpoint/2010/main" val="2676765641"/>
+              </p:ext>
+            </p:extLst>
           </p:nvPr>
-        </p:nvSpPr>
-        <p:spPr/>
-        <p:txBody>
-          <a:bodyPr/>
-          <a:lstStyle/>
-          <a:p>
-            <a:r>
-              <a:rPr lang="en-GB" dirty="0"/>
-              <a:t>Discover the Gravity on </a:t>
-            </a:r>
-          </a:p>
-          <a:p>
-            <a:pPr marL="342900" indent="-342900">
-              <a:buFontTx/>
-              <a:buChar char="-"/>
-            </a:pPr>
-            <a:r>
-              <a:rPr lang="en-GB" dirty="0"/>
-              <a:t>Earth</a:t>
-            </a:r>
-          </a:p>
-          <a:p>
-            <a:pPr marL="342900" indent="-342900">
-              <a:buFontTx/>
-              <a:buChar char="-"/>
-            </a:pPr>
-            <a:r>
-              <a:rPr lang="en-GB" dirty="0"/>
-              <a:t>Space</a:t>
-            </a:r>
-          </a:p>
-          <a:p>
-            <a:pPr marL="342900" indent="-342900">
-              <a:buFontTx/>
-              <a:buChar char="-"/>
-            </a:pPr>
-            <a:r>
-              <a:rPr lang="en-GB" dirty="0"/>
-              <a:t>Destination Planet</a:t>
-            </a:r>
-          </a:p>
-          <a:p>
-            <a:pPr marL="342900" indent="-342900">
-              <a:buFontTx/>
-              <a:buChar char="-"/>
-            </a:pPr>
-            <a:endParaRPr lang="en-GB" dirty="0"/>
-          </a:p>
-          <a:p>
-            <a:r>
-              <a:rPr lang="en-GB" dirty="0"/>
-              <a:t>Why do we need to know each places gravity?</a:t>
-            </a:r>
-          </a:p>
-        </p:txBody>
-      </p:sp>
+        </p:nvGraphicFramePr>
+        <p:xfrm>
+          <a:off x="609600" y="2106613"/>
+          <a:ext cx="10972800" cy="4035425"/>
+        </p:xfrm>
+        <a:graphic>
+          <a:graphicData uri="http://schemas.openxmlformats.org/drawingml/2006/diagram">
+            <dgm:relIds xmlns:dgm="http://schemas.openxmlformats.org/drawingml/2006/diagram" xmlns:r="http://schemas.openxmlformats.org/officeDocument/2006/relationships" r:dm="rId2" r:lo="rId3" r:qs="rId4" r:cs="rId5"/>
+          </a:graphicData>
+        </a:graphic>
+      </p:graphicFrame>
     </p:spTree>
     <p:extLst>
       <p:ext uri="{BB962C8B-B14F-4D97-AF65-F5344CB8AC3E}">
@@ -5178,6 +11273,14 @@
 <file path=ppt/slides/slide4.xml><?xml version="1.0" encoding="utf-8"?>
 <p:sld xmlns:a="http://schemas.openxmlformats.org/drawingml/2006/main" xmlns:r="http://schemas.openxmlformats.org/officeDocument/2006/relationships" xmlns:p="http://schemas.openxmlformats.org/presentationml/2006/main">
   <p:cSld>
+    <p:bg>
+      <p:bgPr>
+        <a:solidFill>
+          <a:schemeClr val="bg2"/>
+        </a:solidFill>
+        <a:effectLst/>
+      </p:bgPr>
+    </p:bg>
     <p:spTree>
       <p:nvGrpSpPr>
         <p:cNvPr id="1" name=""/>
@@ -5192,6 +11295,225 @@
           <a:chExt cx="0" cy="0"/>
         </a:xfrm>
       </p:grpSpPr>
+      <p:sp useBgFill="1">
+        <p:nvSpPr>
+          <p:cNvPr id="9" name="Background Fill">
+            <a:extLst>
+              <a:ext uri="{FF2B5EF4-FFF2-40B4-BE49-F238E27FC236}">
+                <a16:creationId xmlns:a16="http://schemas.microsoft.com/office/drawing/2014/main" id="{B937640E-EF7A-4A6C-A950-D12B7D5C923E}"/>
+              </a:ext>
+              <a:ext uri="{C183D7F6-B498-43B3-948B-1728B52AA6E4}">
+                <adec:decorative xmlns:adec="http://schemas.microsoft.com/office/drawing/2017/decorative" val="1"/>
+              </a:ext>
+            </a:extLst>
+          </p:cNvPr>
+          <p:cNvSpPr>
+            <a:spLocks noGrp="1" noRot="1" noChangeAspect="1" noMove="1" noResize="1" noEditPoints="1" noAdjustHandles="1" noChangeArrowheads="1" noChangeShapeType="1" noTextEdit="1"/>
+          </p:cNvSpPr>
+          <p:nvPr>
+            <p:extLst>
+              <p:ext uri="{386F3935-93C4-4BCD-93E2-E3B085C9AB24}">
+                <p16:designElem xmlns:p16="http://schemas.microsoft.com/office/powerpoint/2015/main" val="1"/>
+              </p:ext>
+            </p:extLst>
+          </p:nvPr>
+        </p:nvSpPr>
+        <p:spPr>
+          <a:xfrm>
+            <a:off x="0" y="0"/>
+            <a:ext cx="12188952" cy="6858000"/>
+          </a:xfrm>
+          <a:prstGeom prst="rect">
+            <a:avLst/>
+          </a:prstGeom>
+          <a:ln>
+            <a:noFill/>
+          </a:ln>
+        </p:spPr>
+        <p:style>
+          <a:lnRef idx="2">
+            <a:schemeClr val="accent1">
+              <a:shade val="50000"/>
+            </a:schemeClr>
+          </a:lnRef>
+          <a:fillRef idx="1">
+            <a:schemeClr val="accent1"/>
+          </a:fillRef>
+          <a:effectRef idx="0">
+            <a:schemeClr val="accent1"/>
+          </a:effectRef>
+          <a:fontRef idx="minor">
+            <a:schemeClr val="lt1"/>
+          </a:fontRef>
+        </p:style>
+        <p:txBody>
+          <a:bodyPr rtlCol="0" anchor="ctr"/>
+          <a:lstStyle/>
+          <a:p>
+            <a:pPr algn="ctr"/>
+            <a:endParaRPr lang="en-US"/>
+          </a:p>
+        </p:txBody>
+      </p:sp>
+      <p:sp>
+        <p:nvSpPr>
+          <p:cNvPr id="11" name="Rectangle 10">
+            <a:extLst>
+              <a:ext uri="{FF2B5EF4-FFF2-40B4-BE49-F238E27FC236}">
+                <a16:creationId xmlns:a16="http://schemas.microsoft.com/office/drawing/2014/main" id="{76ADA084-C86B-4F3C-8077-6A8999CC4632}"/>
+              </a:ext>
+              <a:ext uri="{C183D7F6-B498-43B3-948B-1728B52AA6E4}">
+                <adec:decorative xmlns:adec="http://schemas.microsoft.com/office/drawing/2017/decorative" val="1"/>
+              </a:ext>
+            </a:extLst>
+          </p:cNvPr>
+          <p:cNvSpPr>
+            <a:spLocks noGrp="1" noRot="1" noChangeAspect="1" noMove="1" noResize="1" noEditPoints="1" noAdjustHandles="1" noChangeArrowheads="1" noChangeShapeType="1" noTextEdit="1"/>
+          </p:cNvSpPr>
+          <p:nvPr>
+            <p:extLst>
+              <p:ext uri="{386F3935-93C4-4BCD-93E2-E3B085C9AB24}">
+                <p16:designElem xmlns:p16="http://schemas.microsoft.com/office/powerpoint/2015/main" val="1"/>
+              </p:ext>
+            </p:extLst>
+          </p:nvPr>
+        </p:nvSpPr>
+        <p:spPr>
+          <a:xfrm>
+            <a:off x="0" y="0"/>
+            <a:ext cx="12192001" cy="6858000"/>
+          </a:xfrm>
+          <a:prstGeom prst="rect">
+            <a:avLst/>
+          </a:prstGeom>
+          <a:solidFill>
+            <a:srgbClr val="AEAEAE">
+              <a:alpha val="10000"/>
+            </a:srgbClr>
+          </a:solidFill>
+          <a:ln>
+            <a:noFill/>
+          </a:ln>
+        </p:spPr>
+        <p:style>
+          <a:lnRef idx="2">
+            <a:schemeClr val="accent1">
+              <a:shade val="50000"/>
+            </a:schemeClr>
+          </a:lnRef>
+          <a:fillRef idx="1">
+            <a:schemeClr val="accent1"/>
+          </a:fillRef>
+          <a:effectRef idx="0">
+            <a:schemeClr val="accent1"/>
+          </a:effectRef>
+          <a:fontRef idx="minor">
+            <a:schemeClr val="lt1"/>
+          </a:fontRef>
+        </p:style>
+        <p:txBody>
+          <a:bodyPr rtlCol="0" anchor="ctr"/>
+          <a:lstStyle>
+            <a:defPPr>
+              <a:defRPr lang="en-US"/>
+            </a:defPPr>
+            <a:lvl1pPr marL="0" algn="l" defTabSz="914400" rtl="0" eaLnBrk="1" latinLnBrk="0" hangingPunct="1">
+              <a:defRPr sz="1800" kern="1200">
+                <a:solidFill>
+                  <a:schemeClr val="lt1"/>
+                </a:solidFill>
+                <a:latin typeface="+mn-lt"/>
+                <a:ea typeface="+mn-ea"/>
+                <a:cs typeface="+mn-cs"/>
+              </a:defRPr>
+            </a:lvl1pPr>
+            <a:lvl2pPr marL="457200" algn="l" defTabSz="914400" rtl="0" eaLnBrk="1" latinLnBrk="0" hangingPunct="1">
+              <a:defRPr sz="1800" kern="1200">
+                <a:solidFill>
+                  <a:schemeClr val="lt1"/>
+                </a:solidFill>
+                <a:latin typeface="+mn-lt"/>
+                <a:ea typeface="+mn-ea"/>
+                <a:cs typeface="+mn-cs"/>
+              </a:defRPr>
+            </a:lvl2pPr>
+            <a:lvl3pPr marL="914400" algn="l" defTabSz="914400" rtl="0" eaLnBrk="1" latinLnBrk="0" hangingPunct="1">
+              <a:defRPr sz="1800" kern="1200">
+                <a:solidFill>
+                  <a:schemeClr val="lt1"/>
+                </a:solidFill>
+                <a:latin typeface="+mn-lt"/>
+                <a:ea typeface="+mn-ea"/>
+                <a:cs typeface="+mn-cs"/>
+              </a:defRPr>
+            </a:lvl3pPr>
+            <a:lvl4pPr marL="1371600" algn="l" defTabSz="914400" rtl="0" eaLnBrk="1" latinLnBrk="0" hangingPunct="1">
+              <a:defRPr sz="1800" kern="1200">
+                <a:solidFill>
+                  <a:schemeClr val="lt1"/>
+                </a:solidFill>
+                <a:latin typeface="+mn-lt"/>
+                <a:ea typeface="+mn-ea"/>
+                <a:cs typeface="+mn-cs"/>
+              </a:defRPr>
+            </a:lvl4pPr>
+            <a:lvl5pPr marL="1828800" algn="l" defTabSz="914400" rtl="0" eaLnBrk="1" latinLnBrk="0" hangingPunct="1">
+              <a:defRPr sz="1800" kern="1200">
+                <a:solidFill>
+                  <a:schemeClr val="lt1"/>
+                </a:solidFill>
+                <a:latin typeface="+mn-lt"/>
+                <a:ea typeface="+mn-ea"/>
+                <a:cs typeface="+mn-cs"/>
+              </a:defRPr>
+            </a:lvl5pPr>
+            <a:lvl6pPr marL="2286000" algn="l" defTabSz="914400" rtl="0" eaLnBrk="1" latinLnBrk="0" hangingPunct="1">
+              <a:defRPr sz="1800" kern="1200">
+                <a:solidFill>
+                  <a:schemeClr val="lt1"/>
+                </a:solidFill>
+                <a:latin typeface="+mn-lt"/>
+                <a:ea typeface="+mn-ea"/>
+                <a:cs typeface="+mn-cs"/>
+              </a:defRPr>
+            </a:lvl6pPr>
+            <a:lvl7pPr marL="2743200" algn="l" defTabSz="914400" rtl="0" eaLnBrk="1" latinLnBrk="0" hangingPunct="1">
+              <a:defRPr sz="1800" kern="1200">
+                <a:solidFill>
+                  <a:schemeClr val="lt1"/>
+                </a:solidFill>
+                <a:latin typeface="+mn-lt"/>
+                <a:ea typeface="+mn-ea"/>
+                <a:cs typeface="+mn-cs"/>
+              </a:defRPr>
+            </a:lvl7pPr>
+            <a:lvl8pPr marL="3200400" algn="l" defTabSz="914400" rtl="0" eaLnBrk="1" latinLnBrk="0" hangingPunct="1">
+              <a:defRPr sz="1800" kern="1200">
+                <a:solidFill>
+                  <a:schemeClr val="lt1"/>
+                </a:solidFill>
+                <a:latin typeface="+mn-lt"/>
+                <a:ea typeface="+mn-ea"/>
+                <a:cs typeface="+mn-cs"/>
+              </a:defRPr>
+            </a:lvl8pPr>
+            <a:lvl9pPr marL="3657600" algn="l" defTabSz="914400" rtl="0" eaLnBrk="1" latinLnBrk="0" hangingPunct="1">
+              <a:defRPr sz="1800" kern="1200">
+                <a:solidFill>
+                  <a:schemeClr val="lt1"/>
+                </a:solidFill>
+                <a:latin typeface="+mn-lt"/>
+                <a:ea typeface="+mn-ea"/>
+                <a:cs typeface="+mn-cs"/>
+              </a:defRPr>
+            </a:lvl9pPr>
+          </a:lstStyle>
+          <a:p>
+            <a:pPr algn="ctr"/>
+            <a:endParaRPr lang="en-US" dirty="0"/>
+          </a:p>
+        </p:txBody>
+      </p:sp>
       <p:sp>
         <p:nvSpPr>
           <p:cNvPr id="2" name="Title 1">
@@ -5208,15 +11530,193 @@
             <p:ph type="title"/>
           </p:nvPr>
         </p:nvSpPr>
-        <p:spPr/>
+        <p:spPr>
+          <a:xfrm>
+            <a:off x="6297494" y="552782"/>
+            <a:ext cx="5369169" cy="1619611"/>
+          </a:xfrm>
+        </p:spPr>
         <p:txBody>
-          <a:bodyPr/>
+          <a:bodyPr>
+            <a:normAutofit/>
+          </a:bodyPr>
           <a:lstStyle/>
           <a:p>
             <a:endParaRPr lang="en-GB"/>
           </a:p>
         </p:txBody>
       </p:sp>
+      <p:pic>
+        <p:nvPicPr>
+          <p:cNvPr id="5" name="Picture 4" descr="Kettlebells on the floor">
+            <a:extLst>
+              <a:ext uri="{FF2B5EF4-FFF2-40B4-BE49-F238E27FC236}">
+                <a16:creationId xmlns:a16="http://schemas.microsoft.com/office/drawing/2014/main" id="{BB0A1CC5-8682-9F21-96DB-AAFC66EFDA63}"/>
+              </a:ext>
+            </a:extLst>
+          </p:cNvPr>
+          <p:cNvPicPr>
+            <a:picLocks noChangeAspect="1"/>
+          </p:cNvPicPr>
+          <p:nvPr/>
+        </p:nvPicPr>
+        <p:blipFill>
+          <a:blip r:embed="rId3"/>
+          <a:srcRect l="43280" r="-1" b="-1"/>
+          <a:stretch/>
+        </p:blipFill>
+        <p:spPr>
+          <a:xfrm>
+            <a:off x="-52346" y="10"/>
+            <a:ext cx="5827552" cy="6857990"/>
+          </a:xfrm>
+          <a:custGeom>
+            <a:avLst/>
+            <a:gdLst/>
+            <a:ahLst/>
+            <a:cxnLst/>
+            <a:rect l="l" t="t" r="r" b="b"/>
+            <a:pathLst>
+              <a:path w="5827552" h="6858000">
+                <a:moveTo>
+                  <a:pt x="5436113" y="4232571"/>
+                </a:moveTo>
+                <a:cubicBezTo>
+                  <a:pt x="5625722" y="4232571"/>
+                  <a:pt x="5779430" y="4386279"/>
+                  <a:pt x="5779430" y="4575888"/>
+                </a:cubicBezTo>
+                <a:cubicBezTo>
+                  <a:pt x="5779430" y="4765497"/>
+                  <a:pt x="5625722" y="4919205"/>
+                  <a:pt x="5436113" y="4919205"/>
+                </a:cubicBezTo>
+                <a:cubicBezTo>
+                  <a:pt x="5246504" y="4919205"/>
+                  <a:pt x="5092796" y="4765497"/>
+                  <a:pt x="5092796" y="4575888"/>
+                </a:cubicBezTo>
+                <a:cubicBezTo>
+                  <a:pt x="5092796" y="4386279"/>
+                  <a:pt x="5246504" y="4232571"/>
+                  <a:pt x="5436113" y="4232571"/>
+                </a:cubicBezTo>
+                <a:close/>
+                <a:moveTo>
+                  <a:pt x="5580185" y="1806694"/>
+                </a:moveTo>
+                <a:cubicBezTo>
+                  <a:pt x="5699726" y="1806694"/>
+                  <a:pt x="5799461" y="1891487"/>
+                  <a:pt x="5822527" y="2004209"/>
+                </a:cubicBezTo>
+                <a:lnTo>
+                  <a:pt x="5827552" y="2054052"/>
+                </a:lnTo>
+                <a:lnTo>
+                  <a:pt x="5827552" y="2054073"/>
+                </a:lnTo>
+                <a:lnTo>
+                  <a:pt x="5822527" y="2103916"/>
+                </a:lnTo>
+                <a:cubicBezTo>
+                  <a:pt x="5799461" y="2216637"/>
+                  <a:pt x="5699726" y="2301430"/>
+                  <a:pt x="5580185" y="2301430"/>
+                </a:cubicBezTo>
+                <a:cubicBezTo>
+                  <a:pt x="5443567" y="2301430"/>
+                  <a:pt x="5332817" y="2190680"/>
+                  <a:pt x="5332817" y="2054062"/>
+                </a:cubicBezTo>
+                <a:cubicBezTo>
+                  <a:pt x="5332817" y="1917444"/>
+                  <a:pt x="5443567" y="1806694"/>
+                  <a:pt x="5580185" y="1806694"/>
+                </a:cubicBezTo>
+                <a:close/>
+                <a:moveTo>
+                  <a:pt x="5580184" y="1294715"/>
+                </a:moveTo>
+                <a:cubicBezTo>
+                  <a:pt x="5659753" y="1294715"/>
+                  <a:pt x="5724256" y="1359218"/>
+                  <a:pt x="5724256" y="1438787"/>
+                </a:cubicBezTo>
+                <a:cubicBezTo>
+                  <a:pt x="5724256" y="1518356"/>
+                  <a:pt x="5659753" y="1582859"/>
+                  <a:pt x="5580184" y="1582859"/>
+                </a:cubicBezTo>
+                <a:cubicBezTo>
+                  <a:pt x="5500615" y="1582859"/>
+                  <a:pt x="5436112" y="1518356"/>
+                  <a:pt x="5436112" y="1438787"/>
+                </a:cubicBezTo>
+                <a:cubicBezTo>
+                  <a:pt x="5436112" y="1359218"/>
+                  <a:pt x="5500615" y="1294715"/>
+                  <a:pt x="5580184" y="1294715"/>
+                </a:cubicBezTo>
+                <a:close/>
+                <a:moveTo>
+                  <a:pt x="0" y="0"/>
+                </a:moveTo>
+                <a:lnTo>
+                  <a:pt x="5346882" y="0"/>
+                </a:lnTo>
+                <a:lnTo>
+                  <a:pt x="5396357" y="64140"/>
+                </a:lnTo>
+                <a:cubicBezTo>
+                  <a:pt x="5509528" y="228632"/>
+                  <a:pt x="5577723" y="424885"/>
+                  <a:pt x="5582550" y="646882"/>
+                </a:cubicBezTo>
+                <a:cubicBezTo>
+                  <a:pt x="5608062" y="1102027"/>
+                  <a:pt x="5203194" y="1301070"/>
+                  <a:pt x="5151872" y="1809180"/>
+                </a:cubicBezTo>
+                <a:cubicBezTo>
+                  <a:pt x="5104686" y="2276432"/>
+                  <a:pt x="5496947" y="2514465"/>
+                  <a:pt x="5323965" y="3464278"/>
+                </a:cubicBezTo>
+                <a:cubicBezTo>
+                  <a:pt x="5211960" y="4079388"/>
+                  <a:pt x="4297510" y="4259025"/>
+                  <a:pt x="5513003" y="5720066"/>
+                </a:cubicBezTo>
+                <a:cubicBezTo>
+                  <a:pt x="5768583" y="6027176"/>
+                  <a:pt x="5791560" y="6490332"/>
+                  <a:pt x="5601722" y="6841105"/>
+                </a:cubicBezTo>
+                <a:lnTo>
+                  <a:pt x="5590822" y="6858000"/>
+                </a:lnTo>
+                <a:lnTo>
+                  <a:pt x="1735" y="6858000"/>
+                </a:lnTo>
+                <a:lnTo>
+                  <a:pt x="0" y="6858000"/>
+                </a:lnTo>
+                <a:lnTo>
+                  <a:pt x="0" y="6849812"/>
+                </a:lnTo>
+                <a:lnTo>
+                  <a:pt x="0" y="6483067"/>
+                </a:lnTo>
+                <a:lnTo>
+                  <a:pt x="0" y="1250146"/>
+                </a:lnTo>
+                <a:close/>
+              </a:path>
+            </a:pathLst>
+          </a:custGeom>
+        </p:spPr>
+      </p:pic>
       <p:sp>
         <p:nvSpPr>
           <p:cNvPr id="3" name="Content Placeholder 2">
@@ -5235,18 +11735,18 @@
         </p:nvSpPr>
         <p:spPr>
           <a:xfrm>
-            <a:off x="609600" y="2956387"/>
-            <a:ext cx="10972800" cy="4036534"/>
+            <a:off x="6298092" y="2391995"/>
+            <a:ext cx="5355276" cy="3174788"/>
           </a:xfrm>
         </p:spPr>
         <p:txBody>
-          <a:bodyPr>
+          <a:bodyPr anchor="t">
             <a:normAutofit/>
           </a:bodyPr>
           <a:lstStyle/>
           <a:p>
             <a:r>
-              <a:rPr lang="en-GB" sz="2400" b="0" dirty="0">
+              <a:rPr lang="en-GB" sz="3200" b="0" dirty="0">
                 <a:effectLst/>
                 <a:latin typeface="Consolas" panose="020B0609020204030204" pitchFamily="49" charset="0"/>
               </a:rPr>
@@ -5271,6 +11771,14 @@
 <file path=ppt/slides/slide5.xml><?xml version="1.0" encoding="utf-8"?>
 <p:sld xmlns:a="http://schemas.openxmlformats.org/drawingml/2006/main" xmlns:r="http://schemas.openxmlformats.org/officeDocument/2006/relationships" xmlns:p="http://schemas.openxmlformats.org/presentationml/2006/main">
   <p:cSld>
+    <p:bg>
+      <p:bgPr>
+        <a:solidFill>
+          <a:schemeClr val="bg2"/>
+        </a:solidFill>
+        <a:effectLst/>
+      </p:bgPr>
+    </p:bg>
     <p:spTree>
       <p:nvGrpSpPr>
         <p:cNvPr id="1" name=""/>
@@ -5285,6 +11793,225 @@
           <a:chExt cx="0" cy="0"/>
         </a:xfrm>
       </p:grpSpPr>
+      <p:sp useBgFill="1">
+        <p:nvSpPr>
+          <p:cNvPr id="9" name="Background Fill">
+            <a:extLst>
+              <a:ext uri="{FF2B5EF4-FFF2-40B4-BE49-F238E27FC236}">
+                <a16:creationId xmlns:a16="http://schemas.microsoft.com/office/drawing/2014/main" id="{B937640E-EF7A-4A6C-A950-D12B7D5C923E}"/>
+              </a:ext>
+              <a:ext uri="{C183D7F6-B498-43B3-948B-1728B52AA6E4}">
+                <adec:decorative xmlns:adec="http://schemas.microsoft.com/office/drawing/2017/decorative" val="1"/>
+              </a:ext>
+            </a:extLst>
+          </p:cNvPr>
+          <p:cNvSpPr>
+            <a:spLocks noGrp="1" noRot="1" noChangeAspect="1" noMove="1" noResize="1" noEditPoints="1" noAdjustHandles="1" noChangeArrowheads="1" noChangeShapeType="1" noTextEdit="1"/>
+          </p:cNvSpPr>
+          <p:nvPr>
+            <p:extLst>
+              <p:ext uri="{386F3935-93C4-4BCD-93E2-E3B085C9AB24}">
+                <p16:designElem xmlns:p16="http://schemas.microsoft.com/office/powerpoint/2015/main" val="1"/>
+              </p:ext>
+            </p:extLst>
+          </p:nvPr>
+        </p:nvSpPr>
+        <p:spPr>
+          <a:xfrm>
+            <a:off x="0" y="0"/>
+            <a:ext cx="12188952" cy="6858000"/>
+          </a:xfrm>
+          <a:prstGeom prst="rect">
+            <a:avLst/>
+          </a:prstGeom>
+          <a:ln>
+            <a:noFill/>
+          </a:ln>
+        </p:spPr>
+        <p:style>
+          <a:lnRef idx="2">
+            <a:schemeClr val="accent1">
+              <a:shade val="50000"/>
+            </a:schemeClr>
+          </a:lnRef>
+          <a:fillRef idx="1">
+            <a:schemeClr val="accent1"/>
+          </a:fillRef>
+          <a:effectRef idx="0">
+            <a:schemeClr val="accent1"/>
+          </a:effectRef>
+          <a:fontRef idx="minor">
+            <a:schemeClr val="lt1"/>
+          </a:fontRef>
+        </p:style>
+        <p:txBody>
+          <a:bodyPr rtlCol="0" anchor="ctr"/>
+          <a:lstStyle/>
+          <a:p>
+            <a:pPr algn="ctr"/>
+            <a:endParaRPr lang="en-US"/>
+          </a:p>
+        </p:txBody>
+      </p:sp>
+      <p:sp>
+        <p:nvSpPr>
+          <p:cNvPr id="11" name="Rectangle 10">
+            <a:extLst>
+              <a:ext uri="{FF2B5EF4-FFF2-40B4-BE49-F238E27FC236}">
+                <a16:creationId xmlns:a16="http://schemas.microsoft.com/office/drawing/2014/main" id="{76ADA084-C86B-4F3C-8077-6A8999CC4632}"/>
+              </a:ext>
+              <a:ext uri="{C183D7F6-B498-43B3-948B-1728B52AA6E4}">
+                <adec:decorative xmlns:adec="http://schemas.microsoft.com/office/drawing/2017/decorative" val="1"/>
+              </a:ext>
+            </a:extLst>
+          </p:cNvPr>
+          <p:cNvSpPr>
+            <a:spLocks noGrp="1" noRot="1" noChangeAspect="1" noMove="1" noResize="1" noEditPoints="1" noAdjustHandles="1" noChangeArrowheads="1" noChangeShapeType="1" noTextEdit="1"/>
+          </p:cNvSpPr>
+          <p:nvPr>
+            <p:extLst>
+              <p:ext uri="{386F3935-93C4-4BCD-93E2-E3B085C9AB24}">
+                <p16:designElem xmlns:p16="http://schemas.microsoft.com/office/powerpoint/2015/main" val="1"/>
+              </p:ext>
+            </p:extLst>
+          </p:nvPr>
+        </p:nvSpPr>
+        <p:spPr>
+          <a:xfrm>
+            <a:off x="0" y="0"/>
+            <a:ext cx="12192001" cy="6858000"/>
+          </a:xfrm>
+          <a:prstGeom prst="rect">
+            <a:avLst/>
+          </a:prstGeom>
+          <a:solidFill>
+            <a:srgbClr val="AEAEAE">
+              <a:alpha val="10000"/>
+            </a:srgbClr>
+          </a:solidFill>
+          <a:ln>
+            <a:noFill/>
+          </a:ln>
+        </p:spPr>
+        <p:style>
+          <a:lnRef idx="2">
+            <a:schemeClr val="accent1">
+              <a:shade val="50000"/>
+            </a:schemeClr>
+          </a:lnRef>
+          <a:fillRef idx="1">
+            <a:schemeClr val="accent1"/>
+          </a:fillRef>
+          <a:effectRef idx="0">
+            <a:schemeClr val="accent1"/>
+          </a:effectRef>
+          <a:fontRef idx="minor">
+            <a:schemeClr val="lt1"/>
+          </a:fontRef>
+        </p:style>
+        <p:txBody>
+          <a:bodyPr rtlCol="0" anchor="ctr"/>
+          <a:lstStyle>
+            <a:defPPr>
+              <a:defRPr lang="en-US"/>
+            </a:defPPr>
+            <a:lvl1pPr marL="0" algn="l" defTabSz="914400" rtl="0" eaLnBrk="1" latinLnBrk="0" hangingPunct="1">
+              <a:defRPr sz="1800" kern="1200">
+                <a:solidFill>
+                  <a:schemeClr val="lt1"/>
+                </a:solidFill>
+                <a:latin typeface="+mn-lt"/>
+                <a:ea typeface="+mn-ea"/>
+                <a:cs typeface="+mn-cs"/>
+              </a:defRPr>
+            </a:lvl1pPr>
+            <a:lvl2pPr marL="457200" algn="l" defTabSz="914400" rtl="0" eaLnBrk="1" latinLnBrk="0" hangingPunct="1">
+              <a:defRPr sz="1800" kern="1200">
+                <a:solidFill>
+                  <a:schemeClr val="lt1"/>
+                </a:solidFill>
+                <a:latin typeface="+mn-lt"/>
+                <a:ea typeface="+mn-ea"/>
+                <a:cs typeface="+mn-cs"/>
+              </a:defRPr>
+            </a:lvl2pPr>
+            <a:lvl3pPr marL="914400" algn="l" defTabSz="914400" rtl="0" eaLnBrk="1" latinLnBrk="0" hangingPunct="1">
+              <a:defRPr sz="1800" kern="1200">
+                <a:solidFill>
+                  <a:schemeClr val="lt1"/>
+                </a:solidFill>
+                <a:latin typeface="+mn-lt"/>
+                <a:ea typeface="+mn-ea"/>
+                <a:cs typeface="+mn-cs"/>
+              </a:defRPr>
+            </a:lvl3pPr>
+            <a:lvl4pPr marL="1371600" algn="l" defTabSz="914400" rtl="0" eaLnBrk="1" latinLnBrk="0" hangingPunct="1">
+              <a:defRPr sz="1800" kern="1200">
+                <a:solidFill>
+                  <a:schemeClr val="lt1"/>
+                </a:solidFill>
+                <a:latin typeface="+mn-lt"/>
+                <a:ea typeface="+mn-ea"/>
+                <a:cs typeface="+mn-cs"/>
+              </a:defRPr>
+            </a:lvl4pPr>
+            <a:lvl5pPr marL="1828800" algn="l" defTabSz="914400" rtl="0" eaLnBrk="1" latinLnBrk="0" hangingPunct="1">
+              <a:defRPr sz="1800" kern="1200">
+                <a:solidFill>
+                  <a:schemeClr val="lt1"/>
+                </a:solidFill>
+                <a:latin typeface="+mn-lt"/>
+                <a:ea typeface="+mn-ea"/>
+                <a:cs typeface="+mn-cs"/>
+              </a:defRPr>
+            </a:lvl5pPr>
+            <a:lvl6pPr marL="2286000" algn="l" defTabSz="914400" rtl="0" eaLnBrk="1" latinLnBrk="0" hangingPunct="1">
+              <a:defRPr sz="1800" kern="1200">
+                <a:solidFill>
+                  <a:schemeClr val="lt1"/>
+                </a:solidFill>
+                <a:latin typeface="+mn-lt"/>
+                <a:ea typeface="+mn-ea"/>
+                <a:cs typeface="+mn-cs"/>
+              </a:defRPr>
+            </a:lvl6pPr>
+            <a:lvl7pPr marL="2743200" algn="l" defTabSz="914400" rtl="0" eaLnBrk="1" latinLnBrk="0" hangingPunct="1">
+              <a:defRPr sz="1800" kern="1200">
+                <a:solidFill>
+                  <a:schemeClr val="lt1"/>
+                </a:solidFill>
+                <a:latin typeface="+mn-lt"/>
+                <a:ea typeface="+mn-ea"/>
+                <a:cs typeface="+mn-cs"/>
+              </a:defRPr>
+            </a:lvl7pPr>
+            <a:lvl8pPr marL="3200400" algn="l" defTabSz="914400" rtl="0" eaLnBrk="1" latinLnBrk="0" hangingPunct="1">
+              <a:defRPr sz="1800" kern="1200">
+                <a:solidFill>
+                  <a:schemeClr val="lt1"/>
+                </a:solidFill>
+                <a:latin typeface="+mn-lt"/>
+                <a:ea typeface="+mn-ea"/>
+                <a:cs typeface="+mn-cs"/>
+              </a:defRPr>
+            </a:lvl8pPr>
+            <a:lvl9pPr marL="3657600" algn="l" defTabSz="914400" rtl="0" eaLnBrk="1" latinLnBrk="0" hangingPunct="1">
+              <a:defRPr sz="1800" kern="1200">
+                <a:solidFill>
+                  <a:schemeClr val="lt1"/>
+                </a:solidFill>
+                <a:latin typeface="+mn-lt"/>
+                <a:ea typeface="+mn-ea"/>
+                <a:cs typeface="+mn-cs"/>
+              </a:defRPr>
+            </a:lvl9pPr>
+          </a:lstStyle>
+          <a:p>
+            <a:pPr algn="ctr"/>
+            <a:endParaRPr lang="en-US" dirty="0"/>
+          </a:p>
+        </p:txBody>
+      </p:sp>
       <p:sp>
         <p:nvSpPr>
           <p:cNvPr id="2" name="Title 1">
@@ -5301,9 +12028,16 @@
             <p:ph type="title"/>
           </p:nvPr>
         </p:nvSpPr>
-        <p:spPr/>
+        <p:spPr>
+          <a:xfrm>
+            <a:off x="609600" y="552782"/>
+            <a:ext cx="5369169" cy="1591902"/>
+          </a:xfrm>
+        </p:spPr>
         <p:txBody>
-          <a:bodyPr/>
+          <a:bodyPr>
+            <a:normAutofit/>
+          </a:bodyPr>
           <a:lstStyle/>
           <a:p>
             <a:r>
@@ -5329,72 +12063,244 @@
             <p:ph idx="1"/>
           </p:nvPr>
         </p:nvSpPr>
-        <p:spPr/>
+        <p:spPr>
+          <a:xfrm>
+            <a:off x="610197" y="2391994"/>
+            <a:ext cx="5589635" cy="4169579"/>
+          </a:xfrm>
+        </p:spPr>
         <p:txBody>
-          <a:bodyPr/>
+          <a:bodyPr anchor="t">
+            <a:normAutofit/>
+          </a:bodyPr>
           <a:lstStyle/>
           <a:p>
-            <a:endParaRPr lang="en-GB" dirty="0"/>
-          </a:p>
-          <a:p>
-            <a:r>
-              <a:rPr lang="en-GB" dirty="0"/>
-              <a:t>Fuel Remaining=Initial Fuel−(Burn Rate × Time)</a:t>
-            </a:r>
-          </a:p>
-          <a:p>
-            <a:r>
-              <a:rPr lang="en-GB" dirty="0"/>
-              <a:t>Where:</a:t>
-            </a:r>
-          </a:p>
-          <a:p>
             <a:pPr>
-              <a:buFont typeface="Arial" panose="020B0604020202020204" pitchFamily="34" charset="0"/>
-              <a:buChar char="•"/>
+              <a:lnSpc>
+                <a:spcPct val="100000"/>
+              </a:lnSpc>
+            </a:pPr>
+            <a:endParaRPr lang="en-GB" sz="1700" dirty="0"/>
+          </a:p>
+          <a:p>
+            <a:pPr>
+              <a:lnSpc>
+                <a:spcPct val="100000"/>
+              </a:lnSpc>
             </a:pPr>
             <a:r>
-              <a:rPr lang="en-GB" b="1" dirty="0"/>
+              <a:rPr lang="en-GB" sz="2200" dirty="0"/>
+              <a:t>Fuel Remaining=Initial Fuel−(Burn Rate × Time) </a:t>
+            </a:r>
+          </a:p>
+          <a:p>
+            <a:pPr>
+              <a:lnSpc>
+                <a:spcPct val="100000"/>
+              </a:lnSpc>
+            </a:pPr>
+            <a:r>
+              <a:rPr lang="en-GB" sz="2200" b="1" dirty="0"/>
               <a:t>Initial Fuel</a:t>
             </a:r>
             <a:r>
-              <a:rPr lang="en-GB" dirty="0"/>
+              <a:rPr lang="en-GB" sz="2200" dirty="0"/>
               <a:t> is the amount of fuel at the start of the mission (in kilograms).</a:t>
             </a:r>
           </a:p>
           <a:p>
             <a:pPr>
-              <a:buFont typeface="Arial" panose="020B0604020202020204" pitchFamily="34" charset="0"/>
-              <a:buChar char="•"/>
+              <a:lnSpc>
+                <a:spcPct val="100000"/>
+              </a:lnSpc>
             </a:pPr>
             <a:r>
-              <a:rPr lang="en-GB" b="1" dirty="0"/>
+              <a:rPr lang="en-GB" sz="2200" b="1" dirty="0"/>
               <a:t>Burn Rate</a:t>
             </a:r>
             <a:r>
-              <a:rPr lang="en-GB" dirty="0"/>
+              <a:rPr lang="en-GB" sz="2200" dirty="0"/>
               <a:t> is the rate at which fuel is consumed (in kilograms per second).</a:t>
             </a:r>
           </a:p>
           <a:p>
             <a:pPr>
-              <a:buFont typeface="Arial" panose="020B0604020202020204" pitchFamily="34" charset="0"/>
-              <a:buChar char="•"/>
+              <a:lnSpc>
+                <a:spcPct val="100000"/>
+              </a:lnSpc>
             </a:pPr>
             <a:r>
-              <a:rPr lang="en-GB" b="1" dirty="0"/>
+              <a:rPr lang="en-GB" sz="2200" b="1" dirty="0"/>
               <a:t>Time</a:t>
             </a:r>
             <a:r>
-              <a:rPr lang="en-GB" dirty="0"/>
+              <a:rPr lang="en-GB" sz="2200" dirty="0"/>
               <a:t> is the duration over which the fuel is consumed (in seconds).</a:t>
             </a:r>
           </a:p>
           <a:p>
-            <a:endParaRPr lang="en-GB" dirty="0"/>
+            <a:pPr>
+              <a:lnSpc>
+                <a:spcPct val="100000"/>
+              </a:lnSpc>
+            </a:pPr>
+            <a:endParaRPr lang="en-GB" sz="1700" dirty="0"/>
           </a:p>
         </p:txBody>
       </p:sp>
+      <p:pic>
+        <p:nvPicPr>
+          <p:cNvPr id="5" name="Picture 4">
+            <a:extLst>
+              <a:ext uri="{FF2B5EF4-FFF2-40B4-BE49-F238E27FC236}">
+                <a16:creationId xmlns:a16="http://schemas.microsoft.com/office/drawing/2014/main" id="{D8AD8CD6-0B47-7C3D-9769-7AFA03B4A6B3}"/>
+              </a:ext>
+            </a:extLst>
+          </p:cNvPr>
+          <p:cNvPicPr>
+            <a:picLocks noChangeAspect="1"/>
+          </p:cNvPicPr>
+          <p:nvPr/>
+        </p:nvPicPr>
+        <p:blipFill>
+          <a:blip r:embed="rId2"/>
+          <a:srcRect l="23085" r="29117"/>
+          <a:stretch/>
+        </p:blipFill>
+        <p:spPr>
+          <a:xfrm>
+            <a:off x="6364448" y="10"/>
+            <a:ext cx="5827552" cy="6857990"/>
+          </a:xfrm>
+          <a:custGeom>
+            <a:avLst/>
+            <a:gdLst/>
+            <a:ahLst/>
+            <a:cxnLst/>
+            <a:rect l="l" t="t" r="r" b="b"/>
+            <a:pathLst>
+              <a:path w="5827552" h="6858000">
+                <a:moveTo>
+                  <a:pt x="391440" y="4232571"/>
+                </a:moveTo>
+                <a:cubicBezTo>
+                  <a:pt x="581049" y="4232571"/>
+                  <a:pt x="734757" y="4386279"/>
+                  <a:pt x="734757" y="4575888"/>
+                </a:cubicBezTo>
+                <a:cubicBezTo>
+                  <a:pt x="734757" y="4765497"/>
+                  <a:pt x="581049" y="4919205"/>
+                  <a:pt x="391440" y="4919205"/>
+                </a:cubicBezTo>
+                <a:cubicBezTo>
+                  <a:pt x="201831" y="4919205"/>
+                  <a:pt x="48123" y="4765497"/>
+                  <a:pt x="48123" y="4575888"/>
+                </a:cubicBezTo>
+                <a:cubicBezTo>
+                  <a:pt x="48123" y="4386279"/>
+                  <a:pt x="201831" y="4232571"/>
+                  <a:pt x="391440" y="4232571"/>
+                </a:cubicBezTo>
+                <a:close/>
+                <a:moveTo>
+                  <a:pt x="247368" y="1806694"/>
+                </a:moveTo>
+                <a:cubicBezTo>
+                  <a:pt x="383986" y="1806694"/>
+                  <a:pt x="494736" y="1917444"/>
+                  <a:pt x="494736" y="2054062"/>
+                </a:cubicBezTo>
+                <a:cubicBezTo>
+                  <a:pt x="494736" y="2190680"/>
+                  <a:pt x="383986" y="2301430"/>
+                  <a:pt x="247368" y="2301430"/>
+                </a:cubicBezTo>
+                <a:cubicBezTo>
+                  <a:pt x="110750" y="2301430"/>
+                  <a:pt x="0" y="2190680"/>
+                  <a:pt x="0" y="2054062"/>
+                </a:cubicBezTo>
+                <a:cubicBezTo>
+                  <a:pt x="0" y="1917444"/>
+                  <a:pt x="110750" y="1806694"/>
+                  <a:pt x="247368" y="1806694"/>
+                </a:cubicBezTo>
+                <a:close/>
+                <a:moveTo>
+                  <a:pt x="247369" y="1294715"/>
+                </a:moveTo>
+                <a:cubicBezTo>
+                  <a:pt x="326938" y="1294715"/>
+                  <a:pt x="391441" y="1359218"/>
+                  <a:pt x="391441" y="1438787"/>
+                </a:cubicBezTo>
+                <a:cubicBezTo>
+                  <a:pt x="391441" y="1518356"/>
+                  <a:pt x="326938" y="1582859"/>
+                  <a:pt x="247369" y="1582859"/>
+                </a:cubicBezTo>
+                <a:cubicBezTo>
+                  <a:pt x="167800" y="1582859"/>
+                  <a:pt x="103297" y="1518356"/>
+                  <a:pt x="103297" y="1438787"/>
+                </a:cubicBezTo>
+                <a:cubicBezTo>
+                  <a:pt x="103297" y="1359218"/>
+                  <a:pt x="167800" y="1294715"/>
+                  <a:pt x="247369" y="1294715"/>
+                </a:cubicBezTo>
+                <a:close/>
+                <a:moveTo>
+                  <a:pt x="480671" y="0"/>
+                </a:moveTo>
+                <a:lnTo>
+                  <a:pt x="5827552" y="0"/>
+                </a:lnTo>
+                <a:lnTo>
+                  <a:pt x="5827552" y="6858000"/>
+                </a:lnTo>
+                <a:lnTo>
+                  <a:pt x="5825818" y="6858000"/>
+                </a:lnTo>
+                <a:lnTo>
+                  <a:pt x="236731" y="6858000"/>
+                </a:lnTo>
+                <a:lnTo>
+                  <a:pt x="225831" y="6841105"/>
+                </a:lnTo>
+                <a:cubicBezTo>
+                  <a:pt x="35993" y="6490332"/>
+                  <a:pt x="58970" y="6027176"/>
+                  <a:pt x="314550" y="5720066"/>
+                </a:cubicBezTo>
+                <a:cubicBezTo>
+                  <a:pt x="1530043" y="4259025"/>
+                  <a:pt x="615593" y="4079388"/>
+                  <a:pt x="503588" y="3464278"/>
+                </a:cubicBezTo>
+                <a:cubicBezTo>
+                  <a:pt x="330606" y="2514465"/>
+                  <a:pt x="722867" y="2276432"/>
+                  <a:pt x="675681" y="1809180"/>
+                </a:cubicBezTo>
+                <a:cubicBezTo>
+                  <a:pt x="624359" y="1301070"/>
+                  <a:pt x="219491" y="1102027"/>
+                  <a:pt x="245003" y="646882"/>
+                </a:cubicBezTo>
+                <a:cubicBezTo>
+                  <a:pt x="249830" y="424885"/>
+                  <a:pt x="318025" y="228632"/>
+                  <a:pt x="431196" y="64140"/>
+                </a:cubicBezTo>
+                <a:close/>
+              </a:path>
+            </a:pathLst>
+          </a:custGeom>
+        </p:spPr>
+      </p:pic>
     </p:spTree>
     <p:extLst>
       <p:ext uri="{BB962C8B-B14F-4D97-AF65-F5344CB8AC3E}">
@@ -5411,6 +12317,14 @@
 <file path=ppt/slides/slide6.xml><?xml version="1.0" encoding="utf-8"?>
 <p:sld xmlns:a="http://schemas.openxmlformats.org/drawingml/2006/main" xmlns:r="http://schemas.openxmlformats.org/officeDocument/2006/relationships" xmlns:p="http://schemas.openxmlformats.org/presentationml/2006/main">
   <p:cSld>
+    <p:bg>
+      <p:bgPr>
+        <a:solidFill>
+          <a:schemeClr val="bg2"/>
+        </a:solidFill>
+        <a:effectLst/>
+      </p:bgPr>
+    </p:bg>
     <p:spTree>
       <p:nvGrpSpPr>
         <p:cNvPr id="1" name=""/>
@@ -5425,6 +12339,225 @@
           <a:chExt cx="0" cy="0"/>
         </a:xfrm>
       </p:grpSpPr>
+      <p:sp useBgFill="1">
+        <p:nvSpPr>
+          <p:cNvPr id="9" name="Background Fill">
+            <a:extLst>
+              <a:ext uri="{FF2B5EF4-FFF2-40B4-BE49-F238E27FC236}">
+                <a16:creationId xmlns:a16="http://schemas.microsoft.com/office/drawing/2014/main" id="{B937640E-EF7A-4A6C-A950-D12B7D5C923E}"/>
+              </a:ext>
+              <a:ext uri="{C183D7F6-B498-43B3-948B-1728B52AA6E4}">
+                <adec:decorative xmlns:adec="http://schemas.microsoft.com/office/drawing/2017/decorative" val="1"/>
+              </a:ext>
+            </a:extLst>
+          </p:cNvPr>
+          <p:cNvSpPr>
+            <a:spLocks noGrp="1" noRot="1" noChangeAspect="1" noMove="1" noResize="1" noEditPoints="1" noAdjustHandles="1" noChangeArrowheads="1" noChangeShapeType="1" noTextEdit="1"/>
+          </p:cNvSpPr>
+          <p:nvPr>
+            <p:extLst>
+              <p:ext uri="{386F3935-93C4-4BCD-93E2-E3B085C9AB24}">
+                <p16:designElem xmlns:p16="http://schemas.microsoft.com/office/powerpoint/2015/main" val="1"/>
+              </p:ext>
+            </p:extLst>
+          </p:nvPr>
+        </p:nvSpPr>
+        <p:spPr>
+          <a:xfrm>
+            <a:off x="0" y="0"/>
+            <a:ext cx="12188952" cy="6858000"/>
+          </a:xfrm>
+          <a:prstGeom prst="rect">
+            <a:avLst/>
+          </a:prstGeom>
+          <a:ln>
+            <a:noFill/>
+          </a:ln>
+        </p:spPr>
+        <p:style>
+          <a:lnRef idx="2">
+            <a:schemeClr val="accent1">
+              <a:shade val="50000"/>
+            </a:schemeClr>
+          </a:lnRef>
+          <a:fillRef idx="1">
+            <a:schemeClr val="accent1"/>
+          </a:fillRef>
+          <a:effectRef idx="0">
+            <a:schemeClr val="accent1"/>
+          </a:effectRef>
+          <a:fontRef idx="minor">
+            <a:schemeClr val="lt1"/>
+          </a:fontRef>
+        </p:style>
+        <p:txBody>
+          <a:bodyPr rtlCol="0" anchor="ctr"/>
+          <a:lstStyle/>
+          <a:p>
+            <a:pPr algn="ctr"/>
+            <a:endParaRPr lang="en-US"/>
+          </a:p>
+        </p:txBody>
+      </p:sp>
+      <p:sp>
+        <p:nvSpPr>
+          <p:cNvPr id="11" name="Rectangle 10">
+            <a:extLst>
+              <a:ext uri="{FF2B5EF4-FFF2-40B4-BE49-F238E27FC236}">
+                <a16:creationId xmlns:a16="http://schemas.microsoft.com/office/drawing/2014/main" id="{76ADA084-C86B-4F3C-8077-6A8999CC4632}"/>
+              </a:ext>
+              <a:ext uri="{C183D7F6-B498-43B3-948B-1728B52AA6E4}">
+                <adec:decorative xmlns:adec="http://schemas.microsoft.com/office/drawing/2017/decorative" val="1"/>
+              </a:ext>
+            </a:extLst>
+          </p:cNvPr>
+          <p:cNvSpPr>
+            <a:spLocks noGrp="1" noRot="1" noChangeAspect="1" noMove="1" noResize="1" noEditPoints="1" noAdjustHandles="1" noChangeArrowheads="1" noChangeShapeType="1" noTextEdit="1"/>
+          </p:cNvSpPr>
+          <p:nvPr>
+            <p:extLst>
+              <p:ext uri="{386F3935-93C4-4BCD-93E2-E3B085C9AB24}">
+                <p16:designElem xmlns:p16="http://schemas.microsoft.com/office/powerpoint/2015/main" val="1"/>
+              </p:ext>
+            </p:extLst>
+          </p:nvPr>
+        </p:nvSpPr>
+        <p:spPr>
+          <a:xfrm>
+            <a:off x="0" y="0"/>
+            <a:ext cx="12192001" cy="6858000"/>
+          </a:xfrm>
+          <a:prstGeom prst="rect">
+            <a:avLst/>
+          </a:prstGeom>
+          <a:solidFill>
+            <a:srgbClr val="AEAEAE">
+              <a:alpha val="10000"/>
+            </a:srgbClr>
+          </a:solidFill>
+          <a:ln>
+            <a:noFill/>
+          </a:ln>
+        </p:spPr>
+        <p:style>
+          <a:lnRef idx="2">
+            <a:schemeClr val="accent1">
+              <a:shade val="50000"/>
+            </a:schemeClr>
+          </a:lnRef>
+          <a:fillRef idx="1">
+            <a:schemeClr val="accent1"/>
+          </a:fillRef>
+          <a:effectRef idx="0">
+            <a:schemeClr val="accent1"/>
+          </a:effectRef>
+          <a:fontRef idx="minor">
+            <a:schemeClr val="lt1"/>
+          </a:fontRef>
+        </p:style>
+        <p:txBody>
+          <a:bodyPr rtlCol="0" anchor="ctr"/>
+          <a:lstStyle>
+            <a:defPPr>
+              <a:defRPr lang="en-US"/>
+            </a:defPPr>
+            <a:lvl1pPr marL="0" algn="l" defTabSz="914400" rtl="0" eaLnBrk="1" latinLnBrk="0" hangingPunct="1">
+              <a:defRPr sz="1800" kern="1200">
+                <a:solidFill>
+                  <a:schemeClr val="lt1"/>
+                </a:solidFill>
+                <a:latin typeface="+mn-lt"/>
+                <a:ea typeface="+mn-ea"/>
+                <a:cs typeface="+mn-cs"/>
+              </a:defRPr>
+            </a:lvl1pPr>
+            <a:lvl2pPr marL="457200" algn="l" defTabSz="914400" rtl="0" eaLnBrk="1" latinLnBrk="0" hangingPunct="1">
+              <a:defRPr sz="1800" kern="1200">
+                <a:solidFill>
+                  <a:schemeClr val="lt1"/>
+                </a:solidFill>
+                <a:latin typeface="+mn-lt"/>
+                <a:ea typeface="+mn-ea"/>
+                <a:cs typeface="+mn-cs"/>
+              </a:defRPr>
+            </a:lvl2pPr>
+            <a:lvl3pPr marL="914400" algn="l" defTabSz="914400" rtl="0" eaLnBrk="1" latinLnBrk="0" hangingPunct="1">
+              <a:defRPr sz="1800" kern="1200">
+                <a:solidFill>
+                  <a:schemeClr val="lt1"/>
+                </a:solidFill>
+                <a:latin typeface="+mn-lt"/>
+                <a:ea typeface="+mn-ea"/>
+                <a:cs typeface="+mn-cs"/>
+              </a:defRPr>
+            </a:lvl3pPr>
+            <a:lvl4pPr marL="1371600" algn="l" defTabSz="914400" rtl="0" eaLnBrk="1" latinLnBrk="0" hangingPunct="1">
+              <a:defRPr sz="1800" kern="1200">
+                <a:solidFill>
+                  <a:schemeClr val="lt1"/>
+                </a:solidFill>
+                <a:latin typeface="+mn-lt"/>
+                <a:ea typeface="+mn-ea"/>
+                <a:cs typeface="+mn-cs"/>
+              </a:defRPr>
+            </a:lvl4pPr>
+            <a:lvl5pPr marL="1828800" algn="l" defTabSz="914400" rtl="0" eaLnBrk="1" latinLnBrk="0" hangingPunct="1">
+              <a:defRPr sz="1800" kern="1200">
+                <a:solidFill>
+                  <a:schemeClr val="lt1"/>
+                </a:solidFill>
+                <a:latin typeface="+mn-lt"/>
+                <a:ea typeface="+mn-ea"/>
+                <a:cs typeface="+mn-cs"/>
+              </a:defRPr>
+            </a:lvl5pPr>
+            <a:lvl6pPr marL="2286000" algn="l" defTabSz="914400" rtl="0" eaLnBrk="1" latinLnBrk="0" hangingPunct="1">
+              <a:defRPr sz="1800" kern="1200">
+                <a:solidFill>
+                  <a:schemeClr val="lt1"/>
+                </a:solidFill>
+                <a:latin typeface="+mn-lt"/>
+                <a:ea typeface="+mn-ea"/>
+                <a:cs typeface="+mn-cs"/>
+              </a:defRPr>
+            </a:lvl6pPr>
+            <a:lvl7pPr marL="2743200" algn="l" defTabSz="914400" rtl="0" eaLnBrk="1" latinLnBrk="0" hangingPunct="1">
+              <a:defRPr sz="1800" kern="1200">
+                <a:solidFill>
+                  <a:schemeClr val="lt1"/>
+                </a:solidFill>
+                <a:latin typeface="+mn-lt"/>
+                <a:ea typeface="+mn-ea"/>
+                <a:cs typeface="+mn-cs"/>
+              </a:defRPr>
+            </a:lvl7pPr>
+            <a:lvl8pPr marL="3200400" algn="l" defTabSz="914400" rtl="0" eaLnBrk="1" latinLnBrk="0" hangingPunct="1">
+              <a:defRPr sz="1800" kern="1200">
+                <a:solidFill>
+                  <a:schemeClr val="lt1"/>
+                </a:solidFill>
+                <a:latin typeface="+mn-lt"/>
+                <a:ea typeface="+mn-ea"/>
+                <a:cs typeface="+mn-cs"/>
+              </a:defRPr>
+            </a:lvl8pPr>
+            <a:lvl9pPr marL="3657600" algn="l" defTabSz="914400" rtl="0" eaLnBrk="1" latinLnBrk="0" hangingPunct="1">
+              <a:defRPr sz="1800" kern="1200">
+                <a:solidFill>
+                  <a:schemeClr val="lt1"/>
+                </a:solidFill>
+                <a:latin typeface="+mn-lt"/>
+                <a:ea typeface="+mn-ea"/>
+                <a:cs typeface="+mn-cs"/>
+              </a:defRPr>
+            </a:lvl9pPr>
+          </a:lstStyle>
+          <a:p>
+            <a:pPr algn="ctr"/>
+            <a:endParaRPr lang="en-US" dirty="0"/>
+          </a:p>
+        </p:txBody>
+      </p:sp>
       <p:sp>
         <p:nvSpPr>
           <p:cNvPr id="2" name="Title 1">
@@ -5441,15 +12574,193 @@
             <p:ph type="title"/>
           </p:nvPr>
         </p:nvSpPr>
-        <p:spPr/>
+        <p:spPr>
+          <a:xfrm>
+            <a:off x="6297494" y="552782"/>
+            <a:ext cx="5369169" cy="1619611"/>
+          </a:xfrm>
+        </p:spPr>
         <p:txBody>
-          <a:bodyPr/>
+          <a:bodyPr>
+            <a:normAutofit/>
+          </a:bodyPr>
           <a:lstStyle/>
           <a:p>
             <a:endParaRPr lang="en-GB"/>
           </a:p>
         </p:txBody>
       </p:sp>
+      <p:pic>
+        <p:nvPicPr>
+          <p:cNvPr id="5" name="Picture 4" descr="Rocket launch">
+            <a:extLst>
+              <a:ext uri="{FF2B5EF4-FFF2-40B4-BE49-F238E27FC236}">
+                <a16:creationId xmlns:a16="http://schemas.microsoft.com/office/drawing/2014/main" id="{A2526920-F0E6-9EE5-A1EB-BB82A3CC2641}"/>
+              </a:ext>
+            </a:extLst>
+          </p:cNvPr>
+          <p:cNvPicPr>
+            <a:picLocks noChangeAspect="1"/>
+          </p:cNvPicPr>
+          <p:nvPr/>
+        </p:nvPicPr>
+        <p:blipFill>
+          <a:blip r:embed="rId2"/>
+          <a:srcRect l="35332" r="7946" b="-1"/>
+          <a:stretch/>
+        </p:blipFill>
+        <p:spPr>
+          <a:xfrm>
+            <a:off x="-52346" y="10"/>
+            <a:ext cx="5827552" cy="6857990"/>
+          </a:xfrm>
+          <a:custGeom>
+            <a:avLst/>
+            <a:gdLst/>
+            <a:ahLst/>
+            <a:cxnLst/>
+            <a:rect l="l" t="t" r="r" b="b"/>
+            <a:pathLst>
+              <a:path w="5827552" h="6858000">
+                <a:moveTo>
+                  <a:pt x="5436113" y="4232571"/>
+                </a:moveTo>
+                <a:cubicBezTo>
+                  <a:pt x="5625722" y="4232571"/>
+                  <a:pt x="5779430" y="4386279"/>
+                  <a:pt x="5779430" y="4575888"/>
+                </a:cubicBezTo>
+                <a:cubicBezTo>
+                  <a:pt x="5779430" y="4765497"/>
+                  <a:pt x="5625722" y="4919205"/>
+                  <a:pt x="5436113" y="4919205"/>
+                </a:cubicBezTo>
+                <a:cubicBezTo>
+                  <a:pt x="5246504" y="4919205"/>
+                  <a:pt x="5092796" y="4765497"/>
+                  <a:pt x="5092796" y="4575888"/>
+                </a:cubicBezTo>
+                <a:cubicBezTo>
+                  <a:pt x="5092796" y="4386279"/>
+                  <a:pt x="5246504" y="4232571"/>
+                  <a:pt x="5436113" y="4232571"/>
+                </a:cubicBezTo>
+                <a:close/>
+                <a:moveTo>
+                  <a:pt x="5580185" y="1806694"/>
+                </a:moveTo>
+                <a:cubicBezTo>
+                  <a:pt x="5699726" y="1806694"/>
+                  <a:pt x="5799461" y="1891487"/>
+                  <a:pt x="5822527" y="2004209"/>
+                </a:cubicBezTo>
+                <a:lnTo>
+                  <a:pt x="5827552" y="2054052"/>
+                </a:lnTo>
+                <a:lnTo>
+                  <a:pt x="5827552" y="2054073"/>
+                </a:lnTo>
+                <a:lnTo>
+                  <a:pt x="5822527" y="2103916"/>
+                </a:lnTo>
+                <a:cubicBezTo>
+                  <a:pt x="5799461" y="2216637"/>
+                  <a:pt x="5699726" y="2301430"/>
+                  <a:pt x="5580185" y="2301430"/>
+                </a:cubicBezTo>
+                <a:cubicBezTo>
+                  <a:pt x="5443567" y="2301430"/>
+                  <a:pt x="5332817" y="2190680"/>
+                  <a:pt x="5332817" y="2054062"/>
+                </a:cubicBezTo>
+                <a:cubicBezTo>
+                  <a:pt x="5332817" y="1917444"/>
+                  <a:pt x="5443567" y="1806694"/>
+                  <a:pt x="5580185" y="1806694"/>
+                </a:cubicBezTo>
+                <a:close/>
+                <a:moveTo>
+                  <a:pt x="5580184" y="1294715"/>
+                </a:moveTo>
+                <a:cubicBezTo>
+                  <a:pt x="5659753" y="1294715"/>
+                  <a:pt x="5724256" y="1359218"/>
+                  <a:pt x="5724256" y="1438787"/>
+                </a:cubicBezTo>
+                <a:cubicBezTo>
+                  <a:pt x="5724256" y="1518356"/>
+                  <a:pt x="5659753" y="1582859"/>
+                  <a:pt x="5580184" y="1582859"/>
+                </a:cubicBezTo>
+                <a:cubicBezTo>
+                  <a:pt x="5500615" y="1582859"/>
+                  <a:pt x="5436112" y="1518356"/>
+                  <a:pt x="5436112" y="1438787"/>
+                </a:cubicBezTo>
+                <a:cubicBezTo>
+                  <a:pt x="5436112" y="1359218"/>
+                  <a:pt x="5500615" y="1294715"/>
+                  <a:pt x="5580184" y="1294715"/>
+                </a:cubicBezTo>
+                <a:close/>
+                <a:moveTo>
+                  <a:pt x="0" y="0"/>
+                </a:moveTo>
+                <a:lnTo>
+                  <a:pt x="5346882" y="0"/>
+                </a:lnTo>
+                <a:lnTo>
+                  <a:pt x="5396357" y="64140"/>
+                </a:lnTo>
+                <a:cubicBezTo>
+                  <a:pt x="5509528" y="228632"/>
+                  <a:pt x="5577723" y="424885"/>
+                  <a:pt x="5582550" y="646882"/>
+                </a:cubicBezTo>
+                <a:cubicBezTo>
+                  <a:pt x="5608062" y="1102027"/>
+                  <a:pt x="5203194" y="1301070"/>
+                  <a:pt x="5151872" y="1809180"/>
+                </a:cubicBezTo>
+                <a:cubicBezTo>
+                  <a:pt x="5104686" y="2276432"/>
+                  <a:pt x="5496947" y="2514465"/>
+                  <a:pt x="5323965" y="3464278"/>
+                </a:cubicBezTo>
+                <a:cubicBezTo>
+                  <a:pt x="5211960" y="4079388"/>
+                  <a:pt x="4297510" y="4259025"/>
+                  <a:pt x="5513003" y="5720066"/>
+                </a:cubicBezTo>
+                <a:cubicBezTo>
+                  <a:pt x="5768583" y="6027176"/>
+                  <a:pt x="5791560" y="6490332"/>
+                  <a:pt x="5601722" y="6841105"/>
+                </a:cubicBezTo>
+                <a:lnTo>
+                  <a:pt x="5590822" y="6858000"/>
+                </a:lnTo>
+                <a:lnTo>
+                  <a:pt x="1735" y="6858000"/>
+                </a:lnTo>
+                <a:lnTo>
+                  <a:pt x="0" y="6858000"/>
+                </a:lnTo>
+                <a:lnTo>
+                  <a:pt x="0" y="6849812"/>
+                </a:lnTo>
+                <a:lnTo>
+                  <a:pt x="0" y="6483067"/>
+                </a:lnTo>
+                <a:lnTo>
+                  <a:pt x="0" y="1250146"/>
+                </a:lnTo>
+                <a:close/>
+              </a:path>
+            </a:pathLst>
+          </a:custGeom>
+        </p:spPr>
+      </p:pic>
       <p:sp>
         <p:nvSpPr>
           <p:cNvPr id="3" name="Content Placeholder 2">
@@ -5466,31 +12777,35 @@
             <p:ph idx="1"/>
           </p:nvPr>
         </p:nvSpPr>
-        <p:spPr/>
+        <p:spPr>
+          <a:xfrm>
+            <a:off x="6298092" y="2391995"/>
+            <a:ext cx="5355276" cy="3174788"/>
+          </a:xfrm>
+        </p:spPr>
         <p:txBody>
-          <a:bodyPr/>
+          <a:bodyPr anchor="t">
+            <a:normAutofit/>
+          </a:bodyPr>
           <a:lstStyle/>
           <a:p>
             <a:r>
-              <a:rPr lang="en-GB" dirty="0"/>
+              <a:rPr lang="en-GB" sz="2400" dirty="0"/>
               <a:t>Spacecraft: 1000kg</a:t>
             </a:r>
           </a:p>
           <a:p>
             <a:r>
-              <a:rPr lang="en-GB" dirty="0"/>
+              <a:rPr lang="en-GB" sz="2400" dirty="0"/>
               <a:t>Burn rate: 0.5 kg/s</a:t>
             </a:r>
           </a:p>
           <a:p>
-            <a:endParaRPr lang="en-GB" dirty="0"/>
-          </a:p>
-          <a:p>
-            <a:endParaRPr lang="en-GB" dirty="0"/>
+            <a:endParaRPr lang="en-GB" sz="2400" dirty="0"/>
           </a:p>
           <a:p>
             <a:r>
-              <a:rPr lang="en-GB" dirty="0"/>
+              <a:rPr lang="en-GB" sz="2400" dirty="0"/>
               <a:t>Generate a graph of fuel consumption over time</a:t>
             </a:r>
           </a:p>
@@ -5512,6 +12827,14 @@
 <file path=ppt/slides/slide7.xml><?xml version="1.0" encoding="utf-8"?>
 <p:sld xmlns:a="http://schemas.openxmlformats.org/drawingml/2006/main" xmlns:r="http://schemas.openxmlformats.org/officeDocument/2006/relationships" xmlns:p="http://schemas.openxmlformats.org/presentationml/2006/main">
   <p:cSld>
+    <p:bg>
+      <p:bgPr>
+        <a:solidFill>
+          <a:schemeClr val="bg2"/>
+        </a:solidFill>
+        <a:effectLst/>
+      </p:bgPr>
+    </p:bg>
     <p:spTree>
       <p:nvGrpSpPr>
         <p:cNvPr id="1" name=""/>
@@ -5526,6 +12849,225 @@
           <a:chExt cx="0" cy="0"/>
         </a:xfrm>
       </p:grpSpPr>
+      <p:sp useBgFill="1">
+        <p:nvSpPr>
+          <p:cNvPr id="9" name="Background Fill">
+            <a:extLst>
+              <a:ext uri="{FF2B5EF4-FFF2-40B4-BE49-F238E27FC236}">
+                <a16:creationId xmlns:a16="http://schemas.microsoft.com/office/drawing/2014/main" id="{B937640E-EF7A-4A6C-A950-D12B7D5C923E}"/>
+              </a:ext>
+              <a:ext uri="{C183D7F6-B498-43B3-948B-1728B52AA6E4}">
+                <adec:decorative xmlns:adec="http://schemas.microsoft.com/office/drawing/2017/decorative" val="1"/>
+              </a:ext>
+            </a:extLst>
+          </p:cNvPr>
+          <p:cNvSpPr>
+            <a:spLocks noGrp="1" noRot="1" noChangeAspect="1" noMove="1" noResize="1" noEditPoints="1" noAdjustHandles="1" noChangeArrowheads="1" noChangeShapeType="1" noTextEdit="1"/>
+          </p:cNvSpPr>
+          <p:nvPr>
+            <p:extLst>
+              <p:ext uri="{386F3935-93C4-4BCD-93E2-E3B085C9AB24}">
+                <p16:designElem xmlns:p16="http://schemas.microsoft.com/office/powerpoint/2015/main" val="1"/>
+              </p:ext>
+            </p:extLst>
+          </p:nvPr>
+        </p:nvSpPr>
+        <p:spPr>
+          <a:xfrm>
+            <a:off x="0" y="0"/>
+            <a:ext cx="12188952" cy="6858000"/>
+          </a:xfrm>
+          <a:prstGeom prst="rect">
+            <a:avLst/>
+          </a:prstGeom>
+          <a:ln>
+            <a:noFill/>
+          </a:ln>
+        </p:spPr>
+        <p:style>
+          <a:lnRef idx="2">
+            <a:schemeClr val="accent1">
+              <a:shade val="50000"/>
+            </a:schemeClr>
+          </a:lnRef>
+          <a:fillRef idx="1">
+            <a:schemeClr val="accent1"/>
+          </a:fillRef>
+          <a:effectRef idx="0">
+            <a:schemeClr val="accent1"/>
+          </a:effectRef>
+          <a:fontRef idx="minor">
+            <a:schemeClr val="lt1"/>
+          </a:fontRef>
+        </p:style>
+        <p:txBody>
+          <a:bodyPr rtlCol="0" anchor="ctr"/>
+          <a:lstStyle/>
+          <a:p>
+            <a:pPr algn="ctr"/>
+            <a:endParaRPr lang="en-US"/>
+          </a:p>
+        </p:txBody>
+      </p:sp>
+      <p:sp>
+        <p:nvSpPr>
+          <p:cNvPr id="11" name="Rectangle 10">
+            <a:extLst>
+              <a:ext uri="{FF2B5EF4-FFF2-40B4-BE49-F238E27FC236}">
+                <a16:creationId xmlns:a16="http://schemas.microsoft.com/office/drawing/2014/main" id="{76ADA084-C86B-4F3C-8077-6A8999CC4632}"/>
+              </a:ext>
+              <a:ext uri="{C183D7F6-B498-43B3-948B-1728B52AA6E4}">
+                <adec:decorative xmlns:adec="http://schemas.microsoft.com/office/drawing/2017/decorative" val="1"/>
+              </a:ext>
+            </a:extLst>
+          </p:cNvPr>
+          <p:cNvSpPr>
+            <a:spLocks noGrp="1" noRot="1" noChangeAspect="1" noMove="1" noResize="1" noEditPoints="1" noAdjustHandles="1" noChangeArrowheads="1" noChangeShapeType="1" noTextEdit="1"/>
+          </p:cNvSpPr>
+          <p:nvPr>
+            <p:extLst>
+              <p:ext uri="{386F3935-93C4-4BCD-93E2-E3B085C9AB24}">
+                <p16:designElem xmlns:p16="http://schemas.microsoft.com/office/powerpoint/2015/main" val="1"/>
+              </p:ext>
+            </p:extLst>
+          </p:nvPr>
+        </p:nvSpPr>
+        <p:spPr>
+          <a:xfrm>
+            <a:off x="0" y="0"/>
+            <a:ext cx="12192001" cy="6858000"/>
+          </a:xfrm>
+          <a:prstGeom prst="rect">
+            <a:avLst/>
+          </a:prstGeom>
+          <a:solidFill>
+            <a:srgbClr val="AEAEAE">
+              <a:alpha val="10000"/>
+            </a:srgbClr>
+          </a:solidFill>
+          <a:ln>
+            <a:noFill/>
+          </a:ln>
+        </p:spPr>
+        <p:style>
+          <a:lnRef idx="2">
+            <a:schemeClr val="accent1">
+              <a:shade val="50000"/>
+            </a:schemeClr>
+          </a:lnRef>
+          <a:fillRef idx="1">
+            <a:schemeClr val="accent1"/>
+          </a:fillRef>
+          <a:effectRef idx="0">
+            <a:schemeClr val="accent1"/>
+          </a:effectRef>
+          <a:fontRef idx="minor">
+            <a:schemeClr val="lt1"/>
+          </a:fontRef>
+        </p:style>
+        <p:txBody>
+          <a:bodyPr rtlCol="0" anchor="ctr"/>
+          <a:lstStyle>
+            <a:defPPr>
+              <a:defRPr lang="en-US"/>
+            </a:defPPr>
+            <a:lvl1pPr marL="0" algn="l" defTabSz="914400" rtl="0" eaLnBrk="1" latinLnBrk="0" hangingPunct="1">
+              <a:defRPr sz="1800" kern="1200">
+                <a:solidFill>
+                  <a:schemeClr val="lt1"/>
+                </a:solidFill>
+                <a:latin typeface="+mn-lt"/>
+                <a:ea typeface="+mn-ea"/>
+                <a:cs typeface="+mn-cs"/>
+              </a:defRPr>
+            </a:lvl1pPr>
+            <a:lvl2pPr marL="457200" algn="l" defTabSz="914400" rtl="0" eaLnBrk="1" latinLnBrk="0" hangingPunct="1">
+              <a:defRPr sz="1800" kern="1200">
+                <a:solidFill>
+                  <a:schemeClr val="lt1"/>
+                </a:solidFill>
+                <a:latin typeface="+mn-lt"/>
+                <a:ea typeface="+mn-ea"/>
+                <a:cs typeface="+mn-cs"/>
+              </a:defRPr>
+            </a:lvl2pPr>
+            <a:lvl3pPr marL="914400" algn="l" defTabSz="914400" rtl="0" eaLnBrk="1" latinLnBrk="0" hangingPunct="1">
+              <a:defRPr sz="1800" kern="1200">
+                <a:solidFill>
+                  <a:schemeClr val="lt1"/>
+                </a:solidFill>
+                <a:latin typeface="+mn-lt"/>
+                <a:ea typeface="+mn-ea"/>
+                <a:cs typeface="+mn-cs"/>
+              </a:defRPr>
+            </a:lvl3pPr>
+            <a:lvl4pPr marL="1371600" algn="l" defTabSz="914400" rtl="0" eaLnBrk="1" latinLnBrk="0" hangingPunct="1">
+              <a:defRPr sz="1800" kern="1200">
+                <a:solidFill>
+                  <a:schemeClr val="lt1"/>
+                </a:solidFill>
+                <a:latin typeface="+mn-lt"/>
+                <a:ea typeface="+mn-ea"/>
+                <a:cs typeface="+mn-cs"/>
+              </a:defRPr>
+            </a:lvl4pPr>
+            <a:lvl5pPr marL="1828800" algn="l" defTabSz="914400" rtl="0" eaLnBrk="1" latinLnBrk="0" hangingPunct="1">
+              <a:defRPr sz="1800" kern="1200">
+                <a:solidFill>
+                  <a:schemeClr val="lt1"/>
+                </a:solidFill>
+                <a:latin typeface="+mn-lt"/>
+                <a:ea typeface="+mn-ea"/>
+                <a:cs typeface="+mn-cs"/>
+              </a:defRPr>
+            </a:lvl5pPr>
+            <a:lvl6pPr marL="2286000" algn="l" defTabSz="914400" rtl="0" eaLnBrk="1" latinLnBrk="0" hangingPunct="1">
+              <a:defRPr sz="1800" kern="1200">
+                <a:solidFill>
+                  <a:schemeClr val="lt1"/>
+                </a:solidFill>
+                <a:latin typeface="+mn-lt"/>
+                <a:ea typeface="+mn-ea"/>
+                <a:cs typeface="+mn-cs"/>
+              </a:defRPr>
+            </a:lvl6pPr>
+            <a:lvl7pPr marL="2743200" algn="l" defTabSz="914400" rtl="0" eaLnBrk="1" latinLnBrk="0" hangingPunct="1">
+              <a:defRPr sz="1800" kern="1200">
+                <a:solidFill>
+                  <a:schemeClr val="lt1"/>
+                </a:solidFill>
+                <a:latin typeface="+mn-lt"/>
+                <a:ea typeface="+mn-ea"/>
+                <a:cs typeface="+mn-cs"/>
+              </a:defRPr>
+            </a:lvl7pPr>
+            <a:lvl8pPr marL="3200400" algn="l" defTabSz="914400" rtl="0" eaLnBrk="1" latinLnBrk="0" hangingPunct="1">
+              <a:defRPr sz="1800" kern="1200">
+                <a:solidFill>
+                  <a:schemeClr val="lt1"/>
+                </a:solidFill>
+                <a:latin typeface="+mn-lt"/>
+                <a:ea typeface="+mn-ea"/>
+                <a:cs typeface="+mn-cs"/>
+              </a:defRPr>
+            </a:lvl8pPr>
+            <a:lvl9pPr marL="3657600" algn="l" defTabSz="914400" rtl="0" eaLnBrk="1" latinLnBrk="0" hangingPunct="1">
+              <a:defRPr sz="1800" kern="1200">
+                <a:solidFill>
+                  <a:schemeClr val="lt1"/>
+                </a:solidFill>
+                <a:latin typeface="+mn-lt"/>
+                <a:ea typeface="+mn-ea"/>
+                <a:cs typeface="+mn-cs"/>
+              </a:defRPr>
+            </a:lvl9pPr>
+          </a:lstStyle>
+          <a:p>
+            <a:pPr algn="ctr"/>
+            <a:endParaRPr lang="en-US" dirty="0"/>
+          </a:p>
+        </p:txBody>
+      </p:sp>
       <p:sp>
         <p:nvSpPr>
           <p:cNvPr id="2" name="Title 1">
@@ -5542,9 +13084,16 @@
             <p:ph type="title"/>
           </p:nvPr>
         </p:nvSpPr>
-        <p:spPr/>
+        <p:spPr>
+          <a:xfrm>
+            <a:off x="6297494" y="552782"/>
+            <a:ext cx="5369169" cy="1619611"/>
+          </a:xfrm>
+        </p:spPr>
         <p:txBody>
-          <a:bodyPr/>
+          <a:bodyPr>
+            <a:normAutofit/>
+          </a:bodyPr>
           <a:lstStyle/>
           <a:p>
             <a:r>
@@ -5554,6 +13103,177 @@
           </a:p>
         </p:txBody>
       </p:sp>
+      <p:pic>
+        <p:nvPicPr>
+          <p:cNvPr id="5" name="Picture 4">
+            <a:extLst>
+              <a:ext uri="{FF2B5EF4-FFF2-40B4-BE49-F238E27FC236}">
+                <a16:creationId xmlns:a16="http://schemas.microsoft.com/office/drawing/2014/main" id="{A0731F30-8157-A2FE-9F36-1F10EFB0D8C3}"/>
+              </a:ext>
+            </a:extLst>
+          </p:cNvPr>
+          <p:cNvPicPr>
+            <a:picLocks noChangeAspect="1"/>
+          </p:cNvPicPr>
+          <p:nvPr/>
+        </p:nvPicPr>
+        <p:blipFill>
+          <a:blip r:embed="rId2"/>
+          <a:srcRect l="35297" r="16905"/>
+          <a:stretch/>
+        </p:blipFill>
+        <p:spPr>
+          <a:xfrm>
+            <a:off x="-52346" y="10"/>
+            <a:ext cx="5827552" cy="6857990"/>
+          </a:xfrm>
+          <a:custGeom>
+            <a:avLst/>
+            <a:gdLst/>
+            <a:ahLst/>
+            <a:cxnLst/>
+            <a:rect l="l" t="t" r="r" b="b"/>
+            <a:pathLst>
+              <a:path w="5827552" h="6858000">
+                <a:moveTo>
+                  <a:pt x="5436113" y="4232571"/>
+                </a:moveTo>
+                <a:cubicBezTo>
+                  <a:pt x="5625722" y="4232571"/>
+                  <a:pt x="5779430" y="4386279"/>
+                  <a:pt x="5779430" y="4575888"/>
+                </a:cubicBezTo>
+                <a:cubicBezTo>
+                  <a:pt x="5779430" y="4765497"/>
+                  <a:pt x="5625722" y="4919205"/>
+                  <a:pt x="5436113" y="4919205"/>
+                </a:cubicBezTo>
+                <a:cubicBezTo>
+                  <a:pt x="5246504" y="4919205"/>
+                  <a:pt x="5092796" y="4765497"/>
+                  <a:pt x="5092796" y="4575888"/>
+                </a:cubicBezTo>
+                <a:cubicBezTo>
+                  <a:pt x="5092796" y="4386279"/>
+                  <a:pt x="5246504" y="4232571"/>
+                  <a:pt x="5436113" y="4232571"/>
+                </a:cubicBezTo>
+                <a:close/>
+                <a:moveTo>
+                  <a:pt x="5580185" y="1806694"/>
+                </a:moveTo>
+                <a:cubicBezTo>
+                  <a:pt x="5699726" y="1806694"/>
+                  <a:pt x="5799461" y="1891487"/>
+                  <a:pt x="5822527" y="2004209"/>
+                </a:cubicBezTo>
+                <a:lnTo>
+                  <a:pt x="5827552" y="2054052"/>
+                </a:lnTo>
+                <a:lnTo>
+                  <a:pt x="5827552" y="2054073"/>
+                </a:lnTo>
+                <a:lnTo>
+                  <a:pt x="5822527" y="2103916"/>
+                </a:lnTo>
+                <a:cubicBezTo>
+                  <a:pt x="5799461" y="2216637"/>
+                  <a:pt x="5699726" y="2301430"/>
+                  <a:pt x="5580185" y="2301430"/>
+                </a:cubicBezTo>
+                <a:cubicBezTo>
+                  <a:pt x="5443567" y="2301430"/>
+                  <a:pt x="5332817" y="2190680"/>
+                  <a:pt x="5332817" y="2054062"/>
+                </a:cubicBezTo>
+                <a:cubicBezTo>
+                  <a:pt x="5332817" y="1917444"/>
+                  <a:pt x="5443567" y="1806694"/>
+                  <a:pt x="5580185" y="1806694"/>
+                </a:cubicBezTo>
+                <a:close/>
+                <a:moveTo>
+                  <a:pt x="5580184" y="1294715"/>
+                </a:moveTo>
+                <a:cubicBezTo>
+                  <a:pt x="5659753" y="1294715"/>
+                  <a:pt x="5724256" y="1359218"/>
+                  <a:pt x="5724256" y="1438787"/>
+                </a:cubicBezTo>
+                <a:cubicBezTo>
+                  <a:pt x="5724256" y="1518356"/>
+                  <a:pt x="5659753" y="1582859"/>
+                  <a:pt x="5580184" y="1582859"/>
+                </a:cubicBezTo>
+                <a:cubicBezTo>
+                  <a:pt x="5500615" y="1582859"/>
+                  <a:pt x="5436112" y="1518356"/>
+                  <a:pt x="5436112" y="1438787"/>
+                </a:cubicBezTo>
+                <a:cubicBezTo>
+                  <a:pt x="5436112" y="1359218"/>
+                  <a:pt x="5500615" y="1294715"/>
+                  <a:pt x="5580184" y="1294715"/>
+                </a:cubicBezTo>
+                <a:close/>
+                <a:moveTo>
+                  <a:pt x="0" y="0"/>
+                </a:moveTo>
+                <a:lnTo>
+                  <a:pt x="5346882" y="0"/>
+                </a:lnTo>
+                <a:lnTo>
+                  <a:pt x="5396357" y="64140"/>
+                </a:lnTo>
+                <a:cubicBezTo>
+                  <a:pt x="5509528" y="228632"/>
+                  <a:pt x="5577723" y="424885"/>
+                  <a:pt x="5582550" y="646882"/>
+                </a:cubicBezTo>
+                <a:cubicBezTo>
+                  <a:pt x="5608062" y="1102027"/>
+                  <a:pt x="5203194" y="1301070"/>
+                  <a:pt x="5151872" y="1809180"/>
+                </a:cubicBezTo>
+                <a:cubicBezTo>
+                  <a:pt x="5104686" y="2276432"/>
+                  <a:pt x="5496947" y="2514465"/>
+                  <a:pt x="5323965" y="3464278"/>
+                </a:cubicBezTo>
+                <a:cubicBezTo>
+                  <a:pt x="5211960" y="4079388"/>
+                  <a:pt x="4297510" y="4259025"/>
+                  <a:pt x="5513003" y="5720066"/>
+                </a:cubicBezTo>
+                <a:cubicBezTo>
+                  <a:pt x="5768583" y="6027176"/>
+                  <a:pt x="5791560" y="6490332"/>
+                  <a:pt x="5601722" y="6841105"/>
+                </a:cubicBezTo>
+                <a:lnTo>
+                  <a:pt x="5590822" y="6858000"/>
+                </a:lnTo>
+                <a:lnTo>
+                  <a:pt x="1735" y="6858000"/>
+                </a:lnTo>
+                <a:lnTo>
+                  <a:pt x="0" y="6858000"/>
+                </a:lnTo>
+                <a:lnTo>
+                  <a:pt x="0" y="6849812"/>
+                </a:lnTo>
+                <a:lnTo>
+                  <a:pt x="0" y="6483067"/>
+                </a:lnTo>
+                <a:lnTo>
+                  <a:pt x="0" y="1250146"/>
+                </a:lnTo>
+                <a:close/>
+              </a:path>
+            </a:pathLst>
+          </a:custGeom>
+        </p:spPr>
+      </p:pic>
       <p:sp>
         <p:nvSpPr>
           <p:cNvPr id="3" name="Content Placeholder 2">
@@ -5570,35 +13290,53 @@
             <p:ph idx="1"/>
           </p:nvPr>
         </p:nvSpPr>
-        <p:spPr/>
+        <p:spPr>
+          <a:xfrm>
+            <a:off x="6298092" y="2391995"/>
+            <a:ext cx="5355276" cy="3174788"/>
+          </a:xfrm>
+        </p:spPr>
         <p:txBody>
-          <a:bodyPr/>
+          <a:bodyPr anchor="t">
+            <a:normAutofit/>
+          </a:bodyPr>
           <a:lstStyle/>
           <a:p>
+            <a:pPr>
+              <a:lnSpc>
+                <a:spcPct val="100000"/>
+              </a:lnSpc>
+            </a:pPr>
             <a:r>
               <a:rPr lang="en-GB" dirty="0"/>
               <a:t>Congratulations space commander you have helped the mission become one step closer to completion.</a:t>
             </a:r>
           </a:p>
           <a:p>
+            <a:pPr>
+              <a:lnSpc>
+                <a:spcPct val="100000"/>
+              </a:lnSpc>
+            </a:pPr>
             <a:endParaRPr lang="en-GB" dirty="0"/>
           </a:p>
           <a:p>
-            <a:endParaRPr lang="en-GB" dirty="0"/>
-          </a:p>
-          <a:p>
-            <a:endParaRPr lang="en-GB"/>
-          </a:p>
-          <a:p>
-            <a:endParaRPr lang="en-GB" dirty="0"/>
-          </a:p>
-          <a:p>
+            <a:pPr>
+              <a:lnSpc>
+                <a:spcPct val="100000"/>
+              </a:lnSpc>
+            </a:pPr>
             <a:r>
               <a:rPr lang="en-GB" dirty="0"/>
               <a:t>Extension:</a:t>
             </a:r>
           </a:p>
           <a:p>
+            <a:pPr>
+              <a:lnSpc>
+                <a:spcPct val="100000"/>
+              </a:lnSpc>
+            </a:pPr>
             <a:r>
               <a:rPr lang="en-GB" dirty="0"/>
               <a:t>Work out how much fuel is needed to travel from Earth to your destination planet</a:t>
@@ -5610,6 +13348,515 @@
     <p:extLst>
       <p:ext uri="{BB962C8B-B14F-4D97-AF65-F5344CB8AC3E}">
         <p14:creationId xmlns:p14="http://schemas.microsoft.com/office/powerpoint/2010/main" val="4018678189"/>
+      </p:ext>
+    </p:extLst>
+  </p:cSld>
+  <p:clrMapOvr>
+    <a:masterClrMapping/>
+  </p:clrMapOvr>
+</p:sld>
+</file>
+
+<file path=ppt/slides/slide8.xml><?xml version="1.0" encoding="utf-8"?>
+<p:sld xmlns:a="http://schemas.openxmlformats.org/drawingml/2006/main" xmlns:r="http://schemas.openxmlformats.org/officeDocument/2006/relationships" xmlns:p="http://schemas.openxmlformats.org/presentationml/2006/main">
+  <p:cSld>
+    <p:bg>
+      <p:bgPr>
+        <a:solidFill>
+          <a:schemeClr val="bg2"/>
+        </a:solidFill>
+        <a:effectLst/>
+      </p:bgPr>
+    </p:bg>
+    <p:spTree>
+      <p:nvGrpSpPr>
+        <p:cNvPr id="1" name=""/>
+        <p:cNvGrpSpPr/>
+        <p:nvPr/>
+      </p:nvGrpSpPr>
+      <p:grpSpPr>
+        <a:xfrm>
+          <a:off x="0" y="0"/>
+          <a:ext cx="0" cy="0"/>
+          <a:chOff x="0" y="0"/>
+          <a:chExt cx="0" cy="0"/>
+        </a:xfrm>
+      </p:grpSpPr>
+      <p:sp useBgFill="1">
+        <p:nvSpPr>
+          <p:cNvPr id="1033" name="Background Fill">
+            <a:extLst>
+              <a:ext uri="{FF2B5EF4-FFF2-40B4-BE49-F238E27FC236}">
+                <a16:creationId xmlns:a16="http://schemas.microsoft.com/office/drawing/2014/main" id="{B937640E-EF7A-4A6C-A950-D12B7D5C923E}"/>
+              </a:ext>
+              <a:ext uri="{C183D7F6-B498-43B3-948B-1728B52AA6E4}">
+                <adec:decorative xmlns:adec="http://schemas.microsoft.com/office/drawing/2017/decorative" val="1"/>
+              </a:ext>
+            </a:extLst>
+          </p:cNvPr>
+          <p:cNvSpPr>
+            <a:spLocks noGrp="1" noRot="1" noChangeAspect="1" noMove="1" noResize="1" noEditPoints="1" noAdjustHandles="1" noChangeArrowheads="1" noChangeShapeType="1" noTextEdit="1"/>
+          </p:cNvSpPr>
+          <p:nvPr>
+            <p:extLst>
+              <p:ext uri="{386F3935-93C4-4BCD-93E2-E3B085C9AB24}">
+                <p16:designElem xmlns:p16="http://schemas.microsoft.com/office/powerpoint/2015/main" val="1"/>
+              </p:ext>
+            </p:extLst>
+          </p:nvPr>
+        </p:nvSpPr>
+        <p:spPr>
+          <a:xfrm>
+            <a:off x="0" y="-1"/>
+            <a:ext cx="12188952" cy="6858000"/>
+          </a:xfrm>
+          <a:prstGeom prst="rect">
+            <a:avLst/>
+          </a:prstGeom>
+          <a:ln>
+            <a:noFill/>
+          </a:ln>
+        </p:spPr>
+        <p:style>
+          <a:lnRef idx="2">
+            <a:schemeClr val="accent1">
+              <a:shade val="50000"/>
+            </a:schemeClr>
+          </a:lnRef>
+          <a:fillRef idx="1">
+            <a:schemeClr val="accent1"/>
+          </a:fillRef>
+          <a:effectRef idx="0">
+            <a:schemeClr val="accent1"/>
+          </a:effectRef>
+          <a:fontRef idx="minor">
+            <a:schemeClr val="lt1"/>
+          </a:fontRef>
+        </p:style>
+        <p:txBody>
+          <a:bodyPr rtlCol="0" anchor="ctr"/>
+          <a:lstStyle/>
+          <a:p>
+            <a:pPr algn="ctr"/>
+            <a:endParaRPr lang="en-US"/>
+          </a:p>
+        </p:txBody>
+      </p:sp>
+      <p:sp>
+        <p:nvSpPr>
+          <p:cNvPr id="1035" name="Rectangle 1034">
+            <a:extLst>
+              <a:ext uri="{FF2B5EF4-FFF2-40B4-BE49-F238E27FC236}">
+                <a16:creationId xmlns:a16="http://schemas.microsoft.com/office/drawing/2014/main" id="{76ADA084-C86B-4F3C-8077-6A8999CC4632}"/>
+              </a:ext>
+              <a:ext uri="{C183D7F6-B498-43B3-948B-1728B52AA6E4}">
+                <adec:decorative xmlns:adec="http://schemas.microsoft.com/office/drawing/2017/decorative" val="1"/>
+              </a:ext>
+            </a:extLst>
+          </p:cNvPr>
+          <p:cNvSpPr>
+            <a:spLocks noGrp="1" noRot="1" noChangeAspect="1" noMove="1" noResize="1" noEditPoints="1" noAdjustHandles="1" noChangeArrowheads="1" noChangeShapeType="1" noTextEdit="1"/>
+          </p:cNvSpPr>
+          <p:nvPr>
+            <p:extLst>
+              <p:ext uri="{386F3935-93C4-4BCD-93E2-E3B085C9AB24}">
+                <p16:designElem xmlns:p16="http://schemas.microsoft.com/office/powerpoint/2015/main" val="1"/>
+              </p:ext>
+            </p:extLst>
+          </p:nvPr>
+        </p:nvSpPr>
+        <p:spPr>
+          <a:xfrm>
+            <a:off x="0" y="0"/>
+            <a:ext cx="12192001" cy="6858000"/>
+          </a:xfrm>
+          <a:prstGeom prst="rect">
+            <a:avLst/>
+          </a:prstGeom>
+          <a:solidFill>
+            <a:srgbClr val="AEAEAE">
+              <a:alpha val="10000"/>
+            </a:srgbClr>
+          </a:solidFill>
+          <a:ln>
+            <a:noFill/>
+          </a:ln>
+        </p:spPr>
+        <p:style>
+          <a:lnRef idx="2">
+            <a:schemeClr val="accent1">
+              <a:shade val="50000"/>
+            </a:schemeClr>
+          </a:lnRef>
+          <a:fillRef idx="1">
+            <a:schemeClr val="accent1"/>
+          </a:fillRef>
+          <a:effectRef idx="0">
+            <a:schemeClr val="accent1"/>
+          </a:effectRef>
+          <a:fontRef idx="minor">
+            <a:schemeClr val="lt1"/>
+          </a:fontRef>
+        </p:style>
+        <p:txBody>
+          <a:bodyPr rtlCol="0" anchor="ctr"/>
+          <a:lstStyle>
+            <a:defPPr>
+              <a:defRPr lang="en-US"/>
+            </a:defPPr>
+            <a:lvl1pPr marL="0" algn="l" defTabSz="914400" rtl="0" eaLnBrk="1" latinLnBrk="0" hangingPunct="1">
+              <a:defRPr sz="1800" kern="1200">
+                <a:solidFill>
+                  <a:schemeClr val="lt1"/>
+                </a:solidFill>
+                <a:latin typeface="+mn-lt"/>
+                <a:ea typeface="+mn-ea"/>
+                <a:cs typeface="+mn-cs"/>
+              </a:defRPr>
+            </a:lvl1pPr>
+            <a:lvl2pPr marL="457200" algn="l" defTabSz="914400" rtl="0" eaLnBrk="1" latinLnBrk="0" hangingPunct="1">
+              <a:defRPr sz="1800" kern="1200">
+                <a:solidFill>
+                  <a:schemeClr val="lt1"/>
+                </a:solidFill>
+                <a:latin typeface="+mn-lt"/>
+                <a:ea typeface="+mn-ea"/>
+                <a:cs typeface="+mn-cs"/>
+              </a:defRPr>
+            </a:lvl2pPr>
+            <a:lvl3pPr marL="914400" algn="l" defTabSz="914400" rtl="0" eaLnBrk="1" latinLnBrk="0" hangingPunct="1">
+              <a:defRPr sz="1800" kern="1200">
+                <a:solidFill>
+                  <a:schemeClr val="lt1"/>
+                </a:solidFill>
+                <a:latin typeface="+mn-lt"/>
+                <a:ea typeface="+mn-ea"/>
+                <a:cs typeface="+mn-cs"/>
+              </a:defRPr>
+            </a:lvl3pPr>
+            <a:lvl4pPr marL="1371600" algn="l" defTabSz="914400" rtl="0" eaLnBrk="1" latinLnBrk="0" hangingPunct="1">
+              <a:defRPr sz="1800" kern="1200">
+                <a:solidFill>
+                  <a:schemeClr val="lt1"/>
+                </a:solidFill>
+                <a:latin typeface="+mn-lt"/>
+                <a:ea typeface="+mn-ea"/>
+                <a:cs typeface="+mn-cs"/>
+              </a:defRPr>
+            </a:lvl4pPr>
+            <a:lvl5pPr marL="1828800" algn="l" defTabSz="914400" rtl="0" eaLnBrk="1" latinLnBrk="0" hangingPunct="1">
+              <a:defRPr sz="1800" kern="1200">
+                <a:solidFill>
+                  <a:schemeClr val="lt1"/>
+                </a:solidFill>
+                <a:latin typeface="+mn-lt"/>
+                <a:ea typeface="+mn-ea"/>
+                <a:cs typeface="+mn-cs"/>
+              </a:defRPr>
+            </a:lvl5pPr>
+            <a:lvl6pPr marL="2286000" algn="l" defTabSz="914400" rtl="0" eaLnBrk="1" latinLnBrk="0" hangingPunct="1">
+              <a:defRPr sz="1800" kern="1200">
+                <a:solidFill>
+                  <a:schemeClr val="lt1"/>
+                </a:solidFill>
+                <a:latin typeface="+mn-lt"/>
+                <a:ea typeface="+mn-ea"/>
+                <a:cs typeface="+mn-cs"/>
+              </a:defRPr>
+            </a:lvl6pPr>
+            <a:lvl7pPr marL="2743200" algn="l" defTabSz="914400" rtl="0" eaLnBrk="1" latinLnBrk="0" hangingPunct="1">
+              <a:defRPr sz="1800" kern="1200">
+                <a:solidFill>
+                  <a:schemeClr val="lt1"/>
+                </a:solidFill>
+                <a:latin typeface="+mn-lt"/>
+                <a:ea typeface="+mn-ea"/>
+                <a:cs typeface="+mn-cs"/>
+              </a:defRPr>
+            </a:lvl7pPr>
+            <a:lvl8pPr marL="3200400" algn="l" defTabSz="914400" rtl="0" eaLnBrk="1" latinLnBrk="0" hangingPunct="1">
+              <a:defRPr sz="1800" kern="1200">
+                <a:solidFill>
+                  <a:schemeClr val="lt1"/>
+                </a:solidFill>
+                <a:latin typeface="+mn-lt"/>
+                <a:ea typeface="+mn-ea"/>
+                <a:cs typeface="+mn-cs"/>
+              </a:defRPr>
+            </a:lvl8pPr>
+            <a:lvl9pPr marL="3657600" algn="l" defTabSz="914400" rtl="0" eaLnBrk="1" latinLnBrk="0" hangingPunct="1">
+              <a:defRPr sz="1800" kern="1200">
+                <a:solidFill>
+                  <a:schemeClr val="lt1"/>
+                </a:solidFill>
+                <a:latin typeface="+mn-lt"/>
+                <a:ea typeface="+mn-ea"/>
+                <a:cs typeface="+mn-cs"/>
+              </a:defRPr>
+            </a:lvl9pPr>
+          </a:lstStyle>
+          <a:p>
+            <a:pPr algn="ctr"/>
+            <a:endParaRPr lang="en-US" dirty="0"/>
+          </a:p>
+        </p:txBody>
+      </p:sp>
+      <p:sp>
+        <p:nvSpPr>
+          <p:cNvPr id="2" name="Title 1">
+            <a:extLst>
+              <a:ext uri="{FF2B5EF4-FFF2-40B4-BE49-F238E27FC236}">
+                <a16:creationId xmlns:a16="http://schemas.microsoft.com/office/drawing/2014/main" id="{CD924D83-2AE3-8C2C-BC5D-97EC77B57B23}"/>
+              </a:ext>
+            </a:extLst>
+          </p:cNvPr>
+          <p:cNvSpPr>
+            <a:spLocks noGrp="1"/>
+          </p:cNvSpPr>
+          <p:nvPr>
+            <p:ph type="title"/>
+          </p:nvPr>
+        </p:nvSpPr>
+        <p:spPr>
+          <a:xfrm>
+            <a:off x="609600" y="704258"/>
+            <a:ext cx="5602778" cy="1451509"/>
+          </a:xfrm>
+        </p:spPr>
+        <p:txBody>
+          <a:bodyPr>
+            <a:normAutofit/>
+          </a:bodyPr>
+          <a:lstStyle/>
+          <a:p>
+            <a:r>
+              <a:rPr lang="en-GB" b="1" dirty="0"/>
+              <a:t>Mae Jemison</a:t>
+            </a:r>
+            <a:r>
+              <a:rPr lang="en-GB" dirty="0"/>
+              <a:t> </a:t>
+            </a:r>
+          </a:p>
+        </p:txBody>
+      </p:sp>
+      <p:sp>
+        <p:nvSpPr>
+          <p:cNvPr id="3" name="Content Placeholder 2">
+            <a:extLst>
+              <a:ext uri="{FF2B5EF4-FFF2-40B4-BE49-F238E27FC236}">
+                <a16:creationId xmlns:a16="http://schemas.microsoft.com/office/drawing/2014/main" id="{EFBEDAFF-2224-98C6-3634-4C7801B5469E}"/>
+              </a:ext>
+            </a:extLst>
+          </p:cNvPr>
+          <p:cNvSpPr>
+            <a:spLocks noGrp="1"/>
+          </p:cNvSpPr>
+          <p:nvPr>
+            <p:ph idx="1"/>
+          </p:nvPr>
+        </p:nvSpPr>
+        <p:spPr>
+          <a:xfrm>
+            <a:off x="610197" y="2391994"/>
+            <a:ext cx="5588281" cy="4350449"/>
+          </a:xfrm>
+        </p:spPr>
+        <p:txBody>
+          <a:bodyPr anchor="t">
+            <a:normAutofit lnSpcReduction="10000"/>
+          </a:bodyPr>
+          <a:lstStyle/>
+          <a:p>
+            <a:pPr>
+              <a:lnSpc>
+                <a:spcPct val="100000"/>
+              </a:lnSpc>
+            </a:pPr>
+            <a:r>
+              <a:rPr lang="en-GB" b="1" dirty="0"/>
+              <a:t>Mae Jemison</a:t>
+            </a:r>
+            <a:r>
+              <a:rPr lang="en-GB" dirty="0"/>
+              <a:t> is a pioneering astronaut and physician who became the first African American woman to travel to space in 1992 aboard the Space Shuttle </a:t>
+            </a:r>
+            <a:r>
+              <a:rPr lang="en-GB" b="1" dirty="0"/>
+              <a:t>Endeavour</a:t>
+            </a:r>
+            <a:r>
+              <a:rPr lang="en-GB" dirty="0"/>
+              <a:t>. A strong advocate for science education, she founded the </a:t>
+            </a:r>
+            <a:r>
+              <a:rPr lang="en-GB" b="1" dirty="0"/>
+              <a:t>Dorothy Jemison Foundation</a:t>
+            </a:r>
+            <a:r>
+              <a:rPr lang="en-GB" dirty="0"/>
+              <a:t> to promote STEM opportunities for young people. Jemison is also known for her work as a medical doctor and educator, encouraging diverse perspectives in science and technology. Her career exemplifies how interdisciplinary skills and a commitment to education can advance space exploration and inspire future generations.</a:t>
+            </a:r>
+          </a:p>
+        </p:txBody>
+      </p:sp>
+      <p:pic>
+        <p:nvPicPr>
+          <p:cNvPr id="1028" name="Picture 4" descr="Black History Month Features: Mae Jemison - Medical Humanities">
+            <a:extLst>
+              <a:ext uri="{FF2B5EF4-FFF2-40B4-BE49-F238E27FC236}">
+                <a16:creationId xmlns:a16="http://schemas.microsoft.com/office/drawing/2014/main" id="{A3A31179-8A55-1F85-633A-5E7E058DA6CE}"/>
+              </a:ext>
+            </a:extLst>
+          </p:cNvPr>
+          <p:cNvPicPr>
+            <a:picLocks noChangeAspect="1" noChangeArrowheads="1"/>
+          </p:cNvPicPr>
+          <p:nvPr/>
+        </p:nvPicPr>
+        <p:blipFill>
+          <a:blip r:embed="rId3">
+            <a:extLst>
+              <a:ext uri="{28A0092B-C50C-407E-A947-70E740481C1C}">
+                <a14:useLocalDpi xmlns:a14="http://schemas.microsoft.com/office/drawing/2010/main" val="0"/>
+              </a:ext>
+            </a:extLst>
+          </a:blip>
+          <a:srcRect r="1" b="4196"/>
+          <a:stretch/>
+        </p:blipFill>
+        <p:spPr bwMode="auto">
+          <a:xfrm>
+            <a:off x="6465346" y="1"/>
+            <a:ext cx="5726654" cy="6857999"/>
+          </a:xfrm>
+          <a:custGeom>
+            <a:avLst/>
+            <a:gdLst/>
+            <a:ahLst/>
+            <a:cxnLst/>
+            <a:rect l="l" t="t" r="r" b="b"/>
+            <a:pathLst>
+              <a:path w="5726654" h="6857999">
+                <a:moveTo>
+                  <a:pt x="615191" y="3536634"/>
+                </a:moveTo>
+                <a:cubicBezTo>
+                  <a:pt x="896629" y="3536634"/>
+                  <a:pt x="1124779" y="3764784"/>
+                  <a:pt x="1124779" y="4046222"/>
+                </a:cubicBezTo>
+                <a:cubicBezTo>
+                  <a:pt x="1124779" y="4327660"/>
+                  <a:pt x="896629" y="4555810"/>
+                  <a:pt x="615191" y="4555810"/>
+                </a:cubicBezTo>
+                <a:cubicBezTo>
+                  <a:pt x="333753" y="4555810"/>
+                  <a:pt x="105603" y="4327660"/>
+                  <a:pt x="105603" y="4046222"/>
+                </a:cubicBezTo>
+                <a:cubicBezTo>
+                  <a:pt x="105603" y="3764784"/>
+                  <a:pt x="333753" y="3536634"/>
+                  <a:pt x="615191" y="3536634"/>
+                </a:cubicBezTo>
+                <a:close/>
+                <a:moveTo>
+                  <a:pt x="1497781" y="0"/>
+                </a:moveTo>
+                <a:lnTo>
+                  <a:pt x="5726654" y="0"/>
+                </a:lnTo>
+                <a:lnTo>
+                  <a:pt x="5726654" y="6857999"/>
+                </a:lnTo>
+                <a:lnTo>
+                  <a:pt x="311758" y="6857999"/>
+                </a:lnTo>
+                <a:lnTo>
+                  <a:pt x="314131" y="6707669"/>
+                </a:lnTo>
+                <a:cubicBezTo>
+                  <a:pt x="335133" y="6366408"/>
+                  <a:pt x="433652" y="6019041"/>
+                  <a:pt x="599703" y="5670857"/>
+                </a:cubicBezTo>
+                <a:cubicBezTo>
+                  <a:pt x="770258" y="5311555"/>
+                  <a:pt x="1010814" y="4986831"/>
+                  <a:pt x="1211434" y="4641254"/>
+                </a:cubicBezTo>
+                <a:cubicBezTo>
+                  <a:pt x="1493037" y="4154455"/>
+                  <a:pt x="1511836" y="3622743"/>
+                  <a:pt x="1053042" y="3164268"/>
+                </a:cubicBezTo>
+                <a:cubicBezTo>
+                  <a:pt x="881978" y="2993263"/>
+                  <a:pt x="700423" y="2805522"/>
+                  <a:pt x="607049" y="2589404"/>
+                </a:cubicBezTo>
+                <a:cubicBezTo>
+                  <a:pt x="366280" y="2032157"/>
+                  <a:pt x="541126" y="1508060"/>
+                  <a:pt x="1054916" y="1068098"/>
+                </a:cubicBezTo>
+                <a:cubicBezTo>
+                  <a:pt x="1261028" y="891534"/>
+                  <a:pt x="1489689" y="709487"/>
+                  <a:pt x="1502878" y="419994"/>
+                </a:cubicBezTo>
+                <a:cubicBezTo>
+                  <a:pt x="1506390" y="341909"/>
+                  <a:pt x="1507263" y="263519"/>
+                  <a:pt x="1505905" y="184995"/>
+                </a:cubicBezTo>
+                <a:close/>
+                <a:moveTo>
+                  <a:pt x="14544" y="0"/>
+                </a:moveTo>
+                <a:lnTo>
+                  <a:pt x="879353" y="0"/>
+                </a:lnTo>
+                <a:lnTo>
+                  <a:pt x="892054" y="78051"/>
+                </a:lnTo>
+                <a:cubicBezTo>
+                  <a:pt x="904493" y="285270"/>
+                  <a:pt x="770272" y="479620"/>
+                  <a:pt x="561941" y="535442"/>
+                </a:cubicBezTo>
+                <a:cubicBezTo>
+                  <a:pt x="323847" y="599239"/>
+                  <a:pt x="79117" y="457944"/>
+                  <a:pt x="15320" y="219851"/>
+                </a:cubicBezTo>
+                <a:cubicBezTo>
+                  <a:pt x="-630" y="160328"/>
+                  <a:pt x="-3761" y="100390"/>
+                  <a:pt x="4235" y="42968"/>
+                </a:cubicBezTo>
+                <a:close/>
+              </a:path>
+            </a:pathLst>
+          </a:custGeom>
+          <a:noFill/>
+          <a:extLst>
+            <a:ext uri="{909E8E84-426E-40DD-AFC4-6F175D3DCCD1}">
+              <a14:hiddenFill xmlns:a14="http://schemas.microsoft.com/office/drawing/2010/main">
+                <a:solidFill>
+                  <a:srgbClr val="FFFFFF"/>
+                </a:solidFill>
+              </a14:hiddenFill>
+            </a:ext>
+          </a:extLst>
+        </p:spPr>
+      </p:pic>
+    </p:spTree>
+    <p:extLst>
+      <p:ext uri="{BB962C8B-B14F-4D97-AF65-F5344CB8AC3E}">
+        <p14:creationId xmlns:p14="http://schemas.microsoft.com/office/powerpoint/2010/main" val="2219850152"/>
       </p:ext>
     </p:extLst>
   </p:cSld>
